--- a/English/4. Analysing data/3.Groups.pptx
+++ b/English/4. Analysing data/3.Groups.pptx
@@ -25,7 +25,7 @@
   <p:notesSz cx="6858000" cy="9144000"/>
   <p:defaultTextStyle>
     <a:defPPr>
-      <a:defRPr lang="en-US"/>
+      <a:defRPr lang="en"/>
     </a:defPPr>
     <a:lvl1pPr marL="0" algn="l" defTabSz="914400" rtl="0" eaLnBrk="1" latinLnBrk="0" hangingPunct="1">
       <a:defRPr sz="1800" kern="1200">
@@ -208,7 +208,7 @@
           <a:p>
             <a:fld id="{056BA3B8-9F76-4D81-B71D-76CB85363062}" type="datetimeFigureOut">
               <a:rPr lang="en-US" smtClean="0"/>
-              <a:t>1/3/2025</a:t>
+              <a:t>3/5/2025</a:t>
             </a:fld>
             <a:endParaRPr lang="en-US"/>
           </a:p>
@@ -691,7 +691,7 @@
           <a:p>
             <a:fld id="{6F01DA4D-20EA-48D2-973C-0311EC3005D6}" type="datetimeFigureOut">
               <a:rPr lang="en-US" smtClean="0"/>
-              <a:t>1/3/2025</a:t>
+              <a:t>3/5/2025</a:t>
             </a:fld>
             <a:endParaRPr lang="en-US"/>
           </a:p>
@@ -861,7 +861,7 @@
           <a:p>
             <a:fld id="{6F01DA4D-20EA-48D2-973C-0311EC3005D6}" type="datetimeFigureOut">
               <a:rPr lang="en-US" smtClean="0"/>
-              <a:t>1/3/2025</a:t>
+              <a:t>3/5/2025</a:t>
             </a:fld>
             <a:endParaRPr lang="en-US"/>
           </a:p>
@@ -1041,7 +1041,7 @@
           <a:p>
             <a:fld id="{6F01DA4D-20EA-48D2-973C-0311EC3005D6}" type="datetimeFigureOut">
               <a:rPr lang="en-US" smtClean="0"/>
-              <a:t>1/3/2025</a:t>
+              <a:t>3/5/2025</a:t>
             </a:fld>
             <a:endParaRPr lang="en-US"/>
           </a:p>
@@ -1211,7 +1211,7 @@
           <a:p>
             <a:fld id="{6F01DA4D-20EA-48D2-973C-0311EC3005D6}" type="datetimeFigureOut">
               <a:rPr lang="en-US" smtClean="0"/>
-              <a:t>1/3/2025</a:t>
+              <a:t>3/5/2025</a:t>
             </a:fld>
             <a:endParaRPr lang="en-US"/>
           </a:p>
@@ -1457,7 +1457,7 @@
           <a:p>
             <a:fld id="{6F01DA4D-20EA-48D2-973C-0311EC3005D6}" type="datetimeFigureOut">
               <a:rPr lang="en-US" smtClean="0"/>
-              <a:t>1/3/2025</a:t>
+              <a:t>3/5/2025</a:t>
             </a:fld>
             <a:endParaRPr lang="en-US"/>
           </a:p>
@@ -1689,7 +1689,7 @@
           <a:p>
             <a:fld id="{6F01DA4D-20EA-48D2-973C-0311EC3005D6}" type="datetimeFigureOut">
               <a:rPr lang="en-US" smtClean="0"/>
-              <a:t>1/3/2025</a:t>
+              <a:t>3/5/2025</a:t>
             </a:fld>
             <a:endParaRPr lang="en-US"/>
           </a:p>
@@ -2056,7 +2056,7 @@
           <a:p>
             <a:fld id="{6F01DA4D-20EA-48D2-973C-0311EC3005D6}" type="datetimeFigureOut">
               <a:rPr lang="en-US" smtClean="0"/>
-              <a:t>1/3/2025</a:t>
+              <a:t>3/5/2025</a:t>
             </a:fld>
             <a:endParaRPr lang="en-US"/>
           </a:p>
@@ -2174,7 +2174,7 @@
           <a:p>
             <a:fld id="{6F01DA4D-20EA-48D2-973C-0311EC3005D6}" type="datetimeFigureOut">
               <a:rPr lang="en-US" smtClean="0"/>
-              <a:t>1/3/2025</a:t>
+              <a:t>3/5/2025</a:t>
             </a:fld>
             <a:endParaRPr lang="en-US"/>
           </a:p>
@@ -2269,7 +2269,7 @@
           <a:p>
             <a:fld id="{6F01DA4D-20EA-48D2-973C-0311EC3005D6}" type="datetimeFigureOut">
               <a:rPr lang="en-US" smtClean="0"/>
-              <a:t>1/3/2025</a:t>
+              <a:t>3/5/2025</a:t>
             </a:fld>
             <a:endParaRPr lang="en-US"/>
           </a:p>
@@ -2546,7 +2546,7 @@
           <a:p>
             <a:fld id="{6F01DA4D-20EA-48D2-973C-0311EC3005D6}" type="datetimeFigureOut">
               <a:rPr lang="en-US" smtClean="0"/>
-              <a:t>1/3/2025</a:t>
+              <a:t>3/5/2025</a:t>
             </a:fld>
             <a:endParaRPr lang="en-US"/>
           </a:p>
@@ -2799,7 +2799,7 @@
           <a:p>
             <a:fld id="{6F01DA4D-20EA-48D2-973C-0311EC3005D6}" type="datetimeFigureOut">
               <a:rPr lang="en-US" smtClean="0"/>
-              <a:t>1/3/2025</a:t>
+              <a:t>3/5/2025</a:t>
             </a:fld>
             <a:endParaRPr lang="en-US"/>
           </a:p>
@@ -3012,7 +3012,7 @@
           <a:p>
             <a:fld id="{6F01DA4D-20EA-48D2-973C-0311EC3005D6}" type="datetimeFigureOut">
               <a:rPr lang="en-US" smtClean="0"/>
-              <a:t>1/3/2025</a:t>
+              <a:t>3/5/2025</a:t>
             </a:fld>
             <a:endParaRPr lang="en-US"/>
           </a:p>
@@ -3433,8 +3433,8 @@
         </p:nvSpPr>
         <p:spPr>
           <a:xfrm>
-            <a:off x="4099915" y="2676569"/>
-            <a:ext cx="3864915" cy="1323439"/>
+            <a:off x="3467399" y="2422187"/>
+            <a:ext cx="4968458" cy="1323439"/>
           </a:xfrm>
           <a:prstGeom prst="rect">
             <a:avLst/>
@@ -3447,8 +3447,8 @@
           </a:bodyPr>
           <a:lstStyle/>
           <a:p>
-            <a:r>
-              <a:rPr lang="en-US" sz="8000" b="1" dirty="0" smtClean="0">
+            <a:r xmlns:a="http://schemas.openxmlformats.org/drawingml/2006/main">
+              <a:rPr lang="en" sz="8000" b="1" dirty="0" err="1" smtClean="0">
                 <a:solidFill>
                   <a:srgbClr val="7030A0"/>
                 </a:solidFill>
@@ -3458,7 +3458,7 @@
               </a:rPr>
               <a:t>Groups</a:t>
             </a:r>
-            <a:endParaRPr lang="en-US" sz="8000" b="1" dirty="0">
+            <a:endParaRPr xmlns:a="http://schemas.openxmlformats.org/drawingml/2006/main" lang="en-US" sz="8000" b="1" dirty="0">
               <a:solidFill>
                 <a:srgbClr val="7030A0"/>
               </a:solidFill>
@@ -3477,8 +3477,8 @@
         </p:nvSpPr>
         <p:spPr>
           <a:xfrm>
-            <a:off x="4035489" y="2616624"/>
-            <a:ext cx="3654334" cy="1323439"/>
+            <a:off x="3396097" y="2362242"/>
+            <a:ext cx="4208973" cy="1323439"/>
           </a:xfrm>
           <a:prstGeom prst="rect">
             <a:avLst/>
@@ -3491,8 +3491,8 @@
           </a:bodyPr>
           <a:lstStyle/>
           <a:p>
-            <a:r>
-              <a:rPr lang="fr-FR" sz="8000" b="1" dirty="0" smtClean="0">
+            <a:r xmlns:a="http://schemas.openxmlformats.org/drawingml/2006/main">
+              <a:rPr lang="en" sz="8000" b="1" dirty="0" smtClean="0">
                 <a:solidFill>
                   <a:schemeClr val="bg1"/>
                 </a:solidFill>
@@ -3502,7 +3502,7 @@
               </a:rPr>
               <a:t>Groups</a:t>
             </a:r>
-            <a:endParaRPr lang="en-US" sz="8000" b="1" dirty="0">
+            <a:endParaRPr xmlns:a="http://schemas.openxmlformats.org/drawingml/2006/main" lang="en-US" sz="8000" b="1" dirty="0">
               <a:solidFill>
                 <a:schemeClr val="bg1"/>
               </a:solidFill>
@@ -3552,7 +3552,7 @@
         <p:spPr>
           <a:xfrm>
             <a:off x="364386" y="206257"/>
-            <a:ext cx="1329275" cy="523220"/>
+            <a:ext cx="1593898" cy="523220"/>
           </a:xfrm>
           <a:prstGeom prst="rect">
             <a:avLst/>
@@ -3565,66 +3565,16 @@
           </a:bodyPr>
           <a:lstStyle/>
           <a:p>
-            <a:r>
-              <a:rPr lang="en-US" sz="2800" dirty="0" smtClean="0">
+            <a:r xmlns:a="http://schemas.openxmlformats.org/drawingml/2006/main">
+              <a:rPr lang="en" sz="2800" b="1" dirty="0" err="1" smtClean="0">
                 <a:latin typeface="Segoe UI" panose="020B0502040204020203" pitchFamily="34" charset="0"/>
                 <a:cs typeface="Segoe UI" panose="020B0502040204020203" pitchFamily="34" charset="0"/>
               </a:rPr>
               <a:t>Groups</a:t>
             </a:r>
-            <a:endParaRPr lang="en-US" sz="2800" dirty="0">
+            <a:endParaRPr xmlns:a="http://schemas.openxmlformats.org/drawingml/2006/main" lang="en-US" sz="2800" b="1" dirty="0">
               <a:latin typeface="Segoe UI" panose="020B0502040204020203" pitchFamily="34" charset="0"/>
               <a:cs typeface="Segoe UI" panose="020B0502040204020203" pitchFamily="34" charset="0"/>
-            </a:endParaRPr>
-          </a:p>
-        </p:txBody>
-      </p:sp>
-      <p:sp>
-        <p:nvSpPr>
-          <p:cNvPr id="4" name="Rectangle 3"/>
-          <p:cNvSpPr/>
-          <p:nvPr/>
-        </p:nvSpPr>
-        <p:spPr>
-          <a:xfrm>
-            <a:off x="364386" y="852035"/>
-            <a:ext cx="11316558" cy="373692"/>
-          </a:xfrm>
-          <a:prstGeom prst="rect">
-            <a:avLst/>
-          </a:prstGeom>
-        </p:spPr>
-        <p:txBody>
-          <a:bodyPr wrap="square">
-            <a:spAutoFit/>
-          </a:bodyPr>
-          <a:lstStyle/>
-          <a:p>
-            <a:pPr lvl="0">
-              <a:lnSpc>
-                <a:spcPct val="107000"/>
-              </a:lnSpc>
-              <a:spcAft>
-                <a:spcPts val="800"/>
-              </a:spcAft>
-              <a:tabLst>
-                <a:tab pos="228600" algn="l"/>
-                <a:tab pos="342900" algn="l"/>
-              </a:tabLst>
-            </a:pPr>
-            <a:r>
-              <a:rPr lang="en-US" dirty="0" smtClean="0">
-                <a:latin typeface="Segoe UI" panose="020B0502040204020203" pitchFamily="34" charset="0"/>
-                <a:ea typeface="Calibri" panose="020F0502020204030204" pitchFamily="34" charset="0"/>
-                <a:cs typeface="Times New Roman" panose="02020603050405020304" pitchFamily="18" charset="0"/>
-              </a:rPr>
-              <a:t>Now notice that the histogram changes structure, it now shows all continents.</a:t>
-            </a:r>
-            <a:endParaRPr lang="en-US" sz="1400" dirty="0">
-              <a:effectLst/>
-              <a:latin typeface="Calibri" panose="020F0502020204030204" pitchFamily="34" charset="0"/>
-              <a:ea typeface="Calibri" panose="020F0502020204030204" pitchFamily="34" charset="0"/>
-              <a:cs typeface="Times New Roman" panose="02020603050405020304" pitchFamily="18" charset="0"/>
             </a:endParaRPr>
           </a:p>
         </p:txBody>
@@ -3653,6 +3603,97 @@
           </a:prstGeom>
         </p:spPr>
       </p:pic>
+      <p:sp>
+        <p:nvSpPr>
+          <p:cNvPr id="3" name="Rectangle 1"/>
+          <p:cNvSpPr>
+            <a:spLocks noChangeArrowheads="1"/>
+          </p:cNvSpPr>
+          <p:nvPr/>
+        </p:nvSpPr>
+        <p:spPr bwMode="auto">
+          <a:xfrm>
+            <a:off x="364386" y="842715"/>
+            <a:ext cx="12192000" cy="457200"/>
+          </a:xfrm>
+          <a:prstGeom prst="rect">
+            <a:avLst/>
+          </a:prstGeom>
+          <a:noFill/>
+          <a:ln>
+            <a:noFill/>
+          </a:ln>
+          <a:effectLst/>
+          <a:extLst>
+            <a:ext uri="{909E8E84-426E-40DD-AFC4-6F175D3DCCD1}">
+              <a14:hiddenFill xmlns:a14="http://schemas.microsoft.com/office/drawing/2010/main">
+                <a:solidFill>
+                  <a:schemeClr val="accent1"/>
+                </a:solidFill>
+              </a14:hiddenFill>
+            </a:ext>
+            <a:ext uri="{91240B29-F687-4F45-9708-019B960494DF}">
+              <a14:hiddenLine xmlns:a14="http://schemas.microsoft.com/office/drawing/2010/main" w="9525">
+                <a:solidFill>
+                  <a:schemeClr val="tx1"/>
+                </a:solidFill>
+                <a:miter lim="800000"/>
+                <a:headEnd/>
+                <a:tailEnd/>
+              </a14:hiddenLine>
+            </a:ext>
+            <a:ext uri="{AF507438-7753-43E0-B8FC-AC1667EBCBE1}">
+              <a14:hiddenEffects xmlns:a14="http://schemas.microsoft.com/office/drawing/2010/main">
+                <a:effectLst>
+                  <a:outerShdw dist="35921" dir="2700000" algn="ctr" rotWithShape="0">
+                    <a:schemeClr val="bg2"/>
+                  </a:outerShdw>
+                </a:effectLst>
+              </a14:hiddenEffects>
+            </a:ext>
+          </a:extLst>
+        </p:spPr>
+        <p:txBody>
+          <a:bodyPr vert="horz" wrap="none" lIns="91440" tIns="45720" rIns="91440" bIns="45720" numCol="1" anchor="ctr" anchorCtr="0" compatLnSpc="1">
+            <a:prstTxWarp prst="textNoShape">
+              <a:avLst/>
+            </a:prstTxWarp>
+            <a:spAutoFit/>
+          </a:bodyPr>
+          <a:lstStyle/>
+          <a:p>
+            <a:pPr xmlns:a="http://schemas.openxmlformats.org/drawingml/2006/main" marL="0" marR="0" lvl="0" indent="0" algn="l" defTabSz="914400" rtl="0" eaLnBrk="0" fontAlgn="base" latinLnBrk="0" hangingPunct="0">
+              <a:lnSpc>
+                <a:spcPct val="100000"/>
+              </a:lnSpc>
+              <a:spcBef>
+                <a:spcPct val="0"/>
+              </a:spcBef>
+              <a:spcAft>
+                <a:spcPct val="0"/>
+              </a:spcAft>
+              <a:buClrTx/>
+              <a:buSzTx/>
+              <a:buFontTx/>
+              <a:buNone/>
+              <a:tabLst/>
+            </a:pPr>
+            <a:r xmlns:a="http://schemas.openxmlformats.org/drawingml/2006/main">
+              <a:rPr kumimoji="0" lang="en" altLang="en-US" sz="1800" b="0" i="0" u="none" strike="noStrike" cap="none" normalizeH="0" baseline="0" smtClean="0">
+                <a:ln>
+                  <a:noFill/>
+                </a:ln>
+                <a:solidFill>
+                  <a:schemeClr val="tx1"/>
+                </a:solidFill>
+                <a:effectLst/>
+                <a:latin typeface="Arial" panose="020B0604020202020204" pitchFamily="34" charset="0"/>
+              </a:rPr>
+              <a:t>Now, notice that the histogram changes structure, it now displays all continents.</a:t>
+            </a:r>
+          </a:p>
+        </p:txBody>
+      </p:sp>
     </p:spTree>
     <p:extLst>
       <p:ext uri="{BB962C8B-B14F-4D97-AF65-F5344CB8AC3E}">
@@ -3692,7 +3733,7 @@
         <p:spPr>
           <a:xfrm>
             <a:off x="364386" y="206257"/>
-            <a:ext cx="1329275" cy="523220"/>
+            <a:ext cx="1593898" cy="523220"/>
           </a:xfrm>
           <a:prstGeom prst="rect">
             <a:avLst/>
@@ -3705,14 +3746,14 @@
           </a:bodyPr>
           <a:lstStyle/>
           <a:p>
-            <a:r>
-              <a:rPr lang="en-US" sz="2800" dirty="0" smtClean="0">
+            <a:r xmlns:a="http://schemas.openxmlformats.org/drawingml/2006/main">
+              <a:rPr lang="en" sz="2800" b="1" dirty="0" err="1" smtClean="0">
                 <a:latin typeface="Segoe UI" panose="020B0502040204020203" pitchFamily="34" charset="0"/>
                 <a:cs typeface="Segoe UI" panose="020B0502040204020203" pitchFamily="34" charset="0"/>
               </a:rPr>
               <a:t>Groups</a:t>
             </a:r>
-            <a:endParaRPr lang="en-US" sz="2800" dirty="0">
+            <a:endParaRPr xmlns:a="http://schemas.openxmlformats.org/drawingml/2006/main" lang="en-US" sz="2800" b="1" dirty="0">
               <a:latin typeface="Segoe UI" panose="020B0502040204020203" pitchFamily="34" charset="0"/>
               <a:cs typeface="Segoe UI" panose="020B0502040204020203" pitchFamily="34" charset="0"/>
             </a:endParaRPr>
@@ -3721,50 +3762,500 @@
       </p:sp>
       <p:sp>
         <p:nvSpPr>
-          <p:cNvPr id="3" name="Rectangle 2"/>
-          <p:cNvSpPr/>
+          <p:cNvPr id="4" name="Rectangle 1"/>
+          <p:cNvSpPr>
+            <a:spLocks noChangeArrowheads="1"/>
+          </p:cNvSpPr>
           <p:nvPr/>
         </p:nvSpPr>
-        <p:spPr>
-          <a:xfrm>
-            <a:off x="364385" y="820731"/>
-            <a:ext cx="11075927" cy="685059"/>
+        <p:spPr bwMode="auto">
+          <a:xfrm>
+            <a:off x="364386" y="799917"/>
+            <a:ext cx="10987303" cy="646331"/>
           </a:xfrm>
           <a:prstGeom prst="rect">
             <a:avLst/>
           </a:prstGeom>
-        </p:spPr>
-        <p:txBody>
-          <a:bodyPr wrap="square">
+          <a:noFill/>
+          <a:ln>
+            <a:noFill/>
+          </a:ln>
+          <a:effectLst/>
+          <a:extLst>
+            <a:ext uri="{909E8E84-426E-40DD-AFC4-6F175D3DCCD1}">
+              <a14:hiddenFill xmlns:a14="http://schemas.microsoft.com/office/drawing/2010/main">
+                <a:solidFill>
+                  <a:schemeClr val="accent1"/>
+                </a:solidFill>
+              </a14:hiddenFill>
+            </a:ext>
+            <a:ext uri="{91240B29-F687-4F45-9708-019B960494DF}">
+              <a14:hiddenLine xmlns:a14="http://schemas.microsoft.com/office/drawing/2010/main" w="9525">
+                <a:solidFill>
+                  <a:schemeClr val="tx1"/>
+                </a:solidFill>
+                <a:miter lim="800000"/>
+                <a:headEnd/>
+                <a:tailEnd/>
+              </a14:hiddenLine>
+            </a:ext>
+            <a:ext uri="{AF507438-7753-43E0-B8FC-AC1667EBCBE1}">
+              <a14:hiddenEffects xmlns:a14="http://schemas.microsoft.com/office/drawing/2010/main">
+                <a:effectLst>
+                  <a:outerShdw dist="35921" dir="2700000" algn="ctr" rotWithShape="0">
+                    <a:schemeClr val="bg2"/>
+                  </a:outerShdw>
+                </a:effectLst>
+              </a14:hiddenEffects>
+            </a:ext>
+          </a:extLst>
+        </p:spPr>
+        <p:txBody>
+          <a:bodyPr vert="horz" wrap="none" lIns="91440" tIns="45720" rIns="91440" bIns="45720" numCol="1" anchor="ctr" anchorCtr="0" compatLnSpc="1">
+            <a:prstTxWarp prst="textNoShape">
+              <a:avLst/>
+            </a:prstTxWarp>
             <a:spAutoFit/>
           </a:bodyPr>
           <a:lstStyle/>
           <a:p>
-            <a:pPr lvl="0">
+            <a:pPr xmlns:a="http://schemas.openxmlformats.org/drawingml/2006/main" marL="0" marR="0" lvl="0" indent="0" algn="l" defTabSz="914400" rtl="0" eaLnBrk="0" fontAlgn="base" latinLnBrk="0" hangingPunct="0">
               <a:lnSpc>
-                <a:spcPct val="107000"/>
+                <a:spcPct val="100000"/>
               </a:lnSpc>
+              <a:spcBef>
+                <a:spcPct val="0"/>
+              </a:spcBef>
               <a:spcAft>
-                <a:spcPts val="800"/>
+                <a:spcPct val="0"/>
               </a:spcAft>
-              <a:tabLst>
-                <a:tab pos="228600" algn="l"/>
-              </a:tabLst>
+              <a:buClrTx/>
+              <a:buSzTx/>
+              <a:buFontTx/>
+              <a:buNone/>
+              <a:tabLst/>
             </a:pPr>
-            <a:r>
-              <a:rPr lang="en-US" dirty="0" smtClean="0">
-                <a:latin typeface="Segoe UI" panose="020B0502040204020203" pitchFamily="34" charset="0"/>
-                <a:ea typeface="Calibri" panose="020F0502020204030204" pitchFamily="34" charset="0"/>
-                <a:cs typeface="Times New Roman" panose="02020603050405020304" pitchFamily="18" charset="0"/>
+            <a:r xmlns:a="http://schemas.openxmlformats.org/drawingml/2006/main">
+              <a:rPr kumimoji="0" lang="en" altLang="en-US" sz="1800" b="0" i="0" u="none" strike="noStrike" cap="none" normalizeH="0" baseline="0" dirty="0" err="1" smtClean="0">
+                <a:ln>
+                  <a:noFill/>
+                </a:ln>
+                <a:solidFill>
+                  <a:schemeClr val="tx1"/>
+                </a:solidFill>
+                <a:effectLst/>
+                <a:latin typeface="Arial" panose="020B0604020202020204" pitchFamily="34" charset="0"/>
               </a:rPr>
-              <a:t>Try to delete all groups and notice that this is not possible, you will need to have at least one group in the groups pane</a:t>
-            </a:r>
-            <a:endParaRPr lang="en-US" sz="1400" dirty="0">
-              <a:effectLst/>
-              <a:latin typeface="Calibri" panose="020F0502020204030204" pitchFamily="34" charset="0"/>
-              <a:ea typeface="Calibri" panose="020F0502020204030204" pitchFamily="34" charset="0"/>
-              <a:cs typeface="Times New Roman" panose="02020603050405020304" pitchFamily="18" charset="0"/>
-            </a:endParaRPr>
+              <a:t>Try </a:t>
+            </a:r>
+            <a:r xmlns:a="http://schemas.openxmlformats.org/drawingml/2006/main">
+              <a:rPr kumimoji="0" lang="en" altLang="en-US" sz="1800" b="0" i="0" u="none" strike="noStrike" cap="none" normalizeH="0" baseline="0" dirty="0" smtClean="0">
+                <a:ln>
+                  <a:noFill/>
+                </a:ln>
+                <a:solidFill>
+                  <a:schemeClr val="tx1"/>
+                </a:solidFill>
+                <a:effectLst/>
+                <a:latin typeface="Arial" panose="020B0604020202020204" pitchFamily="34" charset="0"/>
+              </a:rPr>
+              <a:t>to </a:t>
+            </a:r>
+            <a:r xmlns:a="http://schemas.openxmlformats.org/drawingml/2006/main">
+              <a:rPr kumimoji="0" lang="en" altLang="en-US" sz="1800" b="0" i="0" u="none" strike="noStrike" cap="none" normalizeH="0" baseline="0" dirty="0" err="1" smtClean="0">
+                <a:ln>
+                  <a:noFill/>
+                </a:ln>
+                <a:solidFill>
+                  <a:schemeClr val="tx1"/>
+                </a:solidFill>
+                <a:effectLst/>
+                <a:latin typeface="Arial" panose="020B0604020202020204" pitchFamily="34" charset="0"/>
+              </a:rPr>
+              <a:t>delete</a:t>
+            </a:r>
+            <a:r xmlns:a="http://schemas.openxmlformats.org/drawingml/2006/main">
+              <a:rPr kumimoji="0" lang="en" altLang="en-US" sz="1800" b="0" i="0" u="none" strike="noStrike" cap="none" normalizeH="0" baseline="0" dirty="0" smtClean="0">
+                <a:ln>
+                  <a:noFill/>
+                </a:ln>
+                <a:solidFill>
+                  <a:schemeClr val="tx1"/>
+                </a:solidFill>
+                <a:effectLst/>
+                <a:latin typeface="Arial" panose="020B0604020202020204" pitchFamily="34" charset="0"/>
+              </a:rPr>
+              <a:t> </a:t>
+            </a:r>
+            <a:r xmlns:a="http://schemas.openxmlformats.org/drawingml/2006/main">
+              <a:rPr kumimoji="0" lang="en" altLang="en-US" sz="1800" b="0" i="0" u="none" strike="noStrike" cap="none" normalizeH="0" baseline="0" dirty="0" err="1" smtClean="0">
+                <a:ln>
+                  <a:noFill/>
+                </a:ln>
+                <a:solidFill>
+                  <a:schemeClr val="tx1"/>
+                </a:solidFill>
+                <a:effectLst/>
+                <a:latin typeface="Arial" panose="020B0604020202020204" pitchFamily="34" charset="0"/>
+              </a:rPr>
+              <a:t>all </a:t>
+            </a:r>
+            <a:r xmlns:a="http://schemas.openxmlformats.org/drawingml/2006/main">
+              <a:rPr kumimoji="0" lang="en" altLang="en-US" sz="1800" b="0" i="0" u="none" strike="noStrike" cap="none" normalizeH="0" baseline="0" dirty="0" smtClean="0">
+                <a:ln>
+                  <a:noFill/>
+                </a:ln>
+                <a:solidFill>
+                  <a:schemeClr val="tx1"/>
+                </a:solidFill>
+                <a:effectLst/>
+                <a:latin typeface="Arial" panose="020B0604020202020204" pitchFamily="34" charset="0"/>
+              </a:rPr>
+              <a:t>Groups </a:t>
+            </a:r>
+            <a:r xmlns:a="http://schemas.openxmlformats.org/drawingml/2006/main">
+              <a:rPr kumimoji="0" lang="en" altLang="en-US" sz="1800" b="0" i="0" u="none" strike="noStrike" cap="none" normalizeH="0" baseline="0" dirty="0" smtClean="0">
+                <a:ln>
+                  <a:noFill/>
+                </a:ln>
+                <a:solidFill>
+                  <a:schemeClr val="tx1"/>
+                </a:solidFill>
+                <a:effectLst/>
+                <a:latin typeface="Arial" panose="020B0604020202020204" pitchFamily="34" charset="0"/>
+              </a:rPr>
+              <a:t>and </a:t>
+            </a:r>
+            <a:r xmlns:a="http://schemas.openxmlformats.org/drawingml/2006/main">
+              <a:rPr kumimoji="0" lang="en" altLang="en-US" sz="1800" b="0" i="0" u="none" strike="noStrike" cap="none" normalizeH="0" baseline="0" dirty="0" err="1" smtClean="0">
+                <a:ln>
+                  <a:noFill/>
+                </a:ln>
+                <a:solidFill>
+                  <a:schemeClr val="tx1"/>
+                </a:solidFill>
+                <a:effectLst/>
+                <a:latin typeface="Arial" panose="020B0604020202020204" pitchFamily="34" charset="0"/>
+              </a:rPr>
+              <a:t>note </a:t>
+            </a:r>
+            <a:r xmlns:a="http://schemas.openxmlformats.org/drawingml/2006/main">
+              <a:rPr kumimoji="0" lang="en" altLang="en-US" sz="1800" b="0" i="0" u="none" strike="noStrike" cap="none" normalizeH="0" baseline="0" dirty="0" smtClean="0">
+                <a:ln>
+                  <a:noFill/>
+                </a:ln>
+                <a:solidFill>
+                  <a:schemeClr val="tx1"/>
+                </a:solidFill>
+                <a:effectLst/>
+                <a:latin typeface="Arial" panose="020B0604020202020204" pitchFamily="34" charset="0"/>
+              </a:rPr>
+              <a:t>that </a:t>
+            </a:r>
+            <a:r xmlns:a="http://schemas.openxmlformats.org/drawingml/2006/main">
+              <a:rPr kumimoji="0" lang="en" altLang="en-US" sz="1800" b="0" i="0" u="none" strike="noStrike" cap="none" normalizeH="0" baseline="0" dirty="0" err="1" smtClean="0">
+                <a:ln>
+                  <a:noFill/>
+                </a:ln>
+                <a:solidFill>
+                  <a:schemeClr val="tx1"/>
+                </a:solidFill>
+                <a:effectLst/>
+                <a:latin typeface="Arial" panose="020B0604020202020204" pitchFamily="34" charset="0"/>
+              </a:rPr>
+              <a:t>this</a:t>
+            </a:r>
+            <a:r xmlns:a="http://schemas.openxmlformats.org/drawingml/2006/main">
+              <a:rPr kumimoji="0" lang="en" altLang="en-US" sz="1800" b="0" i="0" u="none" strike="noStrike" cap="none" normalizeH="0" baseline="0" dirty="0" err="1" smtClean="0">
+                <a:ln>
+                  <a:noFill/>
+                </a:ln>
+                <a:solidFill>
+                  <a:schemeClr val="tx1"/>
+                </a:solidFill>
+                <a:effectLst/>
+                <a:latin typeface="Arial" panose="020B0604020202020204" pitchFamily="34" charset="0"/>
+              </a:rPr>
+              <a:t>​</a:t>
+            </a:r>
+            <a:r xmlns:a="http://schemas.openxmlformats.org/drawingml/2006/main">
+              <a:rPr kumimoji="0" lang="en" altLang="en-US" sz="1800" b="0" i="0" u="none" strike="noStrike" cap="none" normalizeH="0" baseline="0" dirty="0" smtClean="0">
+                <a:ln>
+                  <a:noFill/>
+                </a:ln>
+                <a:solidFill>
+                  <a:schemeClr val="tx1"/>
+                </a:solidFill>
+                <a:effectLst/>
+                <a:latin typeface="Arial" panose="020B0604020202020204" pitchFamily="34" charset="0"/>
+              </a:rPr>
+              <a:t> </a:t>
+            </a:r>
+            <a:r xmlns:a="http://schemas.openxmlformats.org/drawingml/2006/main">
+              <a:rPr kumimoji="0" lang="en" altLang="en-US" sz="1800" b="0" i="0" u="none" strike="noStrike" cap="none" normalizeH="0" baseline="0" dirty="0" err="1" smtClean="0">
+                <a:ln>
+                  <a:noFill/>
+                </a:ln>
+                <a:solidFill>
+                  <a:schemeClr val="tx1"/>
+                </a:solidFill>
+                <a:effectLst/>
+                <a:latin typeface="Arial" panose="020B0604020202020204" pitchFamily="34" charset="0"/>
+              </a:rPr>
+              <a:t>is not </a:t>
+            </a:r>
+            <a:r xmlns:a="http://schemas.openxmlformats.org/drawingml/2006/main">
+              <a:rPr kumimoji="0" lang="en" altLang="en-US" sz="1800" b="0" i="0" u="none" strike="noStrike" cap="none" normalizeH="0" baseline="0" dirty="0" smtClean="0">
+                <a:ln>
+                  <a:noFill/>
+                </a:ln>
+                <a:solidFill>
+                  <a:schemeClr val="tx1"/>
+                </a:solidFill>
+                <a:effectLst/>
+                <a:latin typeface="Arial" panose="020B0604020202020204" pitchFamily="34" charset="0"/>
+              </a:rPr>
+              <a:t>possible, </a:t>
+            </a:r>
+            <a:r xmlns:a="http://schemas.openxmlformats.org/drawingml/2006/main">
+              <a:rPr kumimoji="0" lang="en" altLang="en-US" sz="1800" b="0" i="0" u="none" strike="noStrike" cap="none" normalizeH="0" baseline="0" dirty="0" err="1" smtClean="0">
+                <a:ln>
+                  <a:noFill/>
+                </a:ln>
+                <a:solidFill>
+                  <a:schemeClr val="tx1"/>
+                </a:solidFill>
+                <a:effectLst/>
+                <a:latin typeface="Arial" panose="020B0604020202020204" pitchFamily="34" charset="0"/>
+              </a:rPr>
+              <a:t>you</a:t>
+            </a:r>
+            <a:r xmlns:a="http://schemas.openxmlformats.org/drawingml/2006/main">
+              <a:rPr kumimoji="0" lang="en" altLang="en-US" sz="1800" b="0" i="0" u="none" strike="noStrike" cap="none" normalizeH="0" baseline="0" dirty="0" smtClean="0">
+                <a:ln>
+                  <a:noFill/>
+                </a:ln>
+                <a:solidFill>
+                  <a:schemeClr val="tx1"/>
+                </a:solidFill>
+                <a:effectLst/>
+                <a:latin typeface="Arial" panose="020B0604020202020204" pitchFamily="34" charset="0"/>
+              </a:rPr>
+              <a:t> </a:t>
+            </a:r>
+            <a:r xmlns:a="http://schemas.openxmlformats.org/drawingml/2006/main">
+              <a:rPr kumimoji="0" lang="en" altLang="en-US" sz="1800" b="0" i="0" u="none" strike="noStrike" cap="none" normalizeH="0" baseline="0" dirty="0" err="1" smtClean="0">
+                <a:ln>
+                  <a:noFill/>
+                </a:ln>
+                <a:solidFill>
+                  <a:schemeClr val="tx1"/>
+                </a:solidFill>
+                <a:effectLst/>
+                <a:latin typeface="Arial" panose="020B0604020202020204" pitchFamily="34" charset="0"/>
+              </a:rPr>
+              <a:t>will have to</a:t>
+            </a:r>
+            <a:r xmlns:a="http://schemas.openxmlformats.org/drawingml/2006/main">
+              <a:rPr kumimoji="0" lang="en" altLang="en-US" sz="1800" b="0" i="0" u="none" strike="noStrike" cap="none" normalizeH="0" baseline="0" dirty="0" smtClean="0">
+                <a:ln>
+                  <a:noFill/>
+                </a:ln>
+                <a:solidFill>
+                  <a:schemeClr val="tx1"/>
+                </a:solidFill>
+                <a:effectLst/>
+                <a:latin typeface="Arial" panose="020B0604020202020204" pitchFamily="34" charset="0"/>
+              </a:rPr>
+              <a:t> </a:t>
+            </a:r>
+            <a:r xmlns:a="http://schemas.openxmlformats.org/drawingml/2006/main">
+              <a:rPr kumimoji="0" lang="en" altLang="en-US" sz="1800" b="0" i="0" u="none" strike="noStrike" cap="none" normalizeH="0" baseline="0" dirty="0" err="1" smtClean="0">
+                <a:ln>
+                  <a:noFill/>
+                </a:ln>
+                <a:solidFill>
+                  <a:schemeClr val="tx1"/>
+                </a:solidFill>
+                <a:effectLst/>
+                <a:latin typeface="Arial" panose="020B0604020202020204" pitchFamily="34" charset="0"/>
+              </a:rPr>
+              <a:t>have </a:t>
+            </a:r>
+            <a:r xmlns:a="http://schemas.openxmlformats.org/drawingml/2006/main">
+              <a:rPr kumimoji="0" lang="en" altLang="en-US" sz="1800" b="0" i="0" u="none" strike="noStrike" cap="none" normalizeH="0" baseline="0" dirty="0" smtClean="0">
+                <a:ln>
+                  <a:noFill/>
+                </a:ln>
+                <a:solidFill>
+                  <a:schemeClr val="tx1"/>
+                </a:solidFill>
+                <a:effectLst/>
+                <a:latin typeface="Arial" panose="020B0604020202020204" pitchFamily="34" charset="0"/>
+              </a:rPr>
+              <a:t>at </a:t>
+            </a:r>
+            <a:r xmlns:a="http://schemas.openxmlformats.org/drawingml/2006/main">
+              <a:rPr kumimoji="0" lang="en" altLang="en-US" sz="1800" b="0" i="0" u="none" strike="noStrike" cap="none" normalizeH="0" baseline="0" dirty="0" err="1" smtClean="0">
+                <a:ln>
+                  <a:noFill/>
+                </a:ln>
+                <a:solidFill>
+                  <a:schemeClr val="tx1"/>
+                </a:solidFill>
+                <a:effectLst/>
+                <a:latin typeface="Arial" panose="020B0604020202020204" pitchFamily="34" charset="0"/>
+              </a:rPr>
+              <a:t>least</a:t>
+            </a:r>
+            <a:r xmlns:a="http://schemas.openxmlformats.org/drawingml/2006/main">
+              <a:rPr kumimoji="0" lang="en" altLang="en-US" sz="1800" b="0" i="0" u="none" strike="noStrike" cap="none" normalizeH="0" baseline="0" dirty="0" smtClean="0">
+                <a:ln>
+                  <a:noFill/>
+                </a:ln>
+                <a:solidFill>
+                  <a:schemeClr val="tx1"/>
+                </a:solidFill>
+                <a:effectLst/>
+                <a:latin typeface="Arial" panose="020B0604020202020204" pitchFamily="34" charset="0"/>
+              </a:rPr>
+              <a:t> </a:t>
+            </a:r>
+          </a:p>
+          <a:p>
+            <a:pPr xmlns:a="http://schemas.openxmlformats.org/drawingml/2006/main" marL="0" marR="0" lvl="0" indent="0" algn="l" defTabSz="914400" rtl="0" eaLnBrk="0" fontAlgn="base" latinLnBrk="0" hangingPunct="0">
+              <a:lnSpc>
+                <a:spcPct val="100000"/>
+              </a:lnSpc>
+              <a:spcBef>
+                <a:spcPct val="0"/>
+              </a:spcBef>
+              <a:spcAft>
+                <a:spcPct val="0"/>
+              </a:spcAft>
+              <a:buClrTx/>
+              <a:buSzTx/>
+              <a:buFontTx/>
+              <a:buNone/>
+              <a:tabLst/>
+            </a:pPr>
+            <a:r xmlns:a="http://schemas.openxmlformats.org/drawingml/2006/main">
+              <a:rPr kumimoji="0" lang="en" altLang="en-US" sz="1800" b="0" i="0" u="none" strike="noStrike" cap="none" normalizeH="0" baseline="0" dirty="0" smtClean="0">
+                <a:ln>
+                  <a:noFill/>
+                </a:ln>
+                <a:solidFill>
+                  <a:schemeClr val="tx1"/>
+                </a:solidFill>
+                <a:effectLst/>
+                <a:latin typeface="Arial" panose="020B0604020202020204" pitchFamily="34" charset="0"/>
+              </a:rPr>
+              <a:t>a </a:t>
+            </a:r>
+            <a:r xmlns:a="http://schemas.openxmlformats.org/drawingml/2006/main">
+              <a:rPr kumimoji="0" lang="en" altLang="en-US" sz="1800" b="0" i="0" u="none" strike="noStrike" cap="none" normalizeH="0" baseline="0" dirty="0" err="1" smtClean="0">
+                <a:ln>
+                  <a:noFill/>
+                </a:ln>
+                <a:solidFill>
+                  <a:schemeClr val="tx1"/>
+                </a:solidFill>
+                <a:effectLst/>
+                <a:latin typeface="Arial" panose="020B0604020202020204" pitchFamily="34" charset="0"/>
+              </a:rPr>
+              <a:t>group</a:t>
+            </a:r>
+            <a:r xmlns:a="http://schemas.openxmlformats.org/drawingml/2006/main">
+              <a:rPr kumimoji="0" lang="en" altLang="en-US" sz="1800" b="0" i="0" u="none" strike="noStrike" cap="none" normalizeH="0" baseline="0" dirty="0" smtClean="0">
+                <a:ln>
+                  <a:noFill/>
+                </a:ln>
+                <a:solidFill>
+                  <a:schemeClr val="tx1"/>
+                </a:solidFill>
+                <a:effectLst/>
+                <a:latin typeface="Arial" panose="020B0604020202020204" pitchFamily="34" charset="0"/>
+              </a:rPr>
+              <a:t> </a:t>
+            </a:r>
+            <a:r xmlns:a="http://schemas.openxmlformats.org/drawingml/2006/main">
+              <a:rPr kumimoji="0" lang="en" altLang="en-US" sz="1800" b="0" i="0" u="none" strike="noStrike" cap="none" normalizeH="0" baseline="0" dirty="0" err="1" smtClean="0">
+                <a:ln>
+                  <a:noFill/>
+                </a:ln>
+                <a:solidFill>
+                  <a:schemeClr val="tx1"/>
+                </a:solidFill>
+                <a:effectLst/>
+                <a:latin typeface="Arial" panose="020B0604020202020204" pitchFamily="34" charset="0"/>
+              </a:rPr>
+              <a:t>in </a:t>
+            </a:r>
+            <a:r xmlns:a="http://schemas.openxmlformats.org/drawingml/2006/main">
+              <a:rPr kumimoji="0" lang="en" altLang="en-US" sz="1800" b="0" i="0" u="none" strike="noStrike" cap="none" normalizeH="0" baseline="0" dirty="0" smtClean="0">
+                <a:ln>
+                  <a:noFill/>
+                </a:ln>
+                <a:solidFill>
+                  <a:schemeClr val="tx1"/>
+                </a:solidFill>
+                <a:effectLst/>
+                <a:latin typeface="Arial" panose="020B0604020202020204" pitchFamily="34" charset="0"/>
+              </a:rPr>
+              <a:t>the </a:t>
+            </a:r>
+            <a:r xmlns:a="http://schemas.openxmlformats.org/drawingml/2006/main">
+              <a:rPr kumimoji="0" lang="en" altLang="en-US" sz="1800" b="0" i="0" u="none" strike="noStrike" cap="none" normalizeH="0" baseline="0" dirty="0" smtClean="0">
+                <a:ln>
+                  <a:noFill/>
+                </a:ln>
+                <a:solidFill>
+                  <a:schemeClr val="tx1"/>
+                </a:solidFill>
+                <a:effectLst/>
+                <a:latin typeface="Arial" panose="020B0604020202020204" pitchFamily="34" charset="0"/>
+              </a:rPr>
+              <a:t>Groups </a:t>
+            </a:r>
+            <a:r xmlns:a="http://schemas.openxmlformats.org/drawingml/2006/main">
+              <a:rPr kumimoji="0" lang="en" altLang="en-US" sz="1800" b="0" i="0" u="none" strike="noStrike" cap="none" normalizeH="0" baseline="0" dirty="0" err="1" smtClean="0">
+                <a:ln>
+                  <a:noFill/>
+                </a:ln>
+                <a:solidFill>
+                  <a:schemeClr val="tx1"/>
+                </a:solidFill>
+                <a:effectLst/>
+                <a:latin typeface="Arial" panose="020B0604020202020204" pitchFamily="34" charset="0"/>
+              </a:rPr>
+              <a:t>panel </a:t>
+            </a:r>
+            <a:r xmlns:a="http://schemas.openxmlformats.org/drawingml/2006/main">
+              <a:rPr kumimoji="0" lang="en" altLang="en-US" sz="1800" b="0" i="0" u="none" strike="noStrike" cap="none" normalizeH="0" baseline="0" dirty="0" smtClean="0">
+                <a:ln>
+                  <a:noFill/>
+                </a:ln>
+                <a:solidFill>
+                  <a:schemeClr val="tx1"/>
+                </a:solidFill>
+                <a:effectLst/>
+                <a:latin typeface="Arial" panose="020B0604020202020204" pitchFamily="34" charset="0"/>
+              </a:rPr>
+              <a:t>.</a:t>
+            </a:r>
+            <a:r xmlns:a="http://schemas.openxmlformats.org/drawingml/2006/main">
+              <a:rPr kumimoji="0" lang="en" altLang="en-US" sz="1800" b="0" i="0" u="none" strike="noStrike" cap="none" normalizeH="0" baseline="0" dirty="0" err="1" smtClean="0">
+                <a:ln>
+                  <a:noFill/>
+                </a:ln>
+                <a:solidFill>
+                  <a:schemeClr val="tx1"/>
+                </a:solidFill>
+                <a:effectLst/>
+                <a:latin typeface="Arial" panose="020B0604020202020204" pitchFamily="34" charset="0"/>
+              </a:rPr>
+              <a:t>​</a:t>
+            </a:r>
           </a:p>
         </p:txBody>
       </p:sp>
@@ -3847,14 +4338,14 @@
       </p:sp>
       <p:sp>
         <p:nvSpPr>
-          <p:cNvPr id="5" name="TextBox 4"/>
+          <p:cNvPr id="7" name="TextBox 6"/>
           <p:cNvSpPr txBox="1"/>
           <p:nvPr/>
         </p:nvSpPr>
         <p:spPr>
           <a:xfrm>
-            <a:off x="2916199" y="2162433"/>
-            <a:ext cx="6230360" cy="1569660"/>
+            <a:off x="4206049" y="2281704"/>
+            <a:ext cx="3456395" cy="1569660"/>
           </a:xfrm>
           <a:prstGeom prst="rect">
             <a:avLst/>
@@ -3867,8 +4358,8 @@
           </a:bodyPr>
           <a:lstStyle/>
           <a:p>
-            <a:r>
-              <a:rPr lang="en-US" sz="9600" b="1" dirty="0" smtClean="0">
+            <a:r xmlns:a="http://schemas.openxmlformats.org/drawingml/2006/main">
+              <a:rPr lang="en" sz="9600" b="1" dirty="0" smtClean="0">
                 <a:solidFill>
                   <a:srgbClr val="7030A0"/>
                 </a:solidFill>
@@ -3876,9 +4367,9 @@
                 <a:ea typeface="Verdana" panose="020B0604030504040204" pitchFamily="34" charset="0"/>
                 <a:cs typeface="Segoe UI" panose="020B0502040204020203" pitchFamily="34" charset="0"/>
               </a:rPr>
-              <a:t>Thank you</a:t>
-            </a:r>
-            <a:endParaRPr lang="en-US" sz="9600" b="1" dirty="0">
+              <a:t>THANKS</a:t>
+            </a:r>
+            <a:endParaRPr xmlns:a="http://schemas.openxmlformats.org/drawingml/2006/main" lang="en-US" sz="9600" b="1" dirty="0">
               <a:solidFill>
                 <a:srgbClr val="7030A0"/>
               </a:solidFill>
@@ -3891,14 +4382,14 @@
       </p:sp>
       <p:sp>
         <p:nvSpPr>
-          <p:cNvPr id="6" name="TextBox 5"/>
+          <p:cNvPr id="8" name="TextBox 7"/>
           <p:cNvSpPr txBox="1"/>
           <p:nvPr/>
         </p:nvSpPr>
         <p:spPr>
           <a:xfrm>
-            <a:off x="2990336" y="2217861"/>
-            <a:ext cx="6230360" cy="1569660"/>
+            <a:off x="4128335" y="2197935"/>
+            <a:ext cx="3456395" cy="1569660"/>
           </a:xfrm>
           <a:prstGeom prst="rect">
             <a:avLst/>
@@ -3911,8 +4402,8 @@
           </a:bodyPr>
           <a:lstStyle/>
           <a:p>
-            <a:r>
-              <a:rPr lang="en-US" sz="9600" b="1" dirty="0" smtClean="0">
+            <a:r xmlns:a="http://schemas.openxmlformats.org/drawingml/2006/main">
+              <a:rPr lang="en" sz="9600" b="1" dirty="0" smtClean="0">
                 <a:solidFill>
                   <a:schemeClr val="bg1"/>
                 </a:solidFill>
@@ -3920,9 +4411,9 @@
                 <a:ea typeface="Verdana" panose="020B0604030504040204" pitchFamily="34" charset="0"/>
                 <a:cs typeface="Segoe UI" panose="020B0502040204020203" pitchFamily="34" charset="0"/>
               </a:rPr>
-              <a:t>Thank you</a:t>
-            </a:r>
-            <a:endParaRPr lang="en-US" sz="9600" b="1" dirty="0">
+              <a:t>THANKS</a:t>
+            </a:r>
+            <a:endParaRPr xmlns:a="http://schemas.openxmlformats.org/drawingml/2006/main" lang="en-US" sz="9600" b="1" dirty="0">
               <a:solidFill>
                 <a:schemeClr val="bg1"/>
               </a:solidFill>
@@ -3972,7 +4463,7 @@
         <p:spPr>
           <a:xfrm>
             <a:off x="364386" y="206257"/>
-            <a:ext cx="1329275" cy="523220"/>
+            <a:ext cx="1593898" cy="523220"/>
           </a:xfrm>
           <a:prstGeom prst="rect">
             <a:avLst/>
@@ -3985,461 +4476,16 @@
           </a:bodyPr>
           <a:lstStyle/>
           <a:p>
-            <a:r>
-              <a:rPr lang="en-US" sz="2800" dirty="0" smtClean="0">
+            <a:r xmlns:a="http://schemas.openxmlformats.org/drawingml/2006/main">
+              <a:rPr lang="en" sz="2800" b="1" dirty="0" err="1" smtClean="0">
                 <a:latin typeface="Segoe UI" panose="020B0502040204020203" pitchFamily="34" charset="0"/>
                 <a:cs typeface="Segoe UI" panose="020B0502040204020203" pitchFamily="34" charset="0"/>
               </a:rPr>
               <a:t>Groups</a:t>
             </a:r>
-            <a:endParaRPr lang="en-US" sz="2800" dirty="0">
+            <a:endParaRPr xmlns:a="http://schemas.openxmlformats.org/drawingml/2006/main" lang="en-US" sz="2800" b="1" dirty="0">
               <a:latin typeface="Segoe UI" panose="020B0502040204020203" pitchFamily="34" charset="0"/>
               <a:cs typeface="Segoe UI" panose="020B0502040204020203" pitchFamily="34" charset="0"/>
-            </a:endParaRPr>
-          </a:p>
-        </p:txBody>
-      </p:sp>
-      <p:sp>
-        <p:nvSpPr>
-          <p:cNvPr id="3" name="Rectangle 2"/>
-          <p:cNvSpPr/>
-          <p:nvPr/>
-        </p:nvSpPr>
-        <p:spPr>
-          <a:xfrm>
-            <a:off x="297925" y="907037"/>
-            <a:ext cx="10172986" cy="388696"/>
-          </a:xfrm>
-          <a:prstGeom prst="rect">
-            <a:avLst/>
-          </a:prstGeom>
-        </p:spPr>
-        <p:txBody>
-          <a:bodyPr wrap="square">
-            <a:spAutoFit/>
-          </a:bodyPr>
-          <a:lstStyle/>
-          <a:p>
-            <a:pPr>
-              <a:lnSpc>
-                <a:spcPct val="107000"/>
-              </a:lnSpc>
-              <a:spcBef>
-                <a:spcPts val="1200"/>
-              </a:spcBef>
-              <a:spcAft>
-                <a:spcPts val="0"/>
-              </a:spcAft>
-            </a:pPr>
-            <a:r>
-              <a:rPr lang="fr-FR" b="1" kern="0" dirty="0">
-                <a:latin typeface="Segoe UI" panose="020B0502040204020203" pitchFamily="34" charset="0"/>
-                <a:ea typeface="Times New Roman" panose="02020603050405020304" pitchFamily="18" charset="0"/>
-                <a:cs typeface="Times New Roman" panose="02020603050405020304" pitchFamily="18" charset="0"/>
-              </a:rPr>
-              <a:t>Note: </a:t>
-            </a:r>
-            <a:r>
-              <a:rPr lang="fr-FR" kern="0" dirty="0">
-                <a:latin typeface="Segoe UI" panose="020B0502040204020203" pitchFamily="34" charset="0"/>
-                <a:ea typeface="Times New Roman" panose="02020603050405020304" pitchFamily="18" charset="0"/>
-                <a:cs typeface="Times New Roman" panose="02020603050405020304" pitchFamily="18" charset="0"/>
-              </a:rPr>
-              <a:t>This </a:t>
-            </a:r>
-            <a:r>
-              <a:rPr lang="fr-FR" kern="0" dirty="0" err="1">
-                <a:latin typeface="Segoe UI" panose="020B0502040204020203" pitchFamily="34" charset="0"/>
-                <a:ea typeface="Times New Roman" panose="02020603050405020304" pitchFamily="18" charset="0"/>
-                <a:cs typeface="Times New Roman" panose="02020603050405020304" pitchFamily="18" charset="0"/>
-              </a:rPr>
-              <a:t>Lab</a:t>
-            </a:r>
-            <a:r>
-              <a:rPr lang="fr-FR" kern="0" dirty="0">
-                <a:latin typeface="Segoe UI" panose="020B0502040204020203" pitchFamily="34" charset="0"/>
-                <a:ea typeface="Times New Roman" panose="02020603050405020304" pitchFamily="18" charset="0"/>
-                <a:cs typeface="Times New Roman" panose="02020603050405020304" pitchFamily="18" charset="0"/>
-              </a:rPr>
-              <a:t> uses</a:t>
-            </a:r>
-            <a:r>
-              <a:rPr lang="fr-FR" b="1" kern="0" dirty="0">
-                <a:latin typeface="Segoe UI" panose="020B0502040204020203" pitchFamily="34" charset="0"/>
-                <a:ea typeface="Times New Roman" panose="02020603050405020304" pitchFamily="18" charset="0"/>
-                <a:cs typeface="Times New Roman" panose="02020603050405020304" pitchFamily="18" charset="0"/>
-              </a:rPr>
-              <a:t> the </a:t>
-            </a:r>
-            <a:r>
-              <a:rPr lang="fr-FR" b="1" kern="0" dirty="0" err="1">
-                <a:latin typeface="Segoe UI" panose="020B0502040204020203" pitchFamily="34" charset="0"/>
-                <a:ea typeface="Times New Roman" panose="02020603050405020304" pitchFamily="18" charset="0"/>
-                <a:cs typeface="Times New Roman" panose="02020603050405020304" pitchFamily="18" charset="0"/>
-              </a:rPr>
-              <a:t>gdp.xslx</a:t>
-            </a:r>
-            <a:r>
-              <a:rPr lang="fr-FR" b="1" kern="0" dirty="0">
-                <a:latin typeface="Segoe UI" panose="020B0502040204020203" pitchFamily="34" charset="0"/>
-                <a:ea typeface="Times New Roman" panose="02020603050405020304" pitchFamily="18" charset="0"/>
-                <a:cs typeface="Times New Roman" panose="02020603050405020304" pitchFamily="18" charset="0"/>
-              </a:rPr>
-              <a:t> </a:t>
-            </a:r>
-            <a:r>
-              <a:rPr lang="fr-FR" kern="0" dirty="0">
-                <a:latin typeface="Segoe UI" panose="020B0502040204020203" pitchFamily="34" charset="0"/>
-                <a:ea typeface="Times New Roman" panose="02020603050405020304" pitchFamily="18" charset="0"/>
-                <a:cs typeface="Times New Roman" panose="02020603050405020304" pitchFamily="18" charset="0"/>
-              </a:rPr>
-              <a:t>file </a:t>
-            </a:r>
-            <a:r>
-              <a:rPr lang="fr-FR" kern="0" dirty="0" err="1">
-                <a:latin typeface="Segoe UI" panose="020B0502040204020203" pitchFamily="34" charset="0"/>
-                <a:ea typeface="Times New Roman" panose="02020603050405020304" pitchFamily="18" charset="0"/>
-                <a:cs typeface="Times New Roman" panose="02020603050405020304" pitchFamily="18" charset="0"/>
-              </a:rPr>
-              <a:t>located</a:t>
-            </a:r>
-            <a:r>
-              <a:rPr lang="fr-FR" kern="0" dirty="0">
-                <a:latin typeface="Segoe UI" panose="020B0502040204020203" pitchFamily="34" charset="0"/>
-                <a:ea typeface="Times New Roman" panose="02020603050405020304" pitchFamily="18" charset="0"/>
-                <a:cs typeface="Times New Roman" panose="02020603050405020304" pitchFamily="18" charset="0"/>
-              </a:rPr>
-              <a:t> in the </a:t>
-            </a:r>
-            <a:r>
-              <a:rPr lang="fr-FR" b="1" kern="0" dirty="0" err="1">
-                <a:latin typeface="Segoe UI" panose="020B0502040204020203" pitchFamily="34" charset="0"/>
-                <a:ea typeface="Times New Roman" panose="02020603050405020304" pitchFamily="18" charset="0"/>
-                <a:cs typeface="Times New Roman" panose="02020603050405020304" pitchFamily="18" charset="0"/>
-              </a:rPr>
-              <a:t>resources</a:t>
-            </a:r>
-            <a:r>
-              <a:rPr lang="fr-FR" b="1" kern="0" dirty="0">
-                <a:latin typeface="Segoe UI" panose="020B0502040204020203" pitchFamily="34" charset="0"/>
-                <a:ea typeface="Times New Roman" panose="02020603050405020304" pitchFamily="18" charset="0"/>
-                <a:cs typeface="Times New Roman" panose="02020603050405020304" pitchFamily="18" charset="0"/>
-              </a:rPr>
-              <a:t>\</a:t>
-            </a:r>
-            <a:r>
-              <a:rPr lang="fr-FR" b="1" kern="0" dirty="0" err="1">
-                <a:latin typeface="Segoe UI" panose="020B0502040204020203" pitchFamily="34" charset="0"/>
-                <a:ea typeface="Times New Roman" panose="02020603050405020304" pitchFamily="18" charset="0"/>
-                <a:cs typeface="Times New Roman" panose="02020603050405020304" pitchFamily="18" charset="0"/>
-              </a:rPr>
-              <a:t>Drillthrough</a:t>
-            </a:r>
-            <a:r>
-              <a:rPr lang="fr-FR" b="1" kern="0" dirty="0">
-                <a:latin typeface="Segoe UI" panose="020B0502040204020203" pitchFamily="34" charset="0"/>
-                <a:ea typeface="Times New Roman" panose="02020603050405020304" pitchFamily="18" charset="0"/>
-                <a:cs typeface="Times New Roman" panose="02020603050405020304" pitchFamily="18" charset="0"/>
-              </a:rPr>
-              <a:t> and </a:t>
-            </a:r>
-            <a:r>
-              <a:rPr lang="fr-FR" b="1" kern="0" dirty="0" err="1">
-                <a:latin typeface="Segoe UI" panose="020B0502040204020203" pitchFamily="34" charset="0"/>
-                <a:ea typeface="Times New Roman" panose="02020603050405020304" pitchFamily="18" charset="0"/>
-                <a:cs typeface="Times New Roman" panose="02020603050405020304" pitchFamily="18" charset="0"/>
-              </a:rPr>
-              <a:t>Filter</a:t>
-            </a:r>
-            <a:r>
-              <a:rPr lang="fr-FR" b="1" kern="0" dirty="0">
-                <a:latin typeface="Segoe UI" panose="020B0502040204020203" pitchFamily="34" charset="0"/>
-                <a:ea typeface="Times New Roman" panose="02020603050405020304" pitchFamily="18" charset="0"/>
-                <a:cs typeface="Times New Roman" panose="02020603050405020304" pitchFamily="18" charset="0"/>
-              </a:rPr>
-              <a:t> </a:t>
-            </a:r>
-            <a:r>
-              <a:rPr lang="fr-FR" b="1" kern="0" dirty="0" err="1">
-                <a:latin typeface="Segoe UI" panose="020B0502040204020203" pitchFamily="34" charset="0"/>
-                <a:ea typeface="Times New Roman" panose="02020603050405020304" pitchFamily="18" charset="0"/>
-                <a:cs typeface="Times New Roman" panose="02020603050405020304" pitchFamily="18" charset="0"/>
-              </a:rPr>
-              <a:t>folder</a:t>
-            </a:r>
-            <a:endParaRPr lang="en-US" sz="2800" b="1" kern="0" dirty="0">
-              <a:effectLst/>
-              <a:latin typeface="Segoe UI" panose="020B0502040204020203" pitchFamily="34" charset="0"/>
-              <a:ea typeface="Times New Roman" panose="02020603050405020304" pitchFamily="18" charset="0"/>
-              <a:cs typeface="Times New Roman" panose="02020603050405020304" pitchFamily="18" charset="0"/>
-            </a:endParaRPr>
-          </a:p>
-        </p:txBody>
-      </p:sp>
-      <p:sp>
-        <p:nvSpPr>
-          <p:cNvPr id="4" name="Rectangle 3"/>
-          <p:cNvSpPr/>
-          <p:nvPr/>
-        </p:nvSpPr>
-        <p:spPr>
-          <a:xfrm>
-            <a:off x="297925" y="1405122"/>
-            <a:ext cx="10764253" cy="685059"/>
-          </a:xfrm>
-          <a:prstGeom prst="rect">
-            <a:avLst/>
-          </a:prstGeom>
-        </p:spPr>
-        <p:txBody>
-          <a:bodyPr wrap="square">
-            <a:spAutoFit/>
-          </a:bodyPr>
-          <a:lstStyle/>
-          <a:p>
-            <a:pPr lvl="0">
-              <a:lnSpc>
-                <a:spcPct val="107000"/>
-              </a:lnSpc>
-              <a:spcAft>
-                <a:spcPts val="800"/>
-              </a:spcAft>
-            </a:pPr>
-            <a:r>
-              <a:rPr lang="en-US" dirty="0">
-                <a:latin typeface="Segoe UI" panose="020B0502040204020203" pitchFamily="34" charset="0"/>
-                <a:ea typeface="Calibri" panose="020F0502020204030204" pitchFamily="34" charset="0"/>
-                <a:cs typeface="Times New Roman" panose="02020603050405020304" pitchFamily="18" charset="0"/>
-              </a:rPr>
-              <a:t>Navigate to the location of the </a:t>
-            </a:r>
-            <a:r>
-              <a:rPr lang="en-US" b="1" dirty="0" err="1">
-                <a:latin typeface="Segoe UI" panose="020B0502040204020203" pitchFamily="34" charset="0"/>
-                <a:ea typeface="Calibri" panose="020F0502020204030204" pitchFamily="34" charset="0"/>
-                <a:cs typeface="Times New Roman" panose="02020603050405020304" pitchFamily="18" charset="0"/>
-              </a:rPr>
-              <a:t>gdp.xslx</a:t>
-            </a:r>
-            <a:r>
-              <a:rPr lang="en-US" b="1" dirty="0">
-                <a:latin typeface="Segoe UI" panose="020B0502040204020203" pitchFamily="34" charset="0"/>
-                <a:ea typeface="Calibri" panose="020F0502020204030204" pitchFamily="34" charset="0"/>
-                <a:cs typeface="Times New Roman" panose="02020603050405020304" pitchFamily="18" charset="0"/>
-              </a:rPr>
-              <a:t> file </a:t>
-            </a:r>
-            <a:r>
-              <a:rPr lang="en-US" dirty="0">
-                <a:latin typeface="Segoe UI" panose="020B0502040204020203" pitchFamily="34" charset="0"/>
-                <a:ea typeface="Calibri" panose="020F0502020204030204" pitchFamily="34" charset="0"/>
-                <a:cs typeface="Times New Roman" panose="02020603050405020304" pitchFamily="18" charset="0"/>
-              </a:rPr>
-              <a:t>and load both tables </a:t>
-            </a:r>
-            <a:r>
-              <a:rPr lang="en-US" b="1" dirty="0">
-                <a:latin typeface="Segoe UI" panose="020B0502040204020203" pitchFamily="34" charset="0"/>
-                <a:ea typeface="Calibri" panose="020F0502020204030204" pitchFamily="34" charset="0"/>
-                <a:cs typeface="Times New Roman" panose="02020603050405020304" pitchFamily="18" charset="0"/>
-              </a:rPr>
-              <a:t>continent </a:t>
-            </a:r>
-            <a:r>
-              <a:rPr lang="en-US" dirty="0">
-                <a:latin typeface="Segoe UI" panose="020B0502040204020203" pitchFamily="34" charset="0"/>
-                <a:ea typeface="Calibri" panose="020F0502020204030204" pitchFamily="34" charset="0"/>
-                <a:cs typeface="Times New Roman" panose="02020603050405020304" pitchFamily="18" charset="0"/>
-              </a:rPr>
-              <a:t>and </a:t>
-            </a:r>
-            <a:r>
-              <a:rPr lang="en-US" b="1" dirty="0" err="1">
-                <a:latin typeface="Segoe UI" panose="020B0502040204020203" pitchFamily="34" charset="0"/>
-                <a:ea typeface="Calibri" panose="020F0502020204030204" pitchFamily="34" charset="0"/>
-                <a:cs typeface="Times New Roman" panose="02020603050405020304" pitchFamily="18" charset="0"/>
-              </a:rPr>
-              <a:t>gdp</a:t>
-            </a:r>
-            <a:r>
-              <a:rPr lang="en-US" b="1" dirty="0">
-                <a:latin typeface="Segoe UI" panose="020B0502040204020203" pitchFamily="34" charset="0"/>
-                <a:ea typeface="Calibri" panose="020F0502020204030204" pitchFamily="34" charset="0"/>
-                <a:cs typeface="Times New Roman" panose="02020603050405020304" pitchFamily="18" charset="0"/>
-              </a:rPr>
-              <a:t> 2018 </a:t>
-            </a:r>
-            <a:r>
-              <a:rPr lang="en-US" dirty="0">
-                <a:latin typeface="Segoe UI" panose="020B0502040204020203" pitchFamily="34" charset="0"/>
-                <a:ea typeface="Calibri" panose="020F0502020204030204" pitchFamily="34" charset="0"/>
-                <a:cs typeface="Times New Roman" panose="02020603050405020304" pitchFamily="18" charset="0"/>
-              </a:rPr>
-              <a:t>at the query editor level</a:t>
-            </a:r>
-            <a:endParaRPr lang="en-US" sz="1400" dirty="0">
-              <a:effectLst/>
-              <a:latin typeface="Calibri" panose="020F0502020204030204" pitchFamily="34" charset="0"/>
-              <a:ea typeface="Calibri" panose="020F0502020204030204" pitchFamily="34" charset="0"/>
-              <a:cs typeface="Times New Roman" panose="02020603050405020304" pitchFamily="18" charset="0"/>
-            </a:endParaRPr>
-          </a:p>
-        </p:txBody>
-      </p:sp>
-      <p:sp>
-        <p:nvSpPr>
-          <p:cNvPr id="5" name="Rectangle 4"/>
-          <p:cNvSpPr/>
-          <p:nvPr/>
-        </p:nvSpPr>
-        <p:spPr>
-          <a:xfrm>
-            <a:off x="364386" y="2199570"/>
-            <a:ext cx="8282310" cy="388696"/>
-          </a:xfrm>
-          <a:prstGeom prst="rect">
-            <a:avLst/>
-          </a:prstGeom>
-        </p:spPr>
-        <p:txBody>
-          <a:bodyPr wrap="square">
-            <a:spAutoFit/>
-          </a:bodyPr>
-          <a:lstStyle/>
-          <a:p>
-            <a:pPr lvl="0">
-              <a:lnSpc>
-                <a:spcPct val="107000"/>
-              </a:lnSpc>
-              <a:spcAft>
-                <a:spcPts val="800"/>
-              </a:spcAft>
-            </a:pPr>
-            <a:r>
-              <a:rPr lang="fr-FR" dirty="0">
-                <a:latin typeface="Segoe UI" panose="020B0502040204020203" pitchFamily="34" charset="0"/>
-                <a:ea typeface="Calibri" panose="020F0502020204030204" pitchFamily="34" charset="0"/>
-                <a:cs typeface="Times New Roman" panose="02020603050405020304" pitchFamily="18" charset="0"/>
-              </a:rPr>
-              <a:t>Check </a:t>
-            </a:r>
-            <a:r>
-              <a:rPr lang="fr-FR" dirty="0" err="1">
-                <a:latin typeface="Segoe UI" panose="020B0502040204020203" pitchFamily="34" charset="0"/>
-                <a:ea typeface="Calibri" panose="020F0502020204030204" pitchFamily="34" charset="0"/>
-                <a:cs typeface="Times New Roman" panose="02020603050405020304" pitchFamily="18" charset="0"/>
-              </a:rPr>
-              <a:t>that</a:t>
-            </a:r>
-            <a:r>
-              <a:rPr lang="fr-FR" dirty="0">
-                <a:latin typeface="Segoe UI" panose="020B0502040204020203" pitchFamily="34" charset="0"/>
-                <a:ea typeface="Calibri" panose="020F0502020204030204" pitchFamily="34" charset="0"/>
-                <a:cs typeface="Times New Roman" panose="02020603050405020304" pitchFamily="18" charset="0"/>
-              </a:rPr>
-              <a:t> the </a:t>
-            </a:r>
-            <a:r>
-              <a:rPr lang="fr-FR" dirty="0" err="1">
-                <a:latin typeface="Segoe UI" panose="020B0502040204020203" pitchFamily="34" charset="0"/>
-                <a:ea typeface="Calibri" panose="020F0502020204030204" pitchFamily="34" charset="0"/>
-                <a:cs typeface="Times New Roman" panose="02020603050405020304" pitchFamily="18" charset="0"/>
-              </a:rPr>
-              <a:t>relationship</a:t>
-            </a:r>
-            <a:r>
-              <a:rPr lang="fr-FR" dirty="0">
-                <a:latin typeface="Segoe UI" panose="020B0502040204020203" pitchFamily="34" charset="0"/>
-                <a:ea typeface="Calibri" panose="020F0502020204030204" pitchFamily="34" charset="0"/>
-                <a:cs typeface="Times New Roman" panose="02020603050405020304" pitchFamily="18" charset="0"/>
-              </a:rPr>
-              <a:t> </a:t>
-            </a:r>
-            <a:r>
-              <a:rPr lang="fr-FR" dirty="0" err="1">
-                <a:latin typeface="Segoe UI" panose="020B0502040204020203" pitchFamily="34" charset="0"/>
-                <a:ea typeface="Calibri" panose="020F0502020204030204" pitchFamily="34" charset="0"/>
-                <a:cs typeface="Times New Roman" panose="02020603050405020304" pitchFamily="18" charset="0"/>
-              </a:rPr>
-              <a:t>between</a:t>
-            </a:r>
-            <a:r>
-              <a:rPr lang="fr-FR" dirty="0">
-                <a:latin typeface="Segoe UI" panose="020B0502040204020203" pitchFamily="34" charset="0"/>
-                <a:ea typeface="Calibri" panose="020F0502020204030204" pitchFamily="34" charset="0"/>
-                <a:cs typeface="Times New Roman" panose="02020603050405020304" pitchFamily="18" charset="0"/>
-              </a:rPr>
-              <a:t> </a:t>
-            </a:r>
-            <a:r>
-              <a:rPr lang="fr-FR" b="1" dirty="0" err="1">
-                <a:latin typeface="Segoe UI" panose="020B0502040204020203" pitchFamily="34" charset="0"/>
-                <a:ea typeface="Calibri" panose="020F0502020204030204" pitchFamily="34" charset="0"/>
-                <a:cs typeface="Times New Roman" panose="02020603050405020304" pitchFamily="18" charset="0"/>
-              </a:rPr>
-              <a:t>contains</a:t>
-            </a:r>
-            <a:r>
-              <a:rPr lang="fr-FR" b="1" dirty="0">
-                <a:latin typeface="Segoe UI" panose="020B0502040204020203" pitchFamily="34" charset="0"/>
-                <a:ea typeface="Calibri" panose="020F0502020204030204" pitchFamily="34" charset="0"/>
-                <a:cs typeface="Times New Roman" panose="02020603050405020304" pitchFamily="18" charset="0"/>
-              </a:rPr>
-              <a:t> </a:t>
-            </a:r>
-            <a:r>
-              <a:rPr lang="fr-FR" dirty="0">
-                <a:latin typeface="Segoe UI" panose="020B0502040204020203" pitchFamily="34" charset="0"/>
-                <a:ea typeface="Calibri" panose="020F0502020204030204" pitchFamily="34" charset="0"/>
-                <a:cs typeface="Times New Roman" panose="02020603050405020304" pitchFamily="18" charset="0"/>
-              </a:rPr>
-              <a:t>and </a:t>
-            </a:r>
-            <a:r>
-              <a:rPr lang="fr-FR" b="1" dirty="0" err="1">
-                <a:latin typeface="Segoe UI" panose="020B0502040204020203" pitchFamily="34" charset="0"/>
-                <a:ea typeface="Calibri" panose="020F0502020204030204" pitchFamily="34" charset="0"/>
-                <a:cs typeface="Times New Roman" panose="02020603050405020304" pitchFamily="18" charset="0"/>
-              </a:rPr>
-              <a:t>gdp</a:t>
-            </a:r>
-            <a:r>
-              <a:rPr lang="fr-FR" b="1" dirty="0">
-                <a:latin typeface="Segoe UI" panose="020B0502040204020203" pitchFamily="34" charset="0"/>
-                <a:ea typeface="Calibri" panose="020F0502020204030204" pitchFamily="34" charset="0"/>
-                <a:cs typeface="Times New Roman" panose="02020603050405020304" pitchFamily="18" charset="0"/>
-              </a:rPr>
-              <a:t> 2018 </a:t>
-            </a:r>
-            <a:r>
-              <a:rPr lang="fr-FR" dirty="0" err="1">
-                <a:latin typeface="Segoe UI" panose="020B0502040204020203" pitchFamily="34" charset="0"/>
-                <a:ea typeface="Calibri" panose="020F0502020204030204" pitchFamily="34" charset="0"/>
-                <a:cs typeface="Times New Roman" panose="02020603050405020304" pitchFamily="18" charset="0"/>
-              </a:rPr>
-              <a:t>is</a:t>
-            </a:r>
-            <a:r>
-              <a:rPr lang="fr-FR" dirty="0">
-                <a:latin typeface="Segoe UI" panose="020B0502040204020203" pitchFamily="34" charset="0"/>
-                <a:ea typeface="Calibri" panose="020F0502020204030204" pitchFamily="34" charset="0"/>
-                <a:cs typeface="Times New Roman" panose="02020603050405020304" pitchFamily="18" charset="0"/>
-              </a:rPr>
-              <a:t> </a:t>
-            </a:r>
-            <a:r>
-              <a:rPr lang="fr-FR" dirty="0" err="1">
-                <a:latin typeface="Segoe UI" panose="020B0502040204020203" pitchFamily="34" charset="0"/>
-                <a:ea typeface="Calibri" panose="020F0502020204030204" pitchFamily="34" charset="0"/>
-                <a:cs typeface="Times New Roman" panose="02020603050405020304" pitchFamily="18" charset="0"/>
-              </a:rPr>
-              <a:t>established</a:t>
-            </a:r>
-            <a:endParaRPr lang="en-US" sz="1400" dirty="0">
-              <a:effectLst/>
-              <a:latin typeface="Calibri" panose="020F0502020204030204" pitchFamily="34" charset="0"/>
-              <a:ea typeface="Calibri" panose="020F0502020204030204" pitchFamily="34" charset="0"/>
-              <a:cs typeface="Times New Roman" panose="02020603050405020304" pitchFamily="18" charset="0"/>
             </a:endParaRPr>
           </a:p>
         </p:txBody>
@@ -4450,7 +4496,7 @@
           <p:cNvPicPr/>
           <p:nvPr/>
         </p:nvPicPr>
-        <p:blipFill>
+        <p:blipFill rotWithShape="1">
           <a:blip r:embed="rId2">
             <a:extLst>
               <a:ext uri="{28A0092B-C50C-407E-A947-70E740481C1C}">
@@ -4458,15 +4504,13 @@
               </a:ext>
             </a:extLst>
           </a:blip>
-          <a:srcRect/>
-          <a:stretch>
-            <a:fillRect/>
-          </a:stretch>
+          <a:srcRect t="6984" b="10044"/>
+          <a:stretch/>
         </p:blipFill>
         <p:spPr bwMode="auto">
           <a:xfrm>
-            <a:off x="3805058" y="2930148"/>
-            <a:ext cx="5200650" cy="3032760"/>
+            <a:off x="2952535" y="3004457"/>
+            <a:ext cx="6012710" cy="2956332"/>
           </a:xfrm>
           <a:prstGeom prst="rect">
             <a:avLst/>
@@ -4483,6 +4527,185 @@
           </a:effectLst>
         </p:spPr>
       </p:pic>
+      <p:sp>
+        <p:nvSpPr>
+          <p:cNvPr id="7" name="Rectangle 6"/>
+          <p:cNvSpPr/>
+          <p:nvPr/>
+        </p:nvSpPr>
+        <p:spPr>
+          <a:xfrm>
+            <a:off x="497306" y="892024"/>
+            <a:ext cx="10984258" cy="400110"/>
+          </a:xfrm>
+          <a:prstGeom prst="rect">
+            <a:avLst/>
+          </a:prstGeom>
+        </p:spPr>
+        <p:txBody>
+          <a:bodyPr wrap="square">
+            <a:spAutoFit/>
+          </a:bodyPr>
+          <a:lstStyle/>
+          <a:p>
+            <a:r xmlns:a="http://schemas.openxmlformats.org/drawingml/2006/main">
+              <a:rPr lang="en" sz="2000" b="1" dirty="0"/>
+              <a:t>Note: </a:t>
+            </a:r>
+            <a:r xmlns:a="http://schemas.openxmlformats.org/drawingml/2006/main">
+              <a:rPr lang="en" sz="2000" dirty="0" smtClean="0"/>
+              <a:t>This workshop uses the </a:t>
+            </a:r>
+            <a:r xmlns:a="http://schemas.openxmlformats.org/drawingml/2006/main">
+              <a:rPr lang="en" sz="2000" b="1" dirty="0"/>
+              <a:t>gdp.xlsx </a:t>
+            </a:r>
+            <a:r xmlns:a="http://schemas.openxmlformats.org/drawingml/2006/main">
+              <a:rPr lang="en" sz="2000" dirty="0"/>
+              <a:t>file </a:t>
+            </a:r>
+            <a:r xmlns:a="http://schemas.openxmlformats.org/drawingml/2006/main">
+              <a:rPr lang="en" sz="2000" dirty="0"/>
+              <a:t>located in the folder</a:t>
+            </a:r>
+            <a:r xmlns:a="http://schemas.openxmlformats.org/drawingml/2006/main">
+              <a:rPr lang="en" sz="2000" b="1" dirty="0"/>
+              <a:t> </a:t>
+            </a:r>
+            <a:r xmlns:a="http://schemas.openxmlformats.org/drawingml/2006/main">
+              <a:rPr lang="en" sz="2000" b="1" dirty="0" err="1"/>
+              <a:t>resources </a:t>
+            </a:r>
+            <a:r xmlns:a="http://schemas.openxmlformats.org/drawingml/2006/main">
+              <a:rPr lang="en" sz="2000" b="1" dirty="0"/>
+              <a:t>\ </a:t>
+            </a:r>
+            <a:r xmlns:a="http://schemas.openxmlformats.org/drawingml/2006/main">
+              <a:rPr lang="en" sz="2000" b="1" dirty="0" err="1"/>
+              <a:t>Drillthrough</a:t>
+            </a:r>
+            <a:r xmlns:a="http://schemas.openxmlformats.org/drawingml/2006/main">
+              <a:rPr lang="en" sz="2000" b="1" dirty="0"/>
+              <a:t> </a:t>
+            </a:r>
+            <a:r xmlns:a="http://schemas.openxmlformats.org/drawingml/2006/main">
+              <a:rPr lang="en" sz="2000" b="1" dirty="0" smtClean="0"/>
+              <a:t>and Filter </a:t>
+            </a:r>
+            <a:r xmlns:a="http://schemas.openxmlformats.org/drawingml/2006/main">
+              <a:rPr lang="en" sz="2000" dirty="0" smtClean="0"/>
+              <a:t>.</a:t>
+            </a:r>
+            <a:endParaRPr xmlns:a="http://schemas.openxmlformats.org/drawingml/2006/main" lang="en-US" sz="2000" dirty="0"/>
+          </a:p>
+        </p:txBody>
+      </p:sp>
+      <p:sp>
+        <p:nvSpPr>
+          <p:cNvPr id="8" name="Rectangle 7"/>
+          <p:cNvSpPr/>
+          <p:nvPr/>
+        </p:nvSpPr>
+        <p:spPr>
+          <a:xfrm>
+            <a:off x="497305" y="1435373"/>
+            <a:ext cx="10723001" cy="707886"/>
+          </a:xfrm>
+          <a:prstGeom prst="rect">
+            <a:avLst/>
+          </a:prstGeom>
+        </p:spPr>
+        <p:txBody>
+          <a:bodyPr wrap="square">
+            <a:spAutoFit/>
+          </a:bodyPr>
+          <a:lstStyle/>
+          <a:p>
+            <a:r xmlns:a="http://schemas.openxmlformats.org/drawingml/2006/main">
+              <a:rPr lang="en" sz="2000" dirty="0"/>
+              <a:t>Navigate to the location of the </a:t>
+            </a:r>
+            <a:r xmlns:a="http://schemas.openxmlformats.org/drawingml/2006/main">
+              <a:rPr lang="en" sz="2000" b="1" dirty="0"/>
+              <a:t>gdp.xlsx file </a:t>
+            </a:r>
+            <a:r xmlns:a="http://schemas.openxmlformats.org/drawingml/2006/main">
+              <a:rPr lang="en" sz="2000" dirty="0"/>
+              <a:t>and load both the </a:t>
+            </a:r>
+            <a:r xmlns:a="http://schemas.openxmlformats.org/drawingml/2006/main">
+              <a:rPr lang="en" sz="2000" b="1" dirty="0"/>
+              <a:t>continent </a:t>
+            </a:r>
+            <a:r xmlns:a="http://schemas.openxmlformats.org/drawingml/2006/main">
+              <a:rPr lang="en" sz="2000" dirty="0"/>
+              <a:t>and </a:t>
+            </a:r>
+            <a:r xmlns:a="http://schemas.openxmlformats.org/drawingml/2006/main">
+              <a:rPr lang="en" sz="2000" b="1" dirty="0" err="1"/>
+              <a:t>gdp </a:t>
+            </a:r>
+            <a:r xmlns:a="http://schemas.openxmlformats.org/drawingml/2006/main">
+              <a:rPr lang="en" sz="2000" b="1" dirty="0"/>
+              <a:t>2018 tables </a:t>
+            </a:r>
+            <a:r xmlns:a="http://schemas.openxmlformats.org/drawingml/2006/main">
+              <a:rPr lang="en" sz="2000" dirty="0"/>
+              <a:t>into the query editor.</a:t>
+            </a:r>
+            <a:endParaRPr xmlns:a="http://schemas.openxmlformats.org/drawingml/2006/main" lang="en-US" sz="2000" dirty="0"/>
+          </a:p>
+        </p:txBody>
+      </p:sp>
+      <p:sp>
+        <p:nvSpPr>
+          <p:cNvPr id="9" name="Rectangle 8"/>
+          <p:cNvSpPr/>
+          <p:nvPr/>
+        </p:nvSpPr>
+        <p:spPr>
+          <a:xfrm>
+            <a:off x="497305" y="2233681"/>
+            <a:ext cx="6730176" cy="400110"/>
+          </a:xfrm>
+          <a:prstGeom prst="rect">
+            <a:avLst/>
+          </a:prstGeom>
+        </p:spPr>
+        <p:txBody>
+          <a:bodyPr wrap="none">
+            <a:spAutoFit/>
+          </a:bodyPr>
+          <a:lstStyle/>
+          <a:p>
+            <a:r xmlns:a="http://schemas.openxmlformats.org/drawingml/2006/main">
+              <a:rPr lang="en" sz="2000" dirty="0"/>
+              <a:t>Check that the relationship between </a:t>
+            </a:r>
+            <a:r xmlns:a="http://schemas.openxmlformats.org/drawingml/2006/main">
+              <a:rPr lang="en" sz="2000" b="1" dirty="0"/>
+              <a:t>continent </a:t>
+            </a:r>
+            <a:r xmlns:a="http://schemas.openxmlformats.org/drawingml/2006/main">
+              <a:rPr lang="en" sz="2000" dirty="0"/>
+              <a:t>and </a:t>
+            </a:r>
+            <a:r xmlns:a="http://schemas.openxmlformats.org/drawingml/2006/main">
+              <a:rPr lang="en" sz="2000" b="1" dirty="0" err="1"/>
+              <a:t>gdp </a:t>
+            </a:r>
+            <a:r xmlns:a="http://schemas.openxmlformats.org/drawingml/2006/main">
+              <a:rPr lang="en" sz="2000" b="1" dirty="0"/>
+              <a:t>2018 </a:t>
+            </a:r>
+            <a:r xmlns:a="http://schemas.openxmlformats.org/drawingml/2006/main">
+              <a:rPr lang="en" sz="2000" dirty="0"/>
+              <a:t>is established.</a:t>
+            </a:r>
+            <a:endParaRPr xmlns:a="http://schemas.openxmlformats.org/drawingml/2006/main" lang="en-US" sz="2000" dirty="0"/>
+          </a:p>
+        </p:txBody>
+      </p:sp>
     </p:spTree>
     <p:extLst>
       <p:ext uri="{BB962C8B-B14F-4D97-AF65-F5344CB8AC3E}">
@@ -4522,7 +4745,7 @@
         <p:spPr>
           <a:xfrm>
             <a:off x="364386" y="206257"/>
-            <a:ext cx="1329275" cy="523220"/>
+            <a:ext cx="1593898" cy="523220"/>
           </a:xfrm>
           <a:prstGeom prst="rect">
             <a:avLst/>
@@ -4535,14 +4758,14 @@
           </a:bodyPr>
           <a:lstStyle/>
           <a:p>
-            <a:r>
-              <a:rPr lang="en-US" sz="2800" dirty="0" smtClean="0">
+            <a:r xmlns:a="http://schemas.openxmlformats.org/drawingml/2006/main">
+              <a:rPr lang="en" sz="2800" b="1" dirty="0" err="1" smtClean="0">
                 <a:latin typeface="Segoe UI" panose="020B0502040204020203" pitchFamily="34" charset="0"/>
                 <a:cs typeface="Segoe UI" panose="020B0502040204020203" pitchFamily="34" charset="0"/>
               </a:rPr>
               <a:t>Groups</a:t>
             </a:r>
-            <a:endParaRPr lang="en-US" sz="2800" dirty="0">
+            <a:endParaRPr xmlns:a="http://schemas.openxmlformats.org/drawingml/2006/main" lang="en-US" sz="2800" b="1" dirty="0">
               <a:latin typeface="Segoe UI" panose="020B0502040204020203" pitchFamily="34" charset="0"/>
               <a:cs typeface="Segoe UI" panose="020B0502040204020203" pitchFamily="34" charset="0"/>
             </a:endParaRPr>
@@ -4558,7 +4781,7 @@
         <p:spPr>
           <a:xfrm>
             <a:off x="364385" y="889483"/>
-            <a:ext cx="11447187" cy="685059"/>
+            <a:ext cx="11447187" cy="736355"/>
           </a:xfrm>
           <a:prstGeom prst="rect">
             <a:avLst/>
@@ -4570,7 +4793,7 @@
           </a:bodyPr>
           <a:lstStyle/>
           <a:p>
-            <a:pPr lvl="0">
+            <a:pPr xmlns:a="http://schemas.openxmlformats.org/drawingml/2006/main" lvl="0">
               <a:lnSpc>
                 <a:spcPct val="107000"/>
               </a:lnSpc>
@@ -4578,183 +4801,51 @@
                 <a:spcPts val="800"/>
               </a:spcAft>
             </a:pPr>
-            <a:r>
-              <a:rPr lang="fr-FR" dirty="0" err="1">
-                <a:latin typeface="Segoe UI" panose="020B0502040204020203" pitchFamily="34" charset="0"/>
-                <a:ea typeface="Calibri" panose="020F0502020204030204" pitchFamily="34" charset="0"/>
-                <a:cs typeface="Times New Roman" panose="02020603050405020304" pitchFamily="18" charset="0"/>
-              </a:rPr>
-              <a:t>Add</a:t>
-            </a:r>
-            <a:r>
-              <a:rPr lang="fr-FR" dirty="0">
-                <a:latin typeface="Segoe UI" panose="020B0502040204020203" pitchFamily="34" charset="0"/>
-                <a:ea typeface="Calibri" panose="020F0502020204030204" pitchFamily="34" charset="0"/>
-                <a:cs typeface="Times New Roman" panose="02020603050405020304" pitchFamily="18" charset="0"/>
-              </a:rPr>
-              <a:t> a </a:t>
-            </a:r>
-            <a:r>
-              <a:rPr lang="fr-FR" b="1" dirty="0" err="1" smtClean="0">
-                <a:latin typeface="Segoe UI" panose="020B0502040204020203" pitchFamily="34" charset="0"/>
-                <a:ea typeface="Calibri" panose="020F0502020204030204" pitchFamily="34" charset="0"/>
-                <a:cs typeface="Times New Roman" panose="02020603050405020304" pitchFamily="18" charset="0"/>
-              </a:rPr>
-              <a:t>Clustered</a:t>
-            </a:r>
-            <a:r>
-              <a:rPr lang="fr-FR" b="1" dirty="0" smtClean="0">
-                <a:latin typeface="Segoe UI" panose="020B0502040204020203" pitchFamily="34" charset="0"/>
-                <a:ea typeface="Calibri" panose="020F0502020204030204" pitchFamily="34" charset="0"/>
-                <a:cs typeface="Times New Roman" panose="02020603050405020304" pitchFamily="18" charset="0"/>
-              </a:rPr>
-              <a:t> </a:t>
-            </a:r>
-            <a:r>
-              <a:rPr lang="fr-FR" b="1" dirty="0" err="1" smtClean="0">
-                <a:latin typeface="Segoe UI" panose="020B0502040204020203" pitchFamily="34" charset="0"/>
-                <a:ea typeface="Calibri" panose="020F0502020204030204" pitchFamily="34" charset="0"/>
-                <a:cs typeface="Times New Roman" panose="02020603050405020304" pitchFamily="18" charset="0"/>
-              </a:rPr>
-              <a:t>Column</a:t>
-            </a:r>
-            <a:r>
-              <a:rPr lang="fr-FR" b="1" dirty="0" smtClean="0">
-                <a:latin typeface="Segoe UI" panose="020B0502040204020203" pitchFamily="34" charset="0"/>
-                <a:ea typeface="Calibri" panose="020F0502020204030204" pitchFamily="34" charset="0"/>
-                <a:cs typeface="Times New Roman" panose="02020603050405020304" pitchFamily="18" charset="0"/>
-              </a:rPr>
-              <a:t> </a:t>
-            </a:r>
-            <a:r>
-              <a:rPr lang="fr-FR" dirty="0" err="1">
-                <a:latin typeface="Segoe UI" panose="020B0502040204020203" pitchFamily="34" charset="0"/>
-                <a:ea typeface="Calibri" panose="020F0502020204030204" pitchFamily="34" charset="0"/>
-                <a:cs typeface="Times New Roman" panose="02020603050405020304" pitchFamily="18" charset="0"/>
-              </a:rPr>
-              <a:t>visual</a:t>
-            </a:r>
-            <a:r>
-              <a:rPr lang="fr-FR" dirty="0">
-                <a:latin typeface="Segoe UI" panose="020B0502040204020203" pitchFamily="34" charset="0"/>
-                <a:ea typeface="Calibri" panose="020F0502020204030204" pitchFamily="34" charset="0"/>
-                <a:cs typeface="Times New Roman" panose="02020603050405020304" pitchFamily="18" charset="0"/>
-              </a:rPr>
-              <a:t> to the </a:t>
-            </a:r>
-            <a:r>
-              <a:rPr lang="fr-FR" dirty="0" err="1">
-                <a:latin typeface="Segoe UI" panose="020B0502040204020203" pitchFamily="34" charset="0"/>
-                <a:ea typeface="Calibri" panose="020F0502020204030204" pitchFamily="34" charset="0"/>
-                <a:cs typeface="Times New Roman" panose="02020603050405020304" pitchFamily="18" charset="0"/>
-              </a:rPr>
-              <a:t>scene</a:t>
-            </a:r>
-            <a:r>
-              <a:rPr lang="fr-FR" dirty="0">
-                <a:latin typeface="Segoe UI" panose="020B0502040204020203" pitchFamily="34" charset="0"/>
-                <a:ea typeface="Calibri" panose="020F0502020204030204" pitchFamily="34" charset="0"/>
-                <a:cs typeface="Times New Roman" panose="02020603050405020304" pitchFamily="18" charset="0"/>
-              </a:rPr>
-              <a:t> and drag </a:t>
-            </a:r>
-            <a:r>
-              <a:rPr lang="fr-FR" b="1" dirty="0" err="1">
-                <a:latin typeface="Segoe UI" panose="020B0502040204020203" pitchFamily="34" charset="0"/>
-                <a:ea typeface="Calibri" panose="020F0502020204030204" pitchFamily="34" charset="0"/>
-                <a:cs typeface="Times New Roman" panose="02020603050405020304" pitchFamily="18" charset="0"/>
-              </a:rPr>
-              <a:t>ContinentName</a:t>
-            </a:r>
-            <a:r>
-              <a:rPr lang="fr-FR" b="1" dirty="0">
-                <a:latin typeface="Segoe UI" panose="020B0502040204020203" pitchFamily="34" charset="0"/>
-                <a:ea typeface="Calibri" panose="020F0502020204030204" pitchFamily="34" charset="0"/>
-                <a:cs typeface="Times New Roman" panose="02020603050405020304" pitchFamily="18" charset="0"/>
-              </a:rPr>
-              <a:t> </a:t>
-            </a:r>
-            <a:r>
-              <a:rPr lang="fr-FR" dirty="0">
-                <a:latin typeface="Segoe UI" panose="020B0502040204020203" pitchFamily="34" charset="0"/>
-                <a:ea typeface="Calibri" panose="020F0502020204030204" pitchFamily="34" charset="0"/>
-                <a:cs typeface="Times New Roman" panose="02020603050405020304" pitchFamily="18" charset="0"/>
-              </a:rPr>
+            <a:r xmlns:a="http://schemas.openxmlformats.org/drawingml/2006/main">
+              <a:rPr lang="en" sz="2000" dirty="0"/>
+              <a:t>Add a </a:t>
+            </a:r>
+            <a:r xmlns:a="http://schemas.openxmlformats.org/drawingml/2006/main">
+              <a:rPr lang="en" sz="2000" b="1" dirty="0"/>
+              <a:t>Clustered Columns Histogram visual </a:t>
+            </a:r>
+            <a:r xmlns:a="http://schemas.openxmlformats.org/drawingml/2006/main">
+              <a:rPr lang="en" sz="2000" dirty="0"/>
+              <a:t>to the scene and drag </a:t>
+            </a:r>
+            <a:r xmlns:a="http://schemas.openxmlformats.org/drawingml/2006/main">
+              <a:rPr lang="en" sz="2000" b="1" dirty="0" err="1"/>
+              <a:t>ContinentName </a:t>
+            </a:r>
+            <a:r xmlns:a="http://schemas.openxmlformats.org/drawingml/2006/main">
+              <a:rPr lang="en" sz="2000" dirty="0"/>
               <a:t>and </a:t>
             </a:r>
-            <a:r>
-              <a:rPr lang="fr-FR" b="1" dirty="0" err="1">
-                <a:latin typeface="Segoe UI" panose="020B0502040204020203" pitchFamily="34" charset="0"/>
-                <a:ea typeface="Calibri" panose="020F0502020204030204" pitchFamily="34" charset="0"/>
-                <a:cs typeface="Times New Roman" panose="02020603050405020304" pitchFamily="18" charset="0"/>
-              </a:rPr>
-              <a:t>gdp</a:t>
-            </a:r>
-            <a:r>
-              <a:rPr lang="fr-FR" b="1" dirty="0">
-                <a:latin typeface="Segoe UI" panose="020B0502040204020203" pitchFamily="34" charset="0"/>
-                <a:ea typeface="Calibri" panose="020F0502020204030204" pitchFamily="34" charset="0"/>
-                <a:cs typeface="Times New Roman" panose="02020603050405020304" pitchFamily="18" charset="0"/>
-              </a:rPr>
-              <a:t> </a:t>
-            </a:r>
-            <a:r>
-              <a:rPr lang="fr-FR" dirty="0">
-                <a:latin typeface="Segoe UI" panose="020B0502040204020203" pitchFamily="34" charset="0"/>
-                <a:ea typeface="Calibri" panose="020F0502020204030204" pitchFamily="34" charset="0"/>
-                <a:cs typeface="Times New Roman" panose="02020603050405020304" pitchFamily="18" charset="0"/>
-              </a:rPr>
+            <a:r xmlns:a="http://schemas.openxmlformats.org/drawingml/2006/main">
+              <a:rPr lang="en" sz="2000" b="1" dirty="0" err="1"/>
+              <a:t>gdp </a:t>
+            </a:r>
+            <a:r xmlns:a="http://schemas.openxmlformats.org/drawingml/2006/main">
+              <a:rPr lang="en" sz="2000" dirty="0"/>
               <a:t>to the </a:t>
             </a:r>
-            <a:r>
-              <a:rPr lang="fr-FR" b="1" dirty="0">
-                <a:latin typeface="Segoe UI" panose="020B0502040204020203" pitchFamily="34" charset="0"/>
-                <a:ea typeface="Calibri" panose="020F0502020204030204" pitchFamily="34" charset="0"/>
-                <a:cs typeface="Times New Roman" panose="02020603050405020304" pitchFamily="18" charset="0"/>
-              </a:rPr>
+            <a:r xmlns:a="http://schemas.openxmlformats.org/drawingml/2006/main">
+              <a:rPr lang="en" sz="2000" b="1" dirty="0"/>
               <a:t>Axis </a:t>
             </a:r>
-            <a:r>
-              <a:rPr lang="fr-FR" dirty="0">
-                <a:latin typeface="Segoe UI" panose="020B0502040204020203" pitchFamily="34" charset="0"/>
-                <a:ea typeface="Calibri" panose="020F0502020204030204" pitchFamily="34" charset="0"/>
-                <a:cs typeface="Times New Roman" panose="02020603050405020304" pitchFamily="18" charset="0"/>
-              </a:rPr>
+            <a:r xmlns:a="http://schemas.openxmlformats.org/drawingml/2006/main">
+              <a:rPr lang="en" sz="2000" dirty="0"/>
               <a:t>and </a:t>
             </a:r>
-            <a:r>
-              <a:rPr lang="fr-FR" b="1" dirty="0">
-                <a:latin typeface="Segoe UI" panose="020B0502040204020203" pitchFamily="34" charset="0"/>
-                <a:ea typeface="Calibri" panose="020F0502020204030204" pitchFamily="34" charset="0"/>
-                <a:cs typeface="Times New Roman" panose="02020603050405020304" pitchFamily="18" charset="0"/>
-              </a:rPr>
-              <a:t>Values </a:t>
-            </a:r>
-            <a:r>
-              <a:rPr lang="fr-FR" b="1" dirty="0" err="1">
-                <a:latin typeface="Segoe UI" panose="020B0502040204020203" pitchFamily="34" charset="0"/>
-                <a:ea typeface="Calibri" panose="020F0502020204030204" pitchFamily="34" charset="0"/>
-                <a:cs typeface="Times New Roman" panose="02020603050405020304" pitchFamily="18" charset="0"/>
-              </a:rPr>
-              <a:t>properties</a:t>
-            </a:r>
-            <a:r>
-              <a:rPr lang="fr-FR" b="1" dirty="0">
-                <a:latin typeface="Segoe UI" panose="020B0502040204020203" pitchFamily="34" charset="0"/>
-                <a:ea typeface="Calibri" panose="020F0502020204030204" pitchFamily="34" charset="0"/>
-                <a:cs typeface="Times New Roman" panose="02020603050405020304" pitchFamily="18" charset="0"/>
-              </a:rPr>
-              <a:t> </a:t>
-            </a:r>
-            <a:r>
-              <a:rPr lang="fr-FR" b="1" dirty="0" err="1">
-                <a:latin typeface="Segoe UI" panose="020B0502040204020203" pitchFamily="34" charset="0"/>
-                <a:ea typeface="Calibri" panose="020F0502020204030204" pitchFamily="34" charset="0"/>
-                <a:cs typeface="Times New Roman" panose="02020603050405020304" pitchFamily="18" charset="0"/>
-              </a:rPr>
-              <a:t>respectively</a:t>
-            </a:r>
-            <a:endParaRPr lang="en-US" sz="1400" dirty="0">
+            <a:r xmlns:a="http://schemas.openxmlformats.org/drawingml/2006/main">
+              <a:rPr lang="en" sz="2000" b="1" dirty="0"/>
+              <a:t>Values properties </a:t>
+            </a:r>
+            <a:r xmlns:a="http://schemas.openxmlformats.org/drawingml/2006/main">
+              <a:rPr lang="en" sz="2000" dirty="0"/>
+              <a:t>respectively.</a:t>
+            </a:r>
+            <a:endParaRPr xmlns:a="http://schemas.openxmlformats.org/drawingml/2006/main" lang="en-US" sz="1600" dirty="0">
               <a:effectLst/>
               <a:latin typeface="Calibri" panose="020F0502020204030204" pitchFamily="34" charset="0"/>
               <a:ea typeface="Calibri" panose="020F0502020204030204" pitchFamily="34" charset="0"/>
@@ -4841,7 +4932,7 @@
         <p:spPr>
           <a:xfrm>
             <a:off x="364386" y="206257"/>
-            <a:ext cx="1329275" cy="523220"/>
+            <a:ext cx="1593898" cy="523220"/>
           </a:xfrm>
           <a:prstGeom prst="rect">
             <a:avLst/>
@@ -4854,141 +4945,14 @@
           </a:bodyPr>
           <a:lstStyle/>
           <a:p>
-            <a:r>
-              <a:rPr lang="en-US" sz="2800" dirty="0" smtClean="0">
+            <a:r xmlns:a="http://schemas.openxmlformats.org/drawingml/2006/main">
+              <a:rPr lang="en" sz="2800" b="1" dirty="0" err="1" smtClean="0">
                 <a:latin typeface="Segoe UI" panose="020B0502040204020203" pitchFamily="34" charset="0"/>
                 <a:cs typeface="Segoe UI" panose="020B0502040204020203" pitchFamily="34" charset="0"/>
               </a:rPr>
               <a:t>Groups</a:t>
             </a:r>
-            <a:endParaRPr lang="en-US" sz="2800" dirty="0">
-              <a:latin typeface="Segoe UI" panose="020B0502040204020203" pitchFamily="34" charset="0"/>
-              <a:cs typeface="Segoe UI" panose="020B0502040204020203" pitchFamily="34" charset="0"/>
-            </a:endParaRPr>
-          </a:p>
-        </p:txBody>
-      </p:sp>
-      <p:sp>
-        <p:nvSpPr>
-          <p:cNvPr id="7" name="Rectangle 6"/>
-          <p:cNvSpPr/>
-          <p:nvPr/>
-        </p:nvSpPr>
-        <p:spPr>
-          <a:xfrm>
-            <a:off x="364385" y="889483"/>
-            <a:ext cx="11674069" cy="369332"/>
-          </a:xfrm>
-          <a:prstGeom prst="rect">
-            <a:avLst/>
-          </a:prstGeom>
-        </p:spPr>
-        <p:txBody>
-          <a:bodyPr wrap="square">
-            <a:spAutoFit/>
-          </a:bodyPr>
-          <a:lstStyle/>
-          <a:p>
-            <a:pPr lvl="0"/>
-            <a:r>
-              <a:rPr lang="fr-FR" dirty="0">
-                <a:latin typeface="Segoe UI" panose="020B0502040204020203" pitchFamily="34" charset="0"/>
-                <a:cs typeface="Segoe UI" panose="020B0502040204020203" pitchFamily="34" charset="0"/>
-              </a:rPr>
-              <a:t>Select </a:t>
-            </a:r>
-            <a:r>
-              <a:rPr lang="fr-FR" dirty="0" err="1">
-                <a:latin typeface="Segoe UI" panose="020B0502040204020203" pitchFamily="34" charset="0"/>
-                <a:cs typeface="Segoe UI" panose="020B0502040204020203" pitchFamily="34" charset="0"/>
-              </a:rPr>
-              <a:t>North</a:t>
-            </a:r>
-            <a:r>
-              <a:rPr lang="fr-FR" dirty="0">
-                <a:latin typeface="Segoe UI" panose="020B0502040204020203" pitchFamily="34" charset="0"/>
-                <a:cs typeface="Segoe UI" panose="020B0502040204020203" pitchFamily="34" charset="0"/>
-              </a:rPr>
-              <a:t> and South </a:t>
-            </a:r>
-            <a:r>
-              <a:rPr lang="fr-FR" dirty="0" err="1" smtClean="0">
-                <a:latin typeface="Segoe UI" panose="020B0502040204020203" pitchFamily="34" charset="0"/>
-                <a:cs typeface="Segoe UI" panose="020B0502040204020203" pitchFamily="34" charset="0"/>
-              </a:rPr>
-              <a:t>America</a:t>
-            </a:r>
-            <a:r>
-              <a:rPr lang="fr-FR" dirty="0" smtClean="0">
-                <a:latin typeface="Segoe UI" panose="020B0502040204020203" pitchFamily="34" charset="0"/>
-                <a:cs typeface="Segoe UI" panose="020B0502040204020203" pitchFamily="34" charset="0"/>
-              </a:rPr>
-              <a:t> </a:t>
-            </a:r>
-            <a:r>
-              <a:rPr lang="fr-FR" dirty="0" err="1" smtClean="0">
-                <a:latin typeface="Segoe UI" panose="020B0502040204020203" pitchFamily="34" charset="0"/>
-                <a:cs typeface="Segoe UI" panose="020B0502040204020203" pitchFamily="34" charset="0"/>
-              </a:rPr>
-              <a:t>columns</a:t>
-            </a:r>
-            <a:r>
-              <a:rPr lang="fr-FR" dirty="0" smtClean="0">
-                <a:latin typeface="Segoe UI" panose="020B0502040204020203" pitchFamily="34" charset="0"/>
-                <a:cs typeface="Segoe UI" panose="020B0502040204020203" pitchFamily="34" charset="0"/>
-              </a:rPr>
-              <a:t> </a:t>
-            </a:r>
-            <a:r>
-              <a:rPr lang="fr-FR" dirty="0">
-                <a:latin typeface="Segoe UI" panose="020B0502040204020203" pitchFamily="34" charset="0"/>
-                <a:cs typeface="Segoe UI" panose="020B0502040204020203" pitchFamily="34" charset="0"/>
-              </a:rPr>
-              <a:t>and </a:t>
-            </a:r>
-            <a:r>
-              <a:rPr lang="fr-FR" dirty="0" err="1">
-                <a:latin typeface="Segoe UI" panose="020B0502040204020203" pitchFamily="34" charset="0"/>
-                <a:cs typeface="Segoe UI" panose="020B0502040204020203" pitchFamily="34" charset="0"/>
-              </a:rPr>
-              <a:t>then</a:t>
-            </a:r>
-            <a:r>
-              <a:rPr lang="fr-FR" dirty="0">
-                <a:latin typeface="Segoe UI" panose="020B0502040204020203" pitchFamily="34" charset="0"/>
-                <a:cs typeface="Segoe UI" panose="020B0502040204020203" pitchFamily="34" charset="0"/>
-              </a:rPr>
-              <a:t> right click and </a:t>
-            </a:r>
-            <a:r>
-              <a:rPr lang="fr-FR" dirty="0" smtClean="0">
-                <a:latin typeface="Segoe UI" panose="020B0502040204020203" pitchFamily="34" charset="0"/>
-                <a:cs typeface="Segoe UI" panose="020B0502040204020203" pitchFamily="34" charset="0"/>
-              </a:rPr>
-              <a:t>select</a:t>
-            </a:r>
-            <a:r>
-              <a:rPr lang="en-US" dirty="0">
-                <a:latin typeface="Segoe UI" panose="020B0502040204020203" pitchFamily="34" charset="0"/>
-                <a:cs typeface="Segoe UI" panose="020B0502040204020203" pitchFamily="34" charset="0"/>
-              </a:rPr>
-              <a:t> </a:t>
-            </a:r>
-            <a:r>
-              <a:rPr lang="fr-FR" b="1" dirty="0" smtClean="0">
-                <a:latin typeface="Segoe UI" panose="020B0502040204020203" pitchFamily="34" charset="0"/>
-                <a:cs typeface="Segoe UI" panose="020B0502040204020203" pitchFamily="34" charset="0"/>
-              </a:rPr>
-              <a:t>Group </a:t>
-            </a:r>
-            <a:r>
-              <a:rPr lang="fr-FR" b="1" dirty="0">
-                <a:latin typeface="Segoe UI" panose="020B0502040204020203" pitchFamily="34" charset="0"/>
-                <a:cs typeface="Segoe UI" panose="020B0502040204020203" pitchFamily="34" charset="0"/>
-              </a:rPr>
-              <a:t>data</a:t>
-            </a:r>
-            <a:endParaRPr lang="en-US" dirty="0">
+            <a:endParaRPr xmlns:a="http://schemas.openxmlformats.org/drawingml/2006/main" lang="en-US" sz="2800" b="1" dirty="0">
               <a:latin typeface="Segoe UI" panose="020B0502040204020203" pitchFamily="34" charset="0"/>
               <a:cs typeface="Segoe UI" panose="020B0502040204020203" pitchFamily="34" charset="0"/>
             </a:endParaRPr>
@@ -5034,6 +4998,359 @@
           </a:effectLst>
         </p:spPr>
       </p:pic>
+      <p:sp>
+        <p:nvSpPr>
+          <p:cNvPr id="3" name="Rectangle 1"/>
+          <p:cNvSpPr>
+            <a:spLocks noChangeArrowheads="1"/>
+          </p:cNvSpPr>
+          <p:nvPr/>
+        </p:nvSpPr>
+        <p:spPr bwMode="auto">
+          <a:xfrm>
+            <a:off x="364386" y="771708"/>
+            <a:ext cx="10439525" cy="646331"/>
+          </a:xfrm>
+          <a:prstGeom prst="rect">
+            <a:avLst/>
+          </a:prstGeom>
+          <a:noFill/>
+          <a:ln>
+            <a:noFill/>
+          </a:ln>
+          <a:effectLst/>
+          <a:extLst>
+            <a:ext uri="{909E8E84-426E-40DD-AFC4-6F175D3DCCD1}">
+              <a14:hiddenFill xmlns:a14="http://schemas.microsoft.com/office/drawing/2010/main">
+                <a:solidFill>
+                  <a:schemeClr val="accent1"/>
+                </a:solidFill>
+              </a14:hiddenFill>
+            </a:ext>
+            <a:ext uri="{91240B29-F687-4F45-9708-019B960494DF}">
+              <a14:hiddenLine xmlns:a14="http://schemas.microsoft.com/office/drawing/2010/main" w="9525">
+                <a:solidFill>
+                  <a:schemeClr val="tx1"/>
+                </a:solidFill>
+                <a:miter lim="800000"/>
+                <a:headEnd/>
+                <a:tailEnd/>
+              </a14:hiddenLine>
+            </a:ext>
+            <a:ext uri="{AF507438-7753-43E0-B8FC-AC1667EBCBE1}">
+              <a14:hiddenEffects xmlns:a14="http://schemas.microsoft.com/office/drawing/2010/main">
+                <a:effectLst>
+                  <a:outerShdw dist="35921" dir="2700000" algn="ctr" rotWithShape="0">
+                    <a:schemeClr val="bg2"/>
+                  </a:outerShdw>
+                </a:effectLst>
+              </a14:hiddenEffects>
+            </a:ext>
+          </a:extLst>
+        </p:spPr>
+        <p:txBody>
+          <a:bodyPr vert="horz" wrap="none" lIns="91440" tIns="45720" rIns="91440" bIns="45720" numCol="1" anchor="ctr" anchorCtr="0" compatLnSpc="1">
+            <a:prstTxWarp prst="textNoShape">
+              <a:avLst/>
+            </a:prstTxWarp>
+            <a:spAutoFit/>
+          </a:bodyPr>
+          <a:lstStyle/>
+          <a:p>
+            <a:pPr xmlns:a="http://schemas.openxmlformats.org/drawingml/2006/main" marL="0" marR="0" lvl="0" indent="0" algn="l" defTabSz="914400" rtl="0" eaLnBrk="0" fontAlgn="base" latinLnBrk="0" hangingPunct="0">
+              <a:lnSpc>
+                <a:spcPct val="100000"/>
+              </a:lnSpc>
+              <a:spcBef>
+                <a:spcPct val="0"/>
+              </a:spcBef>
+              <a:spcAft>
+                <a:spcPct val="0"/>
+              </a:spcAft>
+              <a:buClrTx/>
+              <a:buSzTx/>
+              <a:buFontTx/>
+              <a:buNone/>
+              <a:tabLst/>
+            </a:pPr>
+            <a:r xmlns:a="http://schemas.openxmlformats.org/drawingml/2006/main">
+              <a:rPr kumimoji="0" lang="en" altLang="en-US" sz="1800" b="0" i="0" u="none" strike="noStrike" cap="none" normalizeH="0" baseline="0" dirty="0" err="1" smtClean="0">
+                <a:ln>
+                  <a:noFill/>
+                </a:ln>
+                <a:solidFill>
+                  <a:schemeClr val="tx1"/>
+                </a:solidFill>
+                <a:effectLst/>
+                <a:latin typeface="Arial" panose="020B0604020202020204" pitchFamily="34" charset="0"/>
+              </a:rPr>
+              <a:t>Select </a:t>
+            </a:r>
+            <a:r xmlns:a="http://schemas.openxmlformats.org/drawingml/2006/main">
+              <a:rPr kumimoji="0" lang="en" altLang="en-US" sz="1800" b="0" i="0" u="none" strike="noStrike" cap="none" normalizeH="0" baseline="0" dirty="0" smtClean="0">
+                <a:ln>
+                  <a:noFill/>
+                </a:ln>
+                <a:solidFill>
+                  <a:schemeClr val="tx1"/>
+                </a:solidFill>
+                <a:effectLst/>
+                <a:latin typeface="Arial" panose="020B0604020202020204" pitchFamily="34" charset="0"/>
+              </a:rPr>
+              <a:t>the </a:t>
+            </a:r>
+            <a:r xmlns:a="http://schemas.openxmlformats.org/drawingml/2006/main">
+              <a:rPr kumimoji="0" lang="en" altLang="en-US" sz="1800" b="0" i="0" u="none" strike="noStrike" cap="none" normalizeH="0" baseline="0" dirty="0" err="1" smtClean="0">
+                <a:ln>
+                  <a:noFill/>
+                </a:ln>
+                <a:solidFill>
+                  <a:schemeClr val="tx1"/>
+                </a:solidFill>
+                <a:effectLst/>
+                <a:latin typeface="Arial" panose="020B0604020202020204" pitchFamily="34" charset="0"/>
+              </a:rPr>
+              <a:t>columns</a:t>
+            </a:r>
+            <a:r xmlns:a="http://schemas.openxmlformats.org/drawingml/2006/main">
+              <a:rPr kumimoji="0" lang="en" altLang="en-US" sz="1800" b="0" i="0" u="none" strike="noStrike" cap="none" normalizeH="0" baseline="0" dirty="0" smtClean="0">
+                <a:ln>
+                  <a:noFill/>
+                </a:ln>
+                <a:solidFill>
+                  <a:schemeClr val="tx1"/>
+                </a:solidFill>
+                <a:effectLst/>
+                <a:latin typeface="Arial" panose="020B0604020202020204" pitchFamily="34" charset="0"/>
+              </a:rPr>
+              <a:t> </a:t>
+            </a:r>
+            <a:r xmlns:a="http://schemas.openxmlformats.org/drawingml/2006/main">
+              <a:rPr kumimoji="0" lang="en" altLang="en-US" sz="1800" b="1" i="0" u="none" strike="noStrike" cap="none" normalizeH="0" baseline="0" dirty="0" smtClean="0">
+                <a:ln>
+                  <a:noFill/>
+                </a:ln>
+                <a:solidFill>
+                  <a:schemeClr val="tx1"/>
+                </a:solidFill>
+                <a:effectLst/>
+                <a:latin typeface="Arial" panose="020B0604020202020204" pitchFamily="34" charset="0"/>
+              </a:rPr>
+              <a:t>North America </a:t>
+            </a:r>
+            <a:r xmlns:a="http://schemas.openxmlformats.org/drawingml/2006/main">
+              <a:rPr kumimoji="0" lang="en" altLang="en-US" sz="1800" b="0" i="0" u="none" strike="noStrike" cap="none" normalizeH="0" baseline="0" dirty="0" smtClean="0">
+                <a:ln>
+                  <a:noFill/>
+                </a:ln>
+                <a:solidFill>
+                  <a:schemeClr val="tx1"/>
+                </a:solidFill>
+                <a:effectLst/>
+                <a:latin typeface="Arial" panose="020B0604020202020204" pitchFamily="34" charset="0"/>
+              </a:rPr>
+              <a:t>and </a:t>
+            </a:r>
+            <a:r xmlns:a="http://schemas.openxmlformats.org/drawingml/2006/main">
+              <a:rPr kumimoji="0" lang="en" altLang="en-US" sz="1800" b="1" i="0" u="none" strike="noStrike" cap="none" normalizeH="0" baseline="0" dirty="0" smtClean="0">
+                <a:ln>
+                  <a:noFill/>
+                </a:ln>
+                <a:solidFill>
+                  <a:schemeClr val="tx1"/>
+                </a:solidFill>
+                <a:effectLst/>
+                <a:latin typeface="Arial" panose="020B0604020202020204" pitchFamily="34" charset="0"/>
+              </a:rPr>
+              <a:t>South America </a:t>
+            </a:r>
+            <a:r xmlns:a="http://schemas.openxmlformats.org/drawingml/2006/main">
+              <a:rPr kumimoji="0" lang="en" altLang="en-US" sz="1800" b="0" i="0" u="none" strike="noStrike" cap="none" normalizeH="0" baseline="0" dirty="0" smtClean="0">
+                <a:ln>
+                  <a:noFill/>
+                </a:ln>
+                <a:solidFill>
+                  <a:schemeClr val="tx1"/>
+                </a:solidFill>
+                <a:effectLst/>
+                <a:latin typeface="Arial" panose="020B0604020202020204" pitchFamily="34" charset="0"/>
+              </a:rPr>
+              <a:t>, </a:t>
+            </a:r>
+            <a:r xmlns:a="http://schemas.openxmlformats.org/drawingml/2006/main">
+              <a:rPr kumimoji="0" lang="en" altLang="en-US" sz="1800" b="0" i="0" u="none" strike="noStrike" cap="none" normalizeH="0" baseline="0" dirty="0" err="1" smtClean="0">
+                <a:ln>
+                  <a:noFill/>
+                </a:ln>
+                <a:solidFill>
+                  <a:schemeClr val="tx1"/>
+                </a:solidFill>
+                <a:effectLst/>
+                <a:latin typeface="Arial" panose="020B0604020202020204" pitchFamily="34" charset="0"/>
+              </a:rPr>
+              <a:t>then</a:t>
+            </a:r>
+            <a:r xmlns:a="http://schemas.openxmlformats.org/drawingml/2006/main">
+              <a:rPr kumimoji="0" lang="en" altLang="en-US" sz="1800" b="0" i="0" u="none" strike="noStrike" cap="none" normalizeH="0" baseline="0" dirty="0" smtClean="0">
+                <a:ln>
+                  <a:noFill/>
+                </a:ln>
+                <a:solidFill>
+                  <a:schemeClr val="tx1"/>
+                </a:solidFill>
+                <a:effectLst/>
+                <a:latin typeface="Arial" panose="020B0604020202020204" pitchFamily="34" charset="0"/>
+              </a:rPr>
+              <a:t> </a:t>
+            </a:r>
+            <a:r xmlns:a="http://schemas.openxmlformats.org/drawingml/2006/main">
+              <a:rPr kumimoji="0" lang="en" altLang="en-US" sz="1800" b="0" i="0" u="none" strike="noStrike" cap="none" normalizeH="0" baseline="0" dirty="0" err="1" smtClean="0">
+                <a:ln>
+                  <a:noFill/>
+                </a:ln>
+                <a:solidFill>
+                  <a:schemeClr val="tx1"/>
+                </a:solidFill>
+                <a:effectLst/>
+                <a:latin typeface="Arial" panose="020B0604020202020204" pitchFamily="34" charset="0"/>
+              </a:rPr>
+              <a:t>right </a:t>
+            </a:r>
+            <a:r xmlns:a="http://schemas.openxmlformats.org/drawingml/2006/main">
+              <a:rPr kumimoji="0" lang="en" altLang="en-US" sz="1800" b="0" i="0" u="none" strike="noStrike" cap="none" normalizeH="0" baseline="0" dirty="0" err="1" smtClean="0">
+                <a:ln>
+                  <a:noFill/>
+                </a:ln>
+                <a:solidFill>
+                  <a:schemeClr val="tx1"/>
+                </a:solidFill>
+                <a:effectLst/>
+                <a:latin typeface="Arial" panose="020B0604020202020204" pitchFamily="34" charset="0"/>
+              </a:rPr>
+              <a:t>click </a:t>
+            </a:r>
+            <a:r xmlns:a="http://schemas.openxmlformats.org/drawingml/2006/main">
+              <a:rPr kumimoji="0" lang="en" altLang="en-US" sz="1800" b="0" i="0" u="none" strike="noStrike" cap="none" normalizeH="0" baseline="0" dirty="0" smtClean="0">
+                <a:ln>
+                  <a:noFill/>
+                </a:ln>
+                <a:solidFill>
+                  <a:schemeClr val="tx1"/>
+                </a:solidFill>
+                <a:effectLst/>
+                <a:latin typeface="Arial" panose="020B0604020202020204" pitchFamily="34" charset="0"/>
+              </a:rPr>
+              <a:t>and </a:t>
+            </a:r>
+            <a:r xmlns:a="http://schemas.openxmlformats.org/drawingml/2006/main">
+              <a:rPr kumimoji="0" lang="en" altLang="en-US" sz="1800" b="0" i="0" u="none" strike="noStrike" cap="none" normalizeH="0" baseline="0" dirty="0" err="1" smtClean="0">
+                <a:ln>
+                  <a:noFill/>
+                </a:ln>
+                <a:solidFill>
+                  <a:schemeClr val="tx1"/>
+                </a:solidFill>
+                <a:effectLst/>
+                <a:latin typeface="Arial" panose="020B0604020202020204" pitchFamily="34" charset="0"/>
+              </a:rPr>
+              <a:t>select</a:t>
+            </a:r>
+            <a:endParaRPr xmlns:a="http://schemas.openxmlformats.org/drawingml/2006/main" kumimoji="0" lang="en-US" altLang="en-US" sz="1800" b="0" i="0" u="none" strike="noStrike" cap="none" normalizeH="0" baseline="0" dirty="0" smtClean="0">
+              <a:ln>
+                <a:noFill/>
+              </a:ln>
+              <a:solidFill>
+                <a:schemeClr val="tx1"/>
+              </a:solidFill>
+              <a:effectLst/>
+              <a:latin typeface="Arial" panose="020B0604020202020204" pitchFamily="34" charset="0"/>
+            </a:endParaRPr>
+            <a:r xmlns:a="http://schemas.openxmlformats.org/drawingml/2006/main">
+              <a:rPr kumimoji="0" lang="en" altLang="en-US" sz="1800" b="0" i="0" u="none" strike="noStrike" cap="none" normalizeH="0" baseline="0" dirty="0" smtClean="0">
+                <a:ln>
+                  <a:noFill/>
+                </a:ln>
+                <a:solidFill>
+                  <a:schemeClr val="tx1"/>
+                </a:solidFill>
+                <a:effectLst/>
+                <a:latin typeface="Arial" panose="020B0604020202020204" pitchFamily="34" charset="0"/>
+              </a:rPr>
+              <a:t>​</a:t>
+            </a:r>
+          </a:p>
+          <a:p>
+            <a:pPr xmlns:a="http://schemas.openxmlformats.org/drawingml/2006/main" marL="0" marR="0" lvl="0" indent="0" algn="l" defTabSz="914400" rtl="0" eaLnBrk="0" fontAlgn="base" latinLnBrk="0" hangingPunct="0">
+              <a:lnSpc>
+                <a:spcPct val="100000"/>
+              </a:lnSpc>
+              <a:spcBef>
+                <a:spcPct val="0"/>
+              </a:spcBef>
+              <a:spcAft>
+                <a:spcPct val="0"/>
+              </a:spcAft>
+              <a:buClrTx/>
+              <a:buSzTx/>
+              <a:buFontTx/>
+              <a:buNone/>
+              <a:tabLst/>
+            </a:pPr>
+            <a:r xmlns:a="http://schemas.openxmlformats.org/drawingml/2006/main">
+              <a:rPr kumimoji="0" lang="en" altLang="en-US" sz="1800" b="0" i="0" u="none" strike="noStrike" cap="none" normalizeH="0" baseline="0" dirty="0" smtClean="0">
+                <a:ln>
+                  <a:noFill/>
+                </a:ln>
+                <a:solidFill>
+                  <a:schemeClr val="tx1"/>
+                </a:solidFill>
+                <a:effectLst/>
+                <a:latin typeface="Arial" panose="020B0604020202020204" pitchFamily="34" charset="0"/>
+              </a:rPr>
+              <a:t> </a:t>
+            </a:r>
+            <a:r xmlns:a="http://schemas.openxmlformats.org/drawingml/2006/main">
+              <a:rPr kumimoji="0" lang="en" altLang="en-US" sz="1800" b="1" i="0" u="none" strike="noStrike" cap="none" normalizeH="0" baseline="0" dirty="0" smtClean="0">
+                <a:ln>
+                  <a:noFill/>
+                </a:ln>
+                <a:solidFill>
+                  <a:schemeClr val="tx1"/>
+                </a:solidFill>
+                <a:effectLst/>
+                <a:latin typeface="Arial" panose="020B0604020202020204" pitchFamily="34" charset="0"/>
+              </a:rPr>
+              <a:t>Group the </a:t>
+            </a:r>
+            <a:r xmlns:a="http://schemas.openxmlformats.org/drawingml/2006/main">
+              <a:rPr kumimoji="0" lang="en" altLang="en-US" sz="1800" b="1" i="0" u="none" strike="noStrike" cap="none" normalizeH="0" baseline="0" dirty="0" err="1" smtClean="0">
+                <a:ln>
+                  <a:noFill/>
+                </a:ln>
+                <a:solidFill>
+                  <a:schemeClr val="tx1"/>
+                </a:solidFill>
+                <a:effectLst/>
+                <a:latin typeface="Arial" panose="020B0604020202020204" pitchFamily="34" charset="0"/>
+              </a:rPr>
+              <a:t>data </a:t>
+            </a:r>
+            <a:r xmlns:a="http://schemas.openxmlformats.org/drawingml/2006/main">
+              <a:rPr kumimoji="0" lang="en" altLang="en-US" sz="1800" b="0" i="0" u="none" strike="noStrike" cap="none" normalizeH="0" baseline="0" dirty="0" smtClean="0">
+                <a:ln>
+                  <a:noFill/>
+                </a:ln>
+                <a:solidFill>
+                  <a:schemeClr val="tx1"/>
+                </a:solidFill>
+                <a:effectLst/>
+                <a:latin typeface="Arial" panose="020B0604020202020204" pitchFamily="34" charset="0"/>
+              </a:rPr>
+              <a:t>.</a:t>
+            </a:r>
+          </a:p>
+        </p:txBody>
+      </p:sp>
     </p:spTree>
     <p:extLst>
       <p:ext uri="{BB962C8B-B14F-4D97-AF65-F5344CB8AC3E}">
@@ -5097,7 +5414,7 @@
         <p:spPr>
           <a:xfrm>
             <a:off x="364386" y="206257"/>
-            <a:ext cx="1329275" cy="523220"/>
+            <a:ext cx="1593898" cy="523220"/>
           </a:xfrm>
           <a:prstGeom prst="rect">
             <a:avLst/>
@@ -5110,90 +5427,17 @@
           </a:bodyPr>
           <a:lstStyle/>
           <a:p>
-            <a:r>
-              <a:rPr lang="en-US" sz="2800" dirty="0" smtClean="0">
+            <a:r xmlns:a="http://schemas.openxmlformats.org/drawingml/2006/main">
+              <a:rPr lang="en" sz="2800" b="1" dirty="0" err="1" smtClean="0">
                 <a:latin typeface="Segoe UI" panose="020B0502040204020203" pitchFamily="34" charset="0"/>
                 <a:cs typeface="Segoe UI" panose="020B0502040204020203" pitchFamily="34" charset="0"/>
               </a:rPr>
               <a:t>Groups</a:t>
             </a:r>
-            <a:endParaRPr lang="en-US" sz="2800" dirty="0">
+            <a:endParaRPr xmlns:a="http://schemas.openxmlformats.org/drawingml/2006/main" lang="en-US" sz="2800" b="1" dirty="0">
               <a:latin typeface="Segoe UI" panose="020B0502040204020203" pitchFamily="34" charset="0"/>
               <a:cs typeface="Segoe UI" panose="020B0502040204020203" pitchFamily="34" charset="0"/>
             </a:endParaRPr>
-          </a:p>
-        </p:txBody>
-      </p:sp>
-      <p:sp>
-        <p:nvSpPr>
-          <p:cNvPr id="7" name="Rectangle 6"/>
-          <p:cNvSpPr/>
-          <p:nvPr/>
-        </p:nvSpPr>
-        <p:spPr>
-          <a:xfrm>
-            <a:off x="364385" y="889483"/>
-            <a:ext cx="11674069" cy="369332"/>
-          </a:xfrm>
-          <a:prstGeom prst="rect">
-            <a:avLst/>
-          </a:prstGeom>
-        </p:spPr>
-        <p:txBody>
-          <a:bodyPr wrap="square">
-            <a:spAutoFit/>
-          </a:bodyPr>
-          <a:lstStyle/>
-          <a:p>
-            <a:r>
-              <a:rPr lang="fr-FR" dirty="0"/>
-              <a:t>Notice the addition of a new </a:t>
-            </a:r>
-            <a:r>
-              <a:rPr lang="fr-FR" dirty="0" err="1"/>
-              <a:t>field</a:t>
-            </a:r>
-            <a:r>
-              <a:rPr lang="fr-FR" dirty="0"/>
-              <a:t> at the </a:t>
-            </a:r>
-            <a:r>
-              <a:rPr lang="fr-FR" b="1" dirty="0"/>
-              <a:t>Continent </a:t>
-            </a:r>
-            <a:r>
-              <a:rPr lang="fr-FR" dirty="0"/>
-              <a:t>table </a:t>
-            </a:r>
-            <a:r>
-              <a:rPr lang="fr-FR" dirty="0" err="1" smtClean="0"/>
-              <a:t>level</a:t>
-            </a:r>
-            <a:r>
-              <a:rPr lang="fr-FR" dirty="0" smtClean="0"/>
-              <a:t> </a:t>
-            </a:r>
-            <a:r>
-              <a:rPr lang="fr-FR" dirty="0" err="1" smtClean="0"/>
-              <a:t>rename</a:t>
-            </a:r>
-            <a:r>
-              <a:rPr lang="fr-FR" dirty="0" smtClean="0"/>
-              <a:t> </a:t>
-            </a:r>
-            <a:r>
-              <a:rPr lang="fr-FR" dirty="0" err="1" smtClean="0"/>
-              <a:t>it</a:t>
-            </a:r>
-            <a:r>
-              <a:rPr lang="fr-FR" b="1" dirty="0" smtClean="0"/>
-              <a:t> </a:t>
-            </a:r>
-            <a:r>
-              <a:rPr lang="fr-FR" b="1" dirty="0" err="1" smtClean="0"/>
-              <a:t>America</a:t>
-            </a:r>
-            <a:endParaRPr lang="en-US" dirty="0"/>
           </a:p>
         </p:txBody>
       </p:sp>
@@ -5305,6 +5549,51 @@
           </a:fontRef>
         </p:style>
       </p:cxnSp>
+      <p:sp>
+        <p:nvSpPr>
+          <p:cNvPr id="5" name="Rectangle 4"/>
+          <p:cNvSpPr/>
+          <p:nvPr/>
+        </p:nvSpPr>
+        <p:spPr>
+          <a:xfrm>
+            <a:off x="428553" y="797283"/>
+            <a:ext cx="11163014" cy="400110"/>
+          </a:xfrm>
+          <a:prstGeom prst="rect">
+            <a:avLst/>
+          </a:prstGeom>
+        </p:spPr>
+        <p:txBody>
+          <a:bodyPr wrap="square">
+            <a:spAutoFit/>
+          </a:bodyPr>
+          <a:lstStyle/>
+          <a:p>
+            <a:r xmlns:a="http://schemas.openxmlformats.org/drawingml/2006/main">
+              <a:rPr lang="en" sz="2000" b="1" dirty="0"/>
+              <a:t>Continent </a:t>
+            </a:r>
+            <a:r xmlns:a="http://schemas.openxmlformats.org/drawingml/2006/main">
+              <a:rPr lang="en" sz="2000" dirty="0"/>
+              <a:t>table level </a:t>
+            </a:r>
+            <a:r xmlns:a="http://schemas.openxmlformats.org/drawingml/2006/main">
+              <a:rPr lang="en" sz="2000" dirty="0"/>
+              <a:t>, rename it to </a:t>
+            </a:r>
+            <a:r xmlns:a="http://schemas.openxmlformats.org/drawingml/2006/main">
+              <a:rPr lang="en" sz="2000" b="1" dirty="0" err="1"/>
+              <a:t>America </a:t>
+            </a:r>
+            <a:r xmlns:a="http://schemas.openxmlformats.org/drawingml/2006/main">
+              <a:rPr lang="en" sz="2000" dirty="0"/>
+              <a:t>.</a:t>
+            </a:r>
+            <a:endParaRPr xmlns:a="http://schemas.openxmlformats.org/drawingml/2006/main" lang="en-US" sz="2000" dirty="0"/>
+          </a:p>
+        </p:txBody>
+      </p:sp>
     </p:spTree>
     <p:extLst>
       <p:ext uri="{BB962C8B-B14F-4D97-AF65-F5344CB8AC3E}">
@@ -5344,7 +5633,7 @@
         <p:spPr>
           <a:xfrm>
             <a:off x="364386" y="206257"/>
-            <a:ext cx="1329275" cy="523220"/>
+            <a:ext cx="1593898" cy="523220"/>
           </a:xfrm>
           <a:prstGeom prst="rect">
             <a:avLst/>
@@ -5357,70 +5646,16 @@
           </a:bodyPr>
           <a:lstStyle/>
           <a:p>
-            <a:r>
-              <a:rPr lang="en-US" sz="2800" dirty="0" smtClean="0">
+            <a:r xmlns:a="http://schemas.openxmlformats.org/drawingml/2006/main">
+              <a:rPr lang="en" sz="2800" b="1" dirty="0" err="1" smtClean="0">
                 <a:latin typeface="Segoe UI" panose="020B0502040204020203" pitchFamily="34" charset="0"/>
                 <a:cs typeface="Segoe UI" panose="020B0502040204020203" pitchFamily="34" charset="0"/>
               </a:rPr>
               <a:t>Groups</a:t>
             </a:r>
-            <a:endParaRPr lang="en-US" sz="2800" dirty="0">
+            <a:endParaRPr xmlns:a="http://schemas.openxmlformats.org/drawingml/2006/main" lang="en-US" sz="2800" b="1" dirty="0">
               <a:latin typeface="Segoe UI" panose="020B0502040204020203" pitchFamily="34" charset="0"/>
               <a:cs typeface="Segoe UI" panose="020B0502040204020203" pitchFamily="34" charset="0"/>
-            </a:endParaRPr>
-          </a:p>
-        </p:txBody>
-      </p:sp>
-      <p:sp>
-        <p:nvSpPr>
-          <p:cNvPr id="3" name="Rectangle 2"/>
-          <p:cNvSpPr/>
-          <p:nvPr/>
-        </p:nvSpPr>
-        <p:spPr>
-          <a:xfrm>
-            <a:off x="435428" y="797033"/>
-            <a:ext cx="7108372" cy="388696"/>
-          </a:xfrm>
-          <a:prstGeom prst="rect">
-            <a:avLst/>
-          </a:prstGeom>
-        </p:spPr>
-        <p:txBody>
-          <a:bodyPr wrap="square">
-            <a:spAutoFit/>
-          </a:bodyPr>
-          <a:lstStyle/>
-          <a:p>
-            <a:pPr lvl="0">
-              <a:lnSpc>
-                <a:spcPct val="107000"/>
-              </a:lnSpc>
-              <a:spcAft>
-                <a:spcPts val="800"/>
-              </a:spcAft>
-            </a:pPr>
-            <a:r>
-              <a:rPr lang="en-US" dirty="0" smtClean="0">
-                <a:latin typeface="Segoe UI" panose="020B0502040204020203" pitchFamily="34" charset="0"/>
-                <a:ea typeface="Calibri" panose="020F0502020204030204" pitchFamily="34" charset="0"/>
-                <a:cs typeface="Times New Roman" panose="02020603050405020304" pitchFamily="18" charset="0"/>
-              </a:rPr>
-              <a:t>Right click on the newly added field and apply </a:t>
-            </a:r>
-            <a:r>
-              <a:rPr lang="en-US" b="1" dirty="0" smtClean="0">
-                <a:latin typeface="Segoe UI" panose="020B0502040204020203" pitchFamily="34" charset="0"/>
-                <a:ea typeface="Calibri" panose="020F0502020204030204" pitchFamily="34" charset="0"/>
-                <a:cs typeface="Times New Roman" panose="02020603050405020304" pitchFamily="18" charset="0"/>
-              </a:rPr>
-              <a:t>Edit groups</a:t>
-            </a:r>
-            <a:endParaRPr lang="en-US" sz="1400" dirty="0">
-              <a:effectLst/>
-              <a:latin typeface="Calibri" panose="020F0502020204030204" pitchFamily="34" charset="0"/>
-              <a:ea typeface="Calibri" panose="020F0502020204030204" pitchFamily="34" charset="0"/>
-              <a:cs typeface="Times New Roman" panose="02020603050405020304" pitchFamily="18" charset="0"/>
             </a:endParaRPr>
           </a:p>
         </p:txBody>
@@ -5501,6 +5736,43 @@
           </a:effectLst>
         </p:spPr>
       </p:pic>
+      <p:sp>
+        <p:nvSpPr>
+          <p:cNvPr id="5" name="Rectangle 4"/>
+          <p:cNvSpPr/>
+          <p:nvPr/>
+        </p:nvSpPr>
+        <p:spPr>
+          <a:xfrm>
+            <a:off x="364386" y="729477"/>
+            <a:ext cx="10663416" cy="400110"/>
+          </a:xfrm>
+          <a:prstGeom prst="rect">
+            <a:avLst/>
+          </a:prstGeom>
+        </p:spPr>
+        <p:txBody>
+          <a:bodyPr wrap="square">
+            <a:spAutoFit/>
+          </a:bodyPr>
+          <a:lstStyle/>
+          <a:p>
+            <a:r xmlns:a="http://schemas.openxmlformats.org/drawingml/2006/main">
+              <a:rPr lang="en" sz="2000" dirty="0"/>
+              <a:t>Right-click on the newly added field and apply </a:t>
+            </a:r>
+            <a:r xmlns:a="http://schemas.openxmlformats.org/drawingml/2006/main">
+              <a:rPr lang="en" sz="2000" b="1" dirty="0"/>
+              <a:t>Edit Groups </a:t>
+            </a:r>
+            <a:r xmlns:a="http://schemas.openxmlformats.org/drawingml/2006/main">
+              <a:rPr lang="en" sz="2000" dirty="0"/>
+              <a:t>.</a:t>
+            </a:r>
+            <a:endParaRPr xmlns:a="http://schemas.openxmlformats.org/drawingml/2006/main" lang="en-US" sz="2000" dirty="0"/>
+          </a:p>
+        </p:txBody>
+      </p:sp>
     </p:spTree>
     <p:extLst>
       <p:ext uri="{BB962C8B-B14F-4D97-AF65-F5344CB8AC3E}">
@@ -5540,7 +5812,7 @@
         <p:spPr>
           <a:xfrm>
             <a:off x="364386" y="206257"/>
-            <a:ext cx="1329275" cy="523220"/>
+            <a:ext cx="1593898" cy="523220"/>
           </a:xfrm>
           <a:prstGeom prst="rect">
             <a:avLst/>
@@ -5553,142 +5825,16 @@
           </a:bodyPr>
           <a:lstStyle/>
           <a:p>
-            <a:r>
-              <a:rPr lang="en-US" sz="2800" dirty="0" smtClean="0">
+            <a:r xmlns:a="http://schemas.openxmlformats.org/drawingml/2006/main">
+              <a:rPr lang="en" sz="2800" b="1" dirty="0" err="1" smtClean="0">
                 <a:latin typeface="Segoe UI" panose="020B0502040204020203" pitchFamily="34" charset="0"/>
                 <a:cs typeface="Segoe UI" panose="020B0502040204020203" pitchFamily="34" charset="0"/>
               </a:rPr>
               <a:t>Groups</a:t>
             </a:r>
-            <a:endParaRPr lang="en-US" sz="2800" dirty="0">
+            <a:endParaRPr xmlns:a="http://schemas.openxmlformats.org/drawingml/2006/main" lang="en-US" sz="2800" b="1" dirty="0">
               <a:latin typeface="Segoe UI" panose="020B0502040204020203" pitchFamily="34" charset="0"/>
               <a:cs typeface="Segoe UI" panose="020B0502040204020203" pitchFamily="34" charset="0"/>
-            </a:endParaRPr>
-          </a:p>
-        </p:txBody>
-      </p:sp>
-      <p:sp>
-        <p:nvSpPr>
-          <p:cNvPr id="5" name="Rectangle 4"/>
-          <p:cNvSpPr/>
-          <p:nvPr/>
-        </p:nvSpPr>
-        <p:spPr>
-          <a:xfrm>
-            <a:off x="364386" y="729477"/>
-            <a:ext cx="11314267" cy="685059"/>
-          </a:xfrm>
-          <a:prstGeom prst="rect">
-            <a:avLst/>
-          </a:prstGeom>
-        </p:spPr>
-        <p:txBody>
-          <a:bodyPr wrap="square">
-            <a:spAutoFit/>
-          </a:bodyPr>
-          <a:lstStyle/>
-          <a:p>
-            <a:pPr lvl="0">
-              <a:lnSpc>
-                <a:spcPct val="107000"/>
-              </a:lnSpc>
-              <a:spcAft>
-                <a:spcPts val="800"/>
-              </a:spcAft>
-            </a:pPr>
-            <a:r>
-              <a:rPr lang="en-US" dirty="0" smtClean="0">
-                <a:latin typeface="Segoe UI" panose="020B0502040204020203" pitchFamily="34" charset="0"/>
-                <a:ea typeface="Calibri" panose="020F0502020204030204" pitchFamily="34" charset="0"/>
-                <a:cs typeface="Times New Roman" panose="02020603050405020304" pitchFamily="18" charset="0"/>
-              </a:rPr>
-              <a:t>Replace the </a:t>
-            </a:r>
-            <a:r>
-              <a:rPr lang="en-US" b="1" dirty="0" err="1" smtClean="0">
-                <a:latin typeface="Segoe UI" panose="020B0502040204020203" pitchFamily="34" charset="0"/>
-                <a:ea typeface="Calibri" panose="020F0502020204030204" pitchFamily="34" charset="0"/>
-                <a:cs typeface="Times New Roman" panose="02020603050405020304" pitchFamily="18" charset="0"/>
-              </a:rPr>
-              <a:t>ContainsName</a:t>
-            </a:r>
-            <a:r>
-              <a:rPr lang="en-US" b="1" dirty="0" smtClean="0">
-                <a:latin typeface="Segoe UI" panose="020B0502040204020203" pitchFamily="34" charset="0"/>
-                <a:ea typeface="Calibri" panose="020F0502020204030204" pitchFamily="34" charset="0"/>
-                <a:cs typeface="Times New Roman" panose="02020603050405020304" pitchFamily="18" charset="0"/>
-              </a:rPr>
-              <a:t> field </a:t>
-            </a:r>
-            <a:r>
-              <a:rPr lang="en-US" dirty="0" smtClean="0">
-                <a:latin typeface="Segoe UI" panose="020B0502040204020203" pitchFamily="34" charset="0"/>
-                <a:ea typeface="Calibri" panose="020F0502020204030204" pitchFamily="34" charset="0"/>
-                <a:cs typeface="Times New Roman" panose="02020603050405020304" pitchFamily="18" charset="0"/>
-              </a:rPr>
-              <a:t>with the new </a:t>
-            </a:r>
-            <a:r>
-              <a:rPr lang="en-US" b="1" dirty="0" err="1" smtClean="0">
-                <a:latin typeface="Segoe UI" panose="020B0502040204020203" pitchFamily="34" charset="0"/>
-                <a:ea typeface="Calibri" panose="020F0502020204030204" pitchFamily="34" charset="0"/>
-                <a:cs typeface="Times New Roman" panose="02020603050405020304" pitchFamily="18" charset="0"/>
-              </a:rPr>
-              <a:t>ContainsName</a:t>
-            </a:r>
-            <a:r>
-              <a:rPr lang="en-US" b="1" dirty="0" smtClean="0">
-                <a:latin typeface="Segoe UI" panose="020B0502040204020203" pitchFamily="34" charset="0"/>
-                <a:ea typeface="Calibri" panose="020F0502020204030204" pitchFamily="34" charset="0"/>
-                <a:cs typeface="Times New Roman" panose="02020603050405020304" pitchFamily="18" charset="0"/>
-              </a:rPr>
-              <a:t>(groups) </a:t>
-            </a:r>
-            <a:r>
-              <a:rPr lang="en-US" dirty="0" smtClean="0">
-                <a:latin typeface="Segoe UI" panose="020B0502040204020203" pitchFamily="34" charset="0"/>
-                <a:ea typeface="Calibri" panose="020F0502020204030204" pitchFamily="34" charset="0"/>
-                <a:cs typeface="Times New Roman" panose="02020603050405020304" pitchFamily="18" charset="0"/>
-              </a:rPr>
-              <a:t>field which is called </a:t>
-            </a:r>
-            <a:r>
-              <a:rPr lang="en-US" b="1" dirty="0" smtClean="0">
-                <a:latin typeface="Segoe UI" panose="020B0502040204020203" pitchFamily="34" charset="0"/>
-                <a:ea typeface="Calibri" panose="020F0502020204030204" pitchFamily="34" charset="0"/>
-                <a:cs typeface="Times New Roman" panose="02020603050405020304" pitchFamily="18" charset="0"/>
-              </a:rPr>
-              <a:t>America</a:t>
-            </a:r>
-            <a:r>
-              <a:rPr lang="en-US" dirty="0" smtClean="0">
-                <a:latin typeface="Segoe UI" panose="020B0502040204020203" pitchFamily="34" charset="0"/>
-                <a:ea typeface="Calibri" panose="020F0502020204030204" pitchFamily="34" charset="0"/>
-                <a:cs typeface="Times New Roman" panose="02020603050405020304" pitchFamily="18" charset="0"/>
-              </a:rPr>
-              <a:t> now</a:t>
-            </a:r>
-            <a:r>
-              <a:rPr lang="en-US" b="1" dirty="0" smtClean="0">
-                <a:latin typeface="Segoe UI" panose="020B0502040204020203" pitchFamily="34" charset="0"/>
-                <a:ea typeface="Calibri" panose="020F0502020204030204" pitchFamily="34" charset="0"/>
-                <a:cs typeface="Times New Roman" panose="02020603050405020304" pitchFamily="18" charset="0"/>
-              </a:rPr>
-              <a:t> </a:t>
-            </a:r>
-            <a:r>
-              <a:rPr lang="en-US" dirty="0" smtClean="0">
-                <a:latin typeface="Segoe UI" panose="020B0502040204020203" pitchFamily="34" charset="0"/>
-                <a:ea typeface="Calibri" panose="020F0502020204030204" pitchFamily="34" charset="0"/>
-                <a:cs typeface="Times New Roman" panose="02020603050405020304" pitchFamily="18" charset="0"/>
-              </a:rPr>
-              <a:t>at the histogram level and notice the change in the data presentation</a:t>
-            </a:r>
-            <a:endParaRPr lang="en-US" sz="1400" dirty="0">
-              <a:effectLst/>
-              <a:latin typeface="Calibri" panose="020F0502020204030204" pitchFamily="34" charset="0"/>
-              <a:ea typeface="Calibri" panose="020F0502020204030204" pitchFamily="34" charset="0"/>
-              <a:cs typeface="Times New Roman" panose="02020603050405020304" pitchFamily="18" charset="0"/>
             </a:endParaRPr>
           </a:p>
         </p:txBody>
@@ -5709,14 +5855,71 @@
         </p:blipFill>
         <p:spPr>
           <a:xfrm>
-            <a:off x="587102" y="1706318"/>
-            <a:ext cx="5593565" cy="5006923"/>
+            <a:off x="3100710" y="1937756"/>
+            <a:ext cx="5156264" cy="4615485"/>
           </a:xfrm>
           <a:prstGeom prst="rect">
             <a:avLst/>
           </a:prstGeom>
         </p:spPr>
       </p:pic>
+      <p:sp>
+        <p:nvSpPr>
+          <p:cNvPr id="3" name="Rectangle 2"/>
+          <p:cNvSpPr/>
+          <p:nvPr/>
+        </p:nvSpPr>
+        <p:spPr>
+          <a:xfrm>
+            <a:off x="421678" y="737427"/>
+            <a:ext cx="11444896" cy="1015663"/>
+          </a:xfrm>
+          <a:prstGeom prst="rect">
+            <a:avLst/>
+          </a:prstGeom>
+        </p:spPr>
+        <p:txBody>
+          <a:bodyPr wrap="square">
+            <a:spAutoFit/>
+          </a:bodyPr>
+          <a:lstStyle/>
+          <a:p>
+            <a:r xmlns:a="http://schemas.openxmlformats.org/drawingml/2006/main">
+              <a:rPr lang="en" sz="2000" b="1" dirty="0" err="1"/>
+              <a:t>ContainsName </a:t>
+            </a:r>
+            <a:r xmlns:a="http://schemas.openxmlformats.org/drawingml/2006/main">
+              <a:rPr lang="en" sz="2000" dirty="0"/>
+              <a:t>field </a:t>
+            </a:r>
+            <a:r xmlns:a="http://schemas.openxmlformats.org/drawingml/2006/main">
+              <a:rPr lang="en" sz="2000" dirty="0"/>
+              <a:t>with the new </a:t>
+            </a:r>
+            <a:r xmlns:a="http://schemas.openxmlformats.org/drawingml/2006/main">
+              <a:rPr lang="en" sz="2000" b="1" dirty="0" err="1"/>
+              <a:t>ContainsName </a:t>
+            </a:r>
+            <a:r xmlns:a="http://schemas.openxmlformats.org/drawingml/2006/main">
+              <a:rPr lang="en" sz="2000" b="1" dirty="0"/>
+              <a:t>(Groups) field </a:t>
+            </a:r>
+            <a:r xmlns:a="http://schemas.openxmlformats.org/drawingml/2006/main">
+              <a:rPr lang="en" sz="2000" dirty="0"/>
+              <a:t>which is now called </a:t>
+            </a:r>
+            <a:r xmlns:a="http://schemas.openxmlformats.org/drawingml/2006/main">
+              <a:rPr lang="en" sz="2000" b="1" dirty="0" err="1"/>
+              <a:t>America </a:t>
+            </a:r>
+            <a:r xmlns:a="http://schemas.openxmlformats.org/drawingml/2006/main">
+              <a:rPr lang="en" sz="2000" dirty="0"/>
+              <a:t>in the histogram and observe the change in the data presentation.</a:t>
+            </a:r>
+            <a:endParaRPr xmlns:a="http://schemas.openxmlformats.org/drawingml/2006/main" lang="en-US" sz="2000" dirty="0"/>
+          </a:p>
+        </p:txBody>
+      </p:sp>
     </p:spTree>
     <p:extLst>
       <p:ext uri="{BB962C8B-B14F-4D97-AF65-F5344CB8AC3E}">
@@ -5756,7 +5959,7 @@
         <p:spPr>
           <a:xfrm>
             <a:off x="364386" y="206257"/>
-            <a:ext cx="1329275" cy="523220"/>
+            <a:ext cx="1593898" cy="523220"/>
           </a:xfrm>
           <a:prstGeom prst="rect">
             <a:avLst/>
@@ -5769,105 +5972,16 @@
           </a:bodyPr>
           <a:lstStyle/>
           <a:p>
-            <a:r>
-              <a:rPr lang="en-US" sz="2800" dirty="0" smtClean="0">
+            <a:r xmlns:a="http://schemas.openxmlformats.org/drawingml/2006/main">
+              <a:rPr lang="en" sz="2800" b="1" dirty="0" err="1" smtClean="0">
                 <a:latin typeface="Segoe UI" panose="020B0502040204020203" pitchFamily="34" charset="0"/>
                 <a:cs typeface="Segoe UI" panose="020B0502040204020203" pitchFamily="34" charset="0"/>
               </a:rPr>
               <a:t>Groups</a:t>
             </a:r>
-            <a:endParaRPr lang="en-US" sz="2800" dirty="0">
+            <a:endParaRPr xmlns:a="http://schemas.openxmlformats.org/drawingml/2006/main" lang="en-US" sz="2800" b="1" dirty="0">
               <a:latin typeface="Segoe UI" panose="020B0502040204020203" pitchFamily="34" charset="0"/>
               <a:cs typeface="Segoe UI" panose="020B0502040204020203" pitchFamily="34" charset="0"/>
-            </a:endParaRPr>
-          </a:p>
-        </p:txBody>
-      </p:sp>
-      <p:sp>
-        <p:nvSpPr>
-          <p:cNvPr id="4" name="Rectangle 3"/>
-          <p:cNvSpPr/>
-          <p:nvPr/>
-        </p:nvSpPr>
-        <p:spPr>
-          <a:xfrm>
-            <a:off x="421677" y="886411"/>
-            <a:ext cx="11135513" cy="373692"/>
-          </a:xfrm>
-          <a:prstGeom prst="rect">
-            <a:avLst/>
-          </a:prstGeom>
-        </p:spPr>
-        <p:txBody>
-          <a:bodyPr wrap="square">
-            <a:spAutoFit/>
-          </a:bodyPr>
-          <a:lstStyle/>
-          <a:p>
-            <a:pPr lvl="0">
-              <a:lnSpc>
-                <a:spcPct val="107000"/>
-              </a:lnSpc>
-              <a:spcAft>
-                <a:spcPts val="800"/>
-              </a:spcAft>
-              <a:tabLst>
-                <a:tab pos="228600" algn="l"/>
-              </a:tabLst>
-            </a:pPr>
-            <a:r>
-              <a:rPr lang="en-US" dirty="0" smtClean="0">
-                <a:latin typeface="Segoe UI" panose="020B0502040204020203" pitchFamily="34" charset="0"/>
-                <a:ea typeface="Calibri" panose="020F0502020204030204" pitchFamily="34" charset="0"/>
-                <a:cs typeface="Times New Roman" panose="02020603050405020304" pitchFamily="18" charset="0"/>
-              </a:rPr>
-              <a:t>Edit the groups </a:t>
-            </a:r>
-            <a:r>
-              <a:rPr lang="en-US" b="1" dirty="0" err="1" smtClean="0">
-                <a:latin typeface="Segoe UI" panose="020B0502040204020203" pitchFamily="34" charset="0"/>
-                <a:ea typeface="Calibri" panose="020F0502020204030204" pitchFamily="34" charset="0"/>
-                <a:cs typeface="Times New Roman" panose="02020603050405020304" pitchFamily="18" charset="0"/>
-              </a:rPr>
-              <a:t>ContainsName</a:t>
-            </a:r>
-            <a:r>
-              <a:rPr lang="en-US" b="1" dirty="0" smtClean="0">
-                <a:latin typeface="Segoe UI" panose="020B0502040204020203" pitchFamily="34" charset="0"/>
-                <a:ea typeface="Calibri" panose="020F0502020204030204" pitchFamily="34" charset="0"/>
-                <a:cs typeface="Times New Roman" panose="02020603050405020304" pitchFamily="18" charset="0"/>
-              </a:rPr>
-              <a:t>(groups) </a:t>
-            </a:r>
-            <a:r>
-              <a:rPr lang="en-US" dirty="0" smtClean="0">
-                <a:latin typeface="Segoe UI" panose="020B0502040204020203" pitchFamily="34" charset="0"/>
-                <a:ea typeface="Calibri" panose="020F0502020204030204" pitchFamily="34" charset="0"/>
-                <a:cs typeface="Times New Roman" panose="02020603050405020304" pitchFamily="18" charset="0"/>
-              </a:rPr>
-              <a:t>by right clicking on it and clicking </a:t>
-            </a:r>
-            <a:r>
-              <a:rPr lang="en-US" b="1" dirty="0" smtClean="0">
-                <a:latin typeface="Segoe UI" panose="020B0502040204020203" pitchFamily="34" charset="0"/>
-                <a:ea typeface="Calibri" panose="020F0502020204030204" pitchFamily="34" charset="0"/>
-                <a:cs typeface="Times New Roman" panose="02020603050405020304" pitchFamily="18" charset="0"/>
-              </a:rPr>
-              <a:t>Edit groups</a:t>
-            </a:r>
-            <a:r>
-              <a:rPr lang="en-US" dirty="0" smtClean="0">
-                <a:latin typeface="Segoe UI" panose="020B0502040204020203" pitchFamily="34" charset="0"/>
-                <a:ea typeface="Calibri" panose="020F0502020204030204" pitchFamily="34" charset="0"/>
-                <a:cs typeface="Times New Roman" panose="02020603050405020304" pitchFamily="18" charset="0"/>
-              </a:rPr>
-              <a:t> </a:t>
-            </a:r>
-            <a:endParaRPr lang="en-US" sz="1400" dirty="0">
-              <a:effectLst/>
-              <a:latin typeface="Calibri" panose="020F0502020204030204" pitchFamily="34" charset="0"/>
-              <a:ea typeface="Calibri" panose="020F0502020204030204" pitchFamily="34" charset="0"/>
-              <a:cs typeface="Times New Roman" panose="02020603050405020304" pitchFamily="18" charset="0"/>
             </a:endParaRPr>
           </a:p>
         </p:txBody>
@@ -5911,6 +6025,55 @@
           </a:effectLst>
         </p:spPr>
       </p:pic>
+      <p:sp>
+        <p:nvSpPr>
+          <p:cNvPr id="3" name="Rectangle 2"/>
+          <p:cNvSpPr/>
+          <p:nvPr/>
+        </p:nvSpPr>
+        <p:spPr>
+          <a:xfrm>
+            <a:off x="456053" y="729477"/>
+            <a:ext cx="11032385" cy="707886"/>
+          </a:xfrm>
+          <a:prstGeom prst="rect">
+            <a:avLst/>
+          </a:prstGeom>
+        </p:spPr>
+        <p:txBody>
+          <a:bodyPr wrap="square">
+            <a:spAutoFit/>
+          </a:bodyPr>
+          <a:lstStyle/>
+          <a:p>
+            <a:r xmlns:a="http://schemas.openxmlformats.org/drawingml/2006/main">
+              <a:rPr lang="en" sz="2000" b="1" dirty="0" err="1"/>
+              <a:t>ContainsName </a:t>
+            </a:r>
+            <a:r xmlns:a="http://schemas.openxmlformats.org/drawingml/2006/main">
+              <a:rPr lang="en" sz="2000" dirty="0"/>
+              <a:t>groups </a:t>
+            </a:r>
+            <a:r xmlns:a="http://schemas.openxmlformats.org/drawingml/2006/main">
+              <a:rPr lang="en" sz="2000" b="1" dirty="0"/>
+              <a:t>(Groups) </a:t>
+            </a:r>
+            <a:r xmlns:a="http://schemas.openxmlformats.org/drawingml/2006/main">
+              <a:rPr lang="en" sz="2000" dirty="0"/>
+              <a:t>by right-clicking on them and clicking </a:t>
+            </a:r>
+            <a:r xmlns:a="http://schemas.openxmlformats.org/drawingml/2006/main">
+              <a:rPr lang="en" sz="2000" b="1" dirty="0"/>
+              <a:t>Edit Groups </a:t>
+            </a:r>
+            <a:r xmlns:a="http://schemas.openxmlformats.org/drawingml/2006/main">
+              <a:rPr lang="en" sz="2000" dirty="0"/>
+              <a:t>.</a:t>
+            </a:r>
+            <a:endParaRPr xmlns:a="http://schemas.openxmlformats.org/drawingml/2006/main" lang="en-US" sz="2000" dirty="0"/>
+          </a:p>
+        </p:txBody>
+      </p:sp>
     </p:spTree>
     <p:extLst>
       <p:ext uri="{BB962C8B-B14F-4D97-AF65-F5344CB8AC3E}">
@@ -5950,7 +6113,7 @@
         <p:spPr>
           <a:xfrm>
             <a:off x="364386" y="206257"/>
-            <a:ext cx="1329275" cy="523220"/>
+            <a:ext cx="1593898" cy="523220"/>
           </a:xfrm>
           <a:prstGeom prst="rect">
             <a:avLst/>
@@ -5963,262 +6126,16 @@
           </a:bodyPr>
           <a:lstStyle/>
           <a:p>
-            <a:r>
-              <a:rPr lang="en-US" sz="2800" dirty="0" smtClean="0">
+            <a:r xmlns:a="http://schemas.openxmlformats.org/drawingml/2006/main">
+              <a:rPr lang="en" sz="2800" b="1" dirty="0" err="1" smtClean="0">
                 <a:latin typeface="Segoe UI" panose="020B0502040204020203" pitchFamily="34" charset="0"/>
                 <a:cs typeface="Segoe UI" panose="020B0502040204020203" pitchFamily="34" charset="0"/>
               </a:rPr>
               <a:t>Groups</a:t>
             </a:r>
-            <a:endParaRPr lang="en-US" sz="2800" dirty="0">
+            <a:endParaRPr xmlns:a="http://schemas.openxmlformats.org/drawingml/2006/main" lang="en-US" sz="2800" b="1" dirty="0">
               <a:latin typeface="Segoe UI" panose="020B0502040204020203" pitchFamily="34" charset="0"/>
               <a:cs typeface="Segoe UI" panose="020B0502040204020203" pitchFamily="34" charset="0"/>
-            </a:endParaRPr>
-          </a:p>
-        </p:txBody>
-      </p:sp>
-      <p:sp>
-        <p:nvSpPr>
-          <p:cNvPr id="3" name="Rectangle 2"/>
-          <p:cNvSpPr/>
-          <p:nvPr/>
-        </p:nvSpPr>
-        <p:spPr>
-          <a:xfrm>
-            <a:off x="364385" y="813856"/>
-            <a:ext cx="10800919" cy="685059"/>
-          </a:xfrm>
-          <a:prstGeom prst="rect">
-            <a:avLst/>
-          </a:prstGeom>
-        </p:spPr>
-        <p:txBody>
-          <a:bodyPr wrap="square">
-            <a:spAutoFit/>
-          </a:bodyPr>
-          <a:lstStyle/>
-          <a:p>
-            <a:pPr lvl="0">
-              <a:lnSpc>
-                <a:spcPct val="107000"/>
-              </a:lnSpc>
-              <a:spcAft>
-                <a:spcPts val="800"/>
-              </a:spcAft>
-              <a:tabLst>
-                <a:tab pos="228600" algn="l"/>
-                <a:tab pos="342900" algn="l"/>
-              </a:tabLst>
-            </a:pPr>
-            <a:r>
-              <a:rPr lang="en-US" dirty="0" smtClean="0">
-                <a:latin typeface="Segoe UI" panose="020B0502040204020203" pitchFamily="34" charset="0"/>
-                <a:ea typeface="Calibri" panose="020F0502020204030204" pitchFamily="34" charset="0"/>
-                <a:cs typeface="Times New Roman" panose="02020603050405020304" pitchFamily="18" charset="0"/>
-              </a:rPr>
-              <a:t>Notice that </a:t>
-            </a:r>
-            <a:r>
-              <a:rPr lang="en-US" b="1" dirty="0" smtClean="0">
-                <a:latin typeface="Segoe UI" panose="020B0502040204020203" pitchFamily="34" charset="0"/>
-                <a:ea typeface="Calibri" panose="020F0502020204030204" pitchFamily="34" charset="0"/>
-                <a:cs typeface="Times New Roman" panose="02020603050405020304" pitchFamily="18" charset="0"/>
-              </a:rPr>
-              <a:t>Group type </a:t>
-            </a:r>
-            <a:r>
-              <a:rPr lang="en-US" dirty="0" smtClean="0">
-                <a:latin typeface="Segoe UI" panose="020B0502040204020203" pitchFamily="34" charset="0"/>
-                <a:ea typeface="Calibri" panose="020F0502020204030204" pitchFamily="34" charset="0"/>
-                <a:cs typeface="Times New Roman" panose="02020603050405020304" pitchFamily="18" charset="0"/>
-              </a:rPr>
-              <a:t>shows only one option namely </a:t>
-            </a:r>
-            <a:r>
-              <a:rPr lang="en-US" b="1" dirty="0" smtClean="0">
-                <a:latin typeface="Segoe UI" panose="020B0502040204020203" pitchFamily="34" charset="0"/>
-                <a:ea typeface="Calibri" panose="020F0502020204030204" pitchFamily="34" charset="0"/>
-                <a:cs typeface="Times New Roman" panose="02020603050405020304" pitchFamily="18" charset="0"/>
-              </a:rPr>
-              <a:t>List </a:t>
-            </a:r>
-            <a:r>
-              <a:rPr lang="en-US" dirty="0" smtClean="0">
-                <a:latin typeface="Segoe UI" panose="020B0502040204020203" pitchFamily="34" charset="0"/>
-                <a:ea typeface="Calibri" panose="020F0502020204030204" pitchFamily="34" charset="0"/>
-                <a:cs typeface="Times New Roman" panose="02020603050405020304" pitchFamily="18" charset="0"/>
-              </a:rPr>
-              <a:t>only despite it being a drop down list and this is because </a:t>
-            </a:r>
-            <a:r>
-              <a:rPr lang="en-US" u="sng" dirty="0" smtClean="0">
-                <a:latin typeface="Segoe UI" panose="020B0502040204020203" pitchFamily="34" charset="0"/>
-                <a:ea typeface="Calibri" panose="020F0502020204030204" pitchFamily="34" charset="0"/>
-                <a:cs typeface="Times New Roman" panose="02020603050405020304" pitchFamily="18" charset="0"/>
-              </a:rPr>
-              <a:t>the grouping subject field is non-numeric</a:t>
-            </a:r>
-            <a:r>
-              <a:rPr lang="en-US" dirty="0" smtClean="0">
-                <a:latin typeface="Segoe UI" panose="020B0502040204020203" pitchFamily="34" charset="0"/>
-                <a:ea typeface="Calibri" panose="020F0502020204030204" pitchFamily="34" charset="0"/>
-                <a:cs typeface="Times New Roman" panose="02020603050405020304" pitchFamily="18" charset="0"/>
-              </a:rPr>
-              <a:t>, notice also that the option is disabled</a:t>
-            </a:r>
-            <a:endParaRPr lang="en-US" sz="1400" dirty="0">
-              <a:effectLst/>
-              <a:latin typeface="Calibri" panose="020F0502020204030204" pitchFamily="34" charset="0"/>
-              <a:ea typeface="Calibri" panose="020F0502020204030204" pitchFamily="34" charset="0"/>
-              <a:cs typeface="Times New Roman" panose="02020603050405020304" pitchFamily="18" charset="0"/>
-            </a:endParaRPr>
-          </a:p>
-        </p:txBody>
-      </p:sp>
-      <p:sp>
-        <p:nvSpPr>
-          <p:cNvPr id="5" name="Rectangle 4"/>
-          <p:cNvSpPr/>
-          <p:nvPr/>
-        </p:nvSpPr>
-        <p:spPr>
-          <a:xfrm>
-            <a:off x="414804" y="3365107"/>
-            <a:ext cx="9162334" cy="685059"/>
-          </a:xfrm>
-          <a:prstGeom prst="rect">
-            <a:avLst/>
-          </a:prstGeom>
-        </p:spPr>
-        <p:txBody>
-          <a:bodyPr wrap="square">
-            <a:spAutoFit/>
-          </a:bodyPr>
-          <a:lstStyle/>
-          <a:p>
-            <a:pPr lvl="0">
-              <a:lnSpc>
-                <a:spcPct val="107000"/>
-              </a:lnSpc>
-              <a:spcAft>
-                <a:spcPts val="800"/>
-              </a:spcAft>
-              <a:tabLst>
-                <a:tab pos="228600" algn="l"/>
-                <a:tab pos="342900" algn="l"/>
-              </a:tabLst>
-            </a:pPr>
-            <a:r>
-              <a:rPr lang="en-US" dirty="0" smtClean="0">
-                <a:latin typeface="Segoe UI" panose="020B0502040204020203" pitchFamily="34" charset="0"/>
-                <a:ea typeface="Calibri" panose="020F0502020204030204" pitchFamily="34" charset="0"/>
-                <a:cs typeface="Times New Roman" panose="02020603050405020304" pitchFamily="18" charset="0"/>
-              </a:rPr>
-              <a:t>Select </a:t>
-            </a:r>
-            <a:r>
-              <a:rPr lang="en-US" b="1" dirty="0" smtClean="0">
-                <a:latin typeface="Segoe UI" panose="020B0502040204020203" pitchFamily="34" charset="0"/>
-                <a:ea typeface="Calibri" panose="020F0502020204030204" pitchFamily="34" charset="0"/>
-                <a:cs typeface="Times New Roman" panose="02020603050405020304" pitchFamily="18" charset="0"/>
-              </a:rPr>
-              <a:t>Africa </a:t>
-            </a:r>
-            <a:r>
-              <a:rPr lang="en-US" dirty="0" smtClean="0">
-                <a:latin typeface="Segoe UI" panose="020B0502040204020203" pitchFamily="34" charset="0"/>
-                <a:ea typeface="Calibri" panose="020F0502020204030204" pitchFamily="34" charset="0"/>
-                <a:cs typeface="Times New Roman" panose="02020603050405020304" pitchFamily="18" charset="0"/>
-              </a:rPr>
-              <a:t>in the left panel and click </a:t>
-            </a:r>
-            <a:r>
-              <a:rPr lang="en-US" b="1" dirty="0" smtClean="0">
-                <a:latin typeface="Segoe UI" panose="020B0502040204020203" pitchFamily="34" charset="0"/>
-                <a:ea typeface="Calibri" panose="020F0502020204030204" pitchFamily="34" charset="0"/>
-                <a:cs typeface="Times New Roman" panose="02020603050405020304" pitchFamily="18" charset="0"/>
-              </a:rPr>
-              <a:t>Group</a:t>
-            </a:r>
-            <a:r>
-              <a:rPr lang="en-US" dirty="0" smtClean="0">
-                <a:latin typeface="Segoe UI" panose="020B0502040204020203" pitchFamily="34" charset="0"/>
-                <a:ea typeface="Calibri" panose="020F0502020204030204" pitchFamily="34" charset="0"/>
-                <a:cs typeface="Times New Roman" panose="02020603050405020304" pitchFamily="18" charset="0"/>
-              </a:rPr>
-              <a:t> button, keep the name </a:t>
-            </a:r>
-            <a:r>
-              <a:rPr lang="en-US" b="1" dirty="0" smtClean="0">
-                <a:latin typeface="Segoe UI" panose="020B0502040204020203" pitchFamily="34" charset="0"/>
-                <a:ea typeface="Calibri" panose="020F0502020204030204" pitchFamily="34" charset="0"/>
-                <a:cs typeface="Times New Roman" panose="02020603050405020304" pitchFamily="18" charset="0"/>
-              </a:rPr>
-              <a:t>Africa </a:t>
-            </a:r>
-            <a:r>
-              <a:rPr lang="en-US" dirty="0" smtClean="0">
-                <a:latin typeface="Segoe UI" panose="020B0502040204020203" pitchFamily="34" charset="0"/>
-                <a:ea typeface="Calibri" panose="020F0502020204030204" pitchFamily="34" charset="0"/>
-                <a:cs typeface="Times New Roman" panose="02020603050405020304" pitchFamily="18" charset="0"/>
-              </a:rPr>
-              <a:t>in the new group</a:t>
-            </a:r>
-            <a:endParaRPr lang="en-US" sz="1400" dirty="0">
-              <a:effectLst/>
-              <a:latin typeface="Calibri" panose="020F0502020204030204" pitchFamily="34" charset="0"/>
-              <a:ea typeface="Calibri" panose="020F0502020204030204" pitchFamily="34" charset="0"/>
-              <a:cs typeface="Times New Roman" panose="02020603050405020304" pitchFamily="18" charset="0"/>
-            </a:endParaRPr>
-          </a:p>
-        </p:txBody>
-      </p:sp>
-      <p:sp>
-        <p:nvSpPr>
-          <p:cNvPr id="6" name="Rectangle 5"/>
-          <p:cNvSpPr/>
-          <p:nvPr/>
-        </p:nvSpPr>
-        <p:spPr>
-          <a:xfrm>
-            <a:off x="364385" y="4117658"/>
-            <a:ext cx="10702375" cy="685059"/>
-          </a:xfrm>
-          <a:prstGeom prst="rect">
-            <a:avLst/>
-          </a:prstGeom>
-        </p:spPr>
-        <p:txBody>
-          <a:bodyPr wrap="square">
-            <a:spAutoFit/>
-          </a:bodyPr>
-          <a:lstStyle/>
-          <a:p>
-            <a:pPr lvl="0">
-              <a:lnSpc>
-                <a:spcPct val="107000"/>
-              </a:lnSpc>
-              <a:spcAft>
-                <a:spcPts val="800"/>
-              </a:spcAft>
-              <a:tabLst>
-                <a:tab pos="228600" algn="l"/>
-                <a:tab pos="342900" algn="l"/>
-              </a:tabLst>
-            </a:pPr>
-            <a:r>
-              <a:rPr lang="en-US" dirty="0" smtClean="0">
-                <a:latin typeface="Segoe UI" panose="020B0502040204020203" pitchFamily="34" charset="0"/>
-                <a:ea typeface="Calibri" panose="020F0502020204030204" pitchFamily="34" charset="0"/>
-                <a:cs typeface="Times New Roman" panose="02020603050405020304" pitchFamily="18" charset="0"/>
-              </a:rPr>
-              <a:t>Now create a group that corresponds to each contain to represent the rest of the contains at the same histogram level</a:t>
-            </a:r>
-            <a:endParaRPr lang="en-US" sz="1400" dirty="0">
-              <a:effectLst/>
-              <a:latin typeface="Calibri" panose="020F0502020204030204" pitchFamily="34" charset="0"/>
-              <a:ea typeface="Calibri" panose="020F0502020204030204" pitchFamily="34" charset="0"/>
-              <a:cs typeface="Times New Roman" panose="02020603050405020304" pitchFamily="18" charset="0"/>
             </a:endParaRPr>
           </a:p>
         </p:txBody>
@@ -6239,7 +6156,7 @@
         </p:blipFill>
         <p:spPr>
           <a:xfrm>
-            <a:off x="414804" y="1583294"/>
+            <a:off x="465223" y="1940805"/>
             <a:ext cx="7059010" cy="1371791"/>
           </a:xfrm>
           <a:prstGeom prst="rect">
@@ -6255,7 +6172,7 @@
         </p:nvSpPr>
         <p:spPr>
           <a:xfrm>
-            <a:off x="462929" y="2336800"/>
+            <a:off x="513348" y="2694311"/>
             <a:ext cx="3651871" cy="618285"/>
           </a:xfrm>
           <a:prstGeom prst="rect">
@@ -6294,6 +6211,125 @@
           <a:p>
             <a:pPr algn="ctr"/>
             <a:endParaRPr lang="en-US"/>
+          </a:p>
+        </p:txBody>
+      </p:sp>
+      <p:sp>
+        <p:nvSpPr>
+          <p:cNvPr id="4" name="Rectangle 3"/>
+          <p:cNvSpPr/>
+          <p:nvPr/>
+        </p:nvSpPr>
+        <p:spPr>
+          <a:xfrm>
+            <a:off x="414804" y="790046"/>
+            <a:ext cx="10365491" cy="1015663"/>
+          </a:xfrm>
+          <a:prstGeom prst="rect">
+            <a:avLst/>
+          </a:prstGeom>
+        </p:spPr>
+        <p:txBody>
+          <a:bodyPr wrap="square">
+            <a:spAutoFit/>
+          </a:bodyPr>
+          <a:lstStyle/>
+          <a:p>
+            <a:r xmlns:a="http://schemas.openxmlformats.org/drawingml/2006/main">
+              <a:rPr lang="en" sz="2000" dirty="0"/>
+              <a:t>Note that the group type only displays one option, namely </a:t>
+            </a:r>
+            <a:r xmlns:a="http://schemas.openxmlformats.org/drawingml/2006/main">
+              <a:rPr lang="en" sz="2000" b="1" dirty="0"/>
+              <a:t>List Only </a:t>
+            </a:r>
+            <a:r xmlns:a="http://schemas.openxmlformats.org/drawingml/2006/main">
+              <a:rPr lang="en" sz="2000" dirty="0"/>
+              <a:t>, although it is a drop-down list, and this is because the grouping field is non-numeric. Also note that the option is disabled.</a:t>
+            </a:r>
+            <a:endParaRPr xmlns:a="http://schemas.openxmlformats.org/drawingml/2006/main" lang="en-US" sz="2000" dirty="0"/>
+          </a:p>
+        </p:txBody>
+      </p:sp>
+      <p:sp>
+        <p:nvSpPr>
+          <p:cNvPr id="7" name="Rectangle 6"/>
+          <p:cNvSpPr/>
+          <p:nvPr/>
+        </p:nvSpPr>
+        <p:spPr>
+          <a:xfrm>
+            <a:off x="513348" y="3531101"/>
+            <a:ext cx="10645082" cy="707886"/>
+          </a:xfrm>
+          <a:prstGeom prst="rect">
+            <a:avLst/>
+          </a:prstGeom>
+        </p:spPr>
+        <p:txBody>
+          <a:bodyPr wrap="square">
+            <a:spAutoFit/>
+          </a:bodyPr>
+          <a:lstStyle/>
+          <a:p>
+            <a:r xmlns:a="http://schemas.openxmlformats.org/drawingml/2006/main">
+              <a:rPr lang="en" sz="2000" dirty="0"/>
+              <a:t>Select </a:t>
+            </a:r>
+            <a:r xmlns:a="http://schemas.openxmlformats.org/drawingml/2006/main">
+              <a:rPr lang="en" sz="2000" b="1" dirty="0"/>
+              <a:t>Africa </a:t>
+            </a:r>
+            <a:r xmlns:a="http://schemas.openxmlformats.org/drawingml/2006/main">
+              <a:rPr lang="en" sz="2000" dirty="0"/>
+              <a:t>in the left panel and click the </a:t>
+            </a:r>
+            <a:r xmlns:a="http://schemas.openxmlformats.org/drawingml/2006/main">
+              <a:rPr lang="en" sz="2000" b="1" dirty="0"/>
+              <a:t>Group button </a:t>
+            </a:r>
+            <a:r xmlns:a="http://schemas.openxmlformats.org/drawingml/2006/main">
+              <a:rPr lang="en" sz="2000" dirty="0"/>
+              <a:t>, keep the name </a:t>
+            </a:r>
+            <a:r xmlns:a="http://schemas.openxmlformats.org/drawingml/2006/main">
+              <a:rPr lang="en" sz="2000" b="1" dirty="0"/>
+              <a:t>Africa </a:t>
+            </a:r>
+            <a:r xmlns:a="http://schemas.openxmlformats.org/drawingml/2006/main">
+              <a:rPr lang="en" sz="2000" dirty="0"/>
+              <a:t>in the new group.</a:t>
+            </a:r>
+            <a:endParaRPr xmlns:a="http://schemas.openxmlformats.org/drawingml/2006/main" lang="en-US" sz="2000" dirty="0"/>
+          </a:p>
+        </p:txBody>
+      </p:sp>
+      <p:sp>
+        <p:nvSpPr>
+          <p:cNvPr id="10" name="Rectangle 9"/>
+          <p:cNvSpPr/>
+          <p:nvPr/>
+        </p:nvSpPr>
+        <p:spPr>
+          <a:xfrm>
+            <a:off x="513347" y="4328623"/>
+            <a:ext cx="10775711" cy="707886"/>
+          </a:xfrm>
+          <a:prstGeom prst="rect">
+            <a:avLst/>
+          </a:prstGeom>
+        </p:spPr>
+        <p:txBody>
+          <a:bodyPr wrap="square">
+            <a:spAutoFit/>
+          </a:bodyPr>
+          <a:lstStyle/>
+          <a:p>
+            <a:r xmlns:a="http://schemas.openxmlformats.org/drawingml/2006/main">
+              <a:rPr lang="en" sz="2000" dirty="0"/>
+              <a:t>Now create a group that corresponds to each continent to represent the rest of the continents at the same level of the histogram.</a:t>
+            </a:r>
+            <a:endParaRPr xmlns:a="http://schemas.openxmlformats.org/drawingml/2006/main" lang="en-US" sz="2000" dirty="0"/>
           </a:p>
         </p:txBody>
       </p:sp>

--- a/English/4. Analysing data/3.Groups.pptx
+++ b/English/4. Analysing data/3.Groups.pptx
@@ -208,7 +208,7 @@
           <a:p>
             <a:fld id="{056BA3B8-9F76-4D81-B71D-76CB85363062}" type="datetimeFigureOut">
               <a:rPr lang="en-US" smtClean="0"/>
-              <a:t>3/5/2025</a:t>
+              <a:t>4/3/2025</a:t>
             </a:fld>
             <a:endParaRPr lang="en-US"/>
           </a:p>
@@ -691,7 +691,7 @@
           <a:p>
             <a:fld id="{6F01DA4D-20EA-48D2-973C-0311EC3005D6}" type="datetimeFigureOut">
               <a:rPr lang="en-US" smtClean="0"/>
-              <a:t>3/5/2025</a:t>
+              <a:t>4/3/2025</a:t>
             </a:fld>
             <a:endParaRPr lang="en-US"/>
           </a:p>
@@ -861,7 +861,7 @@
           <a:p>
             <a:fld id="{6F01DA4D-20EA-48D2-973C-0311EC3005D6}" type="datetimeFigureOut">
               <a:rPr lang="en-US" smtClean="0"/>
-              <a:t>3/5/2025</a:t>
+              <a:t>4/3/2025</a:t>
             </a:fld>
             <a:endParaRPr lang="en-US"/>
           </a:p>
@@ -1041,7 +1041,7 @@
           <a:p>
             <a:fld id="{6F01DA4D-20EA-48D2-973C-0311EC3005D6}" type="datetimeFigureOut">
               <a:rPr lang="en-US" smtClean="0"/>
-              <a:t>3/5/2025</a:t>
+              <a:t>4/3/2025</a:t>
             </a:fld>
             <a:endParaRPr lang="en-US"/>
           </a:p>
@@ -1211,7 +1211,7 @@
           <a:p>
             <a:fld id="{6F01DA4D-20EA-48D2-973C-0311EC3005D6}" type="datetimeFigureOut">
               <a:rPr lang="en-US" smtClean="0"/>
-              <a:t>3/5/2025</a:t>
+              <a:t>4/3/2025</a:t>
             </a:fld>
             <a:endParaRPr lang="en-US"/>
           </a:p>
@@ -1457,7 +1457,7 @@
           <a:p>
             <a:fld id="{6F01DA4D-20EA-48D2-973C-0311EC3005D6}" type="datetimeFigureOut">
               <a:rPr lang="en-US" smtClean="0"/>
-              <a:t>3/5/2025</a:t>
+              <a:t>4/3/2025</a:t>
             </a:fld>
             <a:endParaRPr lang="en-US"/>
           </a:p>
@@ -1689,7 +1689,7 @@
           <a:p>
             <a:fld id="{6F01DA4D-20EA-48D2-973C-0311EC3005D6}" type="datetimeFigureOut">
               <a:rPr lang="en-US" smtClean="0"/>
-              <a:t>3/5/2025</a:t>
+              <a:t>4/3/2025</a:t>
             </a:fld>
             <a:endParaRPr lang="en-US"/>
           </a:p>
@@ -2056,7 +2056,7 @@
           <a:p>
             <a:fld id="{6F01DA4D-20EA-48D2-973C-0311EC3005D6}" type="datetimeFigureOut">
               <a:rPr lang="en-US" smtClean="0"/>
-              <a:t>3/5/2025</a:t>
+              <a:t>4/3/2025</a:t>
             </a:fld>
             <a:endParaRPr lang="en-US"/>
           </a:p>
@@ -2174,7 +2174,7 @@
           <a:p>
             <a:fld id="{6F01DA4D-20EA-48D2-973C-0311EC3005D6}" type="datetimeFigureOut">
               <a:rPr lang="en-US" smtClean="0"/>
-              <a:t>3/5/2025</a:t>
+              <a:t>4/3/2025</a:t>
             </a:fld>
             <a:endParaRPr lang="en-US"/>
           </a:p>
@@ -2269,7 +2269,7 @@
           <a:p>
             <a:fld id="{6F01DA4D-20EA-48D2-973C-0311EC3005D6}" type="datetimeFigureOut">
               <a:rPr lang="en-US" smtClean="0"/>
-              <a:t>3/5/2025</a:t>
+              <a:t>4/3/2025</a:t>
             </a:fld>
             <a:endParaRPr lang="en-US"/>
           </a:p>
@@ -2546,7 +2546,7 @@
           <a:p>
             <a:fld id="{6F01DA4D-20EA-48D2-973C-0311EC3005D6}" type="datetimeFigureOut">
               <a:rPr lang="en-US" smtClean="0"/>
-              <a:t>3/5/2025</a:t>
+              <a:t>4/3/2025</a:t>
             </a:fld>
             <a:endParaRPr lang="en-US"/>
           </a:p>
@@ -2799,7 +2799,7 @@
           <a:p>
             <a:fld id="{6F01DA4D-20EA-48D2-973C-0311EC3005D6}" type="datetimeFigureOut">
               <a:rPr lang="en-US" smtClean="0"/>
-              <a:t>3/5/2025</a:t>
+              <a:t>4/3/2025</a:t>
             </a:fld>
             <a:endParaRPr lang="en-US"/>
           </a:p>
@@ -3012,7 +3012,7 @@
           <a:p>
             <a:fld id="{6F01DA4D-20EA-48D2-973C-0311EC3005D6}" type="datetimeFigureOut">
               <a:rPr lang="en-US" smtClean="0"/>
-              <a:t>3/5/2025</a:t>
+              <a:t>4/3/2025</a:t>
             </a:fld>
             <a:endParaRPr lang="en-US"/>
           </a:p>
@@ -3447,7 +3447,7 @@
           </a:bodyPr>
           <a:lstStyle/>
           <a:p>
-            <a:r xmlns:a="http://schemas.openxmlformats.org/drawingml/2006/main">
+            <a:r>
               <a:rPr lang="en" sz="8000" b="1" dirty="0" err="1" smtClean="0">
                 <a:solidFill>
                   <a:srgbClr val="7030A0"/>
@@ -3458,7 +3458,7 @@
               </a:rPr>
               <a:t>Groups</a:t>
             </a:r>
-            <a:endParaRPr xmlns:a="http://schemas.openxmlformats.org/drawingml/2006/main" lang="en-US" sz="8000" b="1" dirty="0">
+            <a:endParaRPr lang="en-US" sz="8000" b="1" dirty="0">
               <a:solidFill>
                 <a:srgbClr val="7030A0"/>
               </a:solidFill>
@@ -3491,7 +3491,7 @@
           </a:bodyPr>
           <a:lstStyle/>
           <a:p>
-            <a:r xmlns:a="http://schemas.openxmlformats.org/drawingml/2006/main">
+            <a:r>
               <a:rPr lang="en" sz="8000" b="1" dirty="0" smtClean="0">
                 <a:solidFill>
                   <a:schemeClr val="bg1"/>
@@ -3502,7 +3502,7 @@
               </a:rPr>
               <a:t>Groups</a:t>
             </a:r>
-            <a:endParaRPr xmlns:a="http://schemas.openxmlformats.org/drawingml/2006/main" lang="en-US" sz="8000" b="1" dirty="0">
+            <a:endParaRPr lang="en-US" sz="8000" b="1" dirty="0">
               <a:solidFill>
                 <a:schemeClr val="bg1"/>
               </a:solidFill>
@@ -3565,14 +3565,14 @@
           </a:bodyPr>
           <a:lstStyle/>
           <a:p>
-            <a:r xmlns:a="http://schemas.openxmlformats.org/drawingml/2006/main">
+            <a:r>
               <a:rPr lang="en" sz="2800" b="1" dirty="0" err="1" smtClean="0">
                 <a:latin typeface="Segoe UI" panose="020B0502040204020203" pitchFamily="34" charset="0"/>
                 <a:cs typeface="Segoe UI" panose="020B0502040204020203" pitchFamily="34" charset="0"/>
               </a:rPr>
               <a:t>Groups</a:t>
             </a:r>
-            <a:endParaRPr xmlns:a="http://schemas.openxmlformats.org/drawingml/2006/main" lang="en-US" sz="2800" b="1" dirty="0">
+            <a:endParaRPr lang="en-US" sz="2800" b="1" dirty="0">
               <a:latin typeface="Segoe UI" panose="020B0502040204020203" pitchFamily="34" charset="0"/>
               <a:cs typeface="Segoe UI" panose="020B0502040204020203" pitchFamily="34" charset="0"/>
             </a:endParaRPr>
@@ -3662,7 +3662,7 @@
           </a:bodyPr>
           <a:lstStyle/>
           <a:p>
-            <a:pPr xmlns:a="http://schemas.openxmlformats.org/drawingml/2006/main" marL="0" marR="0" lvl="0" indent="0" algn="l" defTabSz="914400" rtl="0" eaLnBrk="0" fontAlgn="base" latinLnBrk="0" hangingPunct="0">
+            <a:pPr marL="0" marR="0" lvl="0" indent="0" algn="l" defTabSz="914400" rtl="0" eaLnBrk="0" fontAlgn="base" latinLnBrk="0" hangingPunct="0">
               <a:lnSpc>
                 <a:spcPct val="100000"/>
               </a:lnSpc>
@@ -3678,7 +3678,7 @@
               <a:buNone/>
               <a:tabLst/>
             </a:pPr>
-            <a:r xmlns:a="http://schemas.openxmlformats.org/drawingml/2006/main">
+            <a:r>
               <a:rPr kumimoji="0" lang="en" altLang="en-US" sz="1800" b="0" i="0" u="none" strike="noStrike" cap="none" normalizeH="0" baseline="0" smtClean="0">
                 <a:ln>
                   <a:noFill/>
@@ -3746,14 +3746,14 @@
           </a:bodyPr>
           <a:lstStyle/>
           <a:p>
-            <a:r xmlns:a="http://schemas.openxmlformats.org/drawingml/2006/main">
+            <a:r>
               <a:rPr lang="en" sz="2800" b="1" dirty="0" err="1" smtClean="0">
                 <a:latin typeface="Segoe UI" panose="020B0502040204020203" pitchFamily="34" charset="0"/>
                 <a:cs typeface="Segoe UI" panose="020B0502040204020203" pitchFamily="34" charset="0"/>
               </a:rPr>
               <a:t>Groups</a:t>
             </a:r>
-            <a:endParaRPr xmlns:a="http://schemas.openxmlformats.org/drawingml/2006/main" lang="en-US" sz="2800" b="1" dirty="0">
+            <a:endParaRPr lang="en-US" sz="2800" b="1" dirty="0">
               <a:latin typeface="Segoe UI" panose="020B0502040204020203" pitchFamily="34" charset="0"/>
               <a:cs typeface="Segoe UI" panose="020B0502040204020203" pitchFamily="34" charset="0"/>
             </a:endParaRPr>
@@ -3819,7 +3819,7 @@
           </a:bodyPr>
           <a:lstStyle/>
           <a:p>
-            <a:pPr xmlns:a="http://schemas.openxmlformats.org/drawingml/2006/main" marL="0" marR="0" lvl="0" indent="0" algn="l" defTabSz="914400" rtl="0" eaLnBrk="0" fontAlgn="base" latinLnBrk="0" hangingPunct="0">
+            <a:pPr marL="0" marR="0" lvl="0" indent="0" algn="l" defTabSz="914400" rtl="0" eaLnBrk="0" fontAlgn="base" latinLnBrk="0" hangingPunct="0">
               <a:lnSpc>
                 <a:spcPct val="100000"/>
               </a:lnSpc>
@@ -3835,7 +3835,7 @@
               <a:buNone/>
               <a:tabLst/>
             </a:pPr>
-            <a:r xmlns:a="http://schemas.openxmlformats.org/drawingml/2006/main">
+            <a:r>
               <a:rPr kumimoji="0" lang="en" altLang="en-US" sz="1800" b="0" i="0" u="none" strike="noStrike" cap="none" normalizeH="0" baseline="0" dirty="0" err="1" smtClean="0">
                 <a:ln>
                   <a:noFill/>
@@ -3848,7 +3848,7 @@
               </a:rPr>
               <a:t>Try </a:t>
             </a:r>
-            <a:r xmlns:a="http://schemas.openxmlformats.org/drawingml/2006/main">
+            <a:r>
               <a:rPr kumimoji="0" lang="en" altLang="en-US" sz="1800" b="0" i="0" u="none" strike="noStrike" cap="none" normalizeH="0" baseline="0" dirty="0" smtClean="0">
                 <a:ln>
                   <a:noFill/>
@@ -3861,7 +3861,7 @@
               </a:rPr>
               <a:t>to </a:t>
             </a:r>
-            <a:r xmlns:a="http://schemas.openxmlformats.org/drawingml/2006/main">
+            <a:r>
               <a:rPr kumimoji="0" lang="en" altLang="en-US" sz="1800" b="0" i="0" u="none" strike="noStrike" cap="none" normalizeH="0" baseline="0" dirty="0" err="1" smtClean="0">
                 <a:ln>
                   <a:noFill/>
@@ -3874,7 +3874,7 @@
               </a:rPr>
               <a:t>delete</a:t>
             </a:r>
-            <a:r xmlns:a="http://schemas.openxmlformats.org/drawingml/2006/main">
+            <a:r>
               <a:rPr kumimoji="0" lang="en" altLang="en-US" sz="1800" b="0" i="0" u="none" strike="noStrike" cap="none" normalizeH="0" baseline="0" dirty="0" smtClean="0">
                 <a:ln>
                   <a:noFill/>
@@ -3887,7 +3887,7 @@
               </a:rPr>
               <a:t> </a:t>
             </a:r>
-            <a:r xmlns:a="http://schemas.openxmlformats.org/drawingml/2006/main">
+            <a:r>
               <a:rPr kumimoji="0" lang="en" altLang="en-US" sz="1800" b="0" i="0" u="none" strike="noStrike" cap="none" normalizeH="0" baseline="0" dirty="0" err="1" smtClean="0">
                 <a:ln>
                   <a:noFill/>
@@ -3900,7 +3900,7 @@
               </a:rPr>
               <a:t>all </a:t>
             </a:r>
-            <a:r xmlns:a="http://schemas.openxmlformats.org/drawingml/2006/main">
+            <a:r>
               <a:rPr kumimoji="0" lang="en" altLang="en-US" sz="1800" b="0" i="0" u="none" strike="noStrike" cap="none" normalizeH="0" baseline="0" dirty="0" smtClean="0">
                 <a:ln>
                   <a:noFill/>
@@ -3911,9 +3911,22 @@
                 <a:effectLst/>
                 <a:latin typeface="Arial" panose="020B0604020202020204" pitchFamily="34" charset="0"/>
               </a:rPr>
-              <a:t>Groups </a:t>
-            </a:r>
-            <a:r xmlns:a="http://schemas.openxmlformats.org/drawingml/2006/main">
+              <a:t>Groups and </a:t>
+            </a:r>
+            <a:r>
+              <a:rPr kumimoji="0" lang="en" altLang="en-US" sz="1800" b="0" i="0" u="none" strike="noStrike" cap="none" normalizeH="0" baseline="0" dirty="0" err="1" smtClean="0">
+                <a:ln>
+                  <a:noFill/>
+                </a:ln>
+                <a:solidFill>
+                  <a:schemeClr val="tx1"/>
+                </a:solidFill>
+                <a:effectLst/>
+                <a:latin typeface="Arial" panose="020B0604020202020204" pitchFamily="34" charset="0"/>
+              </a:rPr>
+              <a:t>note </a:t>
+            </a:r>
+            <a:r>
               <a:rPr kumimoji="0" lang="en" altLang="en-US" sz="1800" b="0" i="0" u="none" strike="noStrike" cap="none" normalizeH="0" baseline="0" dirty="0" smtClean="0">
                 <a:ln>
                   <a:noFill/>
@@ -3924,9 +3937,9 @@
                 <a:effectLst/>
                 <a:latin typeface="Arial" panose="020B0604020202020204" pitchFamily="34" charset="0"/>
               </a:rPr>
-              <a:t>and </a:t>
-            </a:r>
-            <a:r xmlns:a="http://schemas.openxmlformats.org/drawingml/2006/main">
+              <a:t>that </a:t>
+            </a:r>
+            <a:r>
               <a:rPr kumimoji="0" lang="en" altLang="en-US" sz="1800" b="0" i="0" u="none" strike="noStrike" cap="none" normalizeH="0" baseline="0" dirty="0" err="1" smtClean="0">
                 <a:ln>
                   <a:noFill/>
@@ -3937,9 +3950,9 @@
                 <a:effectLst/>
                 <a:latin typeface="Arial" panose="020B0604020202020204" pitchFamily="34" charset="0"/>
               </a:rPr>
-              <a:t>note </a:t>
-            </a:r>
-            <a:r xmlns:a="http://schemas.openxmlformats.org/drawingml/2006/main">
+              <a:t>this​</a:t>
+            </a:r>
+            <a:r>
               <a:rPr kumimoji="0" lang="en" altLang="en-US" sz="1800" b="0" i="0" u="none" strike="noStrike" cap="none" normalizeH="0" baseline="0" dirty="0" smtClean="0">
                 <a:ln>
                   <a:noFill/>
@@ -3950,9 +3963,9 @@
                 <a:effectLst/>
                 <a:latin typeface="Arial" panose="020B0604020202020204" pitchFamily="34" charset="0"/>
               </a:rPr>
-              <a:t>that </a:t>
-            </a:r>
-            <a:r xmlns:a="http://schemas.openxmlformats.org/drawingml/2006/main">
+              <a:t> </a:t>
+            </a:r>
+            <a:r>
               <a:rPr kumimoji="0" lang="en" altLang="en-US" sz="1800" b="0" i="0" u="none" strike="noStrike" cap="none" normalizeH="0" baseline="0" dirty="0" err="1" smtClean="0">
                 <a:ln>
                   <a:noFill/>
@@ -3963,9 +3976,22 @@
                 <a:effectLst/>
                 <a:latin typeface="Arial" panose="020B0604020202020204" pitchFamily="34" charset="0"/>
               </a:rPr>
-              <a:t>this</a:t>
-            </a:r>
-            <a:r xmlns:a="http://schemas.openxmlformats.org/drawingml/2006/main">
+              <a:t>is not </a:t>
+            </a:r>
+            <a:r>
+              <a:rPr kumimoji="0" lang="en" altLang="en-US" sz="1800" b="0" i="0" u="none" strike="noStrike" cap="none" normalizeH="0" baseline="0" dirty="0" smtClean="0">
+                <a:ln>
+                  <a:noFill/>
+                </a:ln>
+                <a:solidFill>
+                  <a:schemeClr val="tx1"/>
+                </a:solidFill>
+                <a:effectLst/>
+                <a:latin typeface="Arial" panose="020B0604020202020204" pitchFamily="34" charset="0"/>
+              </a:rPr>
+              <a:t>possible, </a:t>
+            </a:r>
+            <a:r>
               <a:rPr kumimoji="0" lang="en" altLang="en-US" sz="1800" b="0" i="0" u="none" strike="noStrike" cap="none" normalizeH="0" baseline="0" dirty="0" err="1" smtClean="0">
                 <a:ln>
                   <a:noFill/>
@@ -3976,9 +4002,9 @@
                 <a:effectLst/>
                 <a:latin typeface="Arial" panose="020B0604020202020204" pitchFamily="34" charset="0"/>
               </a:rPr>
-              <a:t>​</a:t>
-            </a:r>
-            <a:r xmlns:a="http://schemas.openxmlformats.org/drawingml/2006/main">
+              <a:t>you</a:t>
+            </a:r>
+            <a:r>
               <a:rPr kumimoji="0" lang="en" altLang="en-US" sz="1800" b="0" i="0" u="none" strike="noStrike" cap="none" normalizeH="0" baseline="0" dirty="0" smtClean="0">
                 <a:ln>
                   <a:noFill/>
@@ -3991,7 +4017,7 @@
               </a:rPr>
               <a:t> </a:t>
             </a:r>
-            <a:r xmlns:a="http://schemas.openxmlformats.org/drawingml/2006/main">
+            <a:r>
               <a:rPr kumimoji="0" lang="en" altLang="en-US" sz="1800" b="0" i="0" u="none" strike="noStrike" cap="none" normalizeH="0" baseline="0" dirty="0" err="1" smtClean="0">
                 <a:ln>
                   <a:noFill/>
@@ -4002,9 +4028,9 @@
                 <a:effectLst/>
                 <a:latin typeface="Arial" panose="020B0604020202020204" pitchFamily="34" charset="0"/>
               </a:rPr>
-              <a:t>is not </a:t>
-            </a:r>
-            <a:r xmlns:a="http://schemas.openxmlformats.org/drawingml/2006/main">
+              <a:t>will have to</a:t>
+            </a:r>
+            <a:r>
               <a:rPr kumimoji="0" lang="en" altLang="en-US" sz="1800" b="0" i="0" u="none" strike="noStrike" cap="none" normalizeH="0" baseline="0" dirty="0" smtClean="0">
                 <a:ln>
                   <a:noFill/>
@@ -4015,9 +4041,9 @@
                 <a:effectLst/>
                 <a:latin typeface="Arial" panose="020B0604020202020204" pitchFamily="34" charset="0"/>
               </a:rPr>
-              <a:t>possible, </a:t>
-            </a:r>
-            <a:r xmlns:a="http://schemas.openxmlformats.org/drawingml/2006/main">
+              <a:t> </a:t>
+            </a:r>
+            <a:r>
               <a:rPr kumimoji="0" lang="en" altLang="en-US" sz="1800" b="0" i="0" u="none" strike="noStrike" cap="none" normalizeH="0" baseline="0" dirty="0" err="1" smtClean="0">
                 <a:ln>
                   <a:noFill/>
@@ -4028,9 +4054,9 @@
                 <a:effectLst/>
                 <a:latin typeface="Arial" panose="020B0604020202020204" pitchFamily="34" charset="0"/>
               </a:rPr>
-              <a:t>you</a:t>
-            </a:r>
-            <a:r xmlns:a="http://schemas.openxmlformats.org/drawingml/2006/main">
+              <a:t>have </a:t>
+            </a:r>
+            <a:r>
               <a:rPr kumimoji="0" lang="en" altLang="en-US" sz="1800" b="0" i="0" u="none" strike="noStrike" cap="none" normalizeH="0" baseline="0" dirty="0" smtClean="0">
                 <a:ln>
                   <a:noFill/>
@@ -4041,9 +4067,9 @@
                 <a:effectLst/>
                 <a:latin typeface="Arial" panose="020B0604020202020204" pitchFamily="34" charset="0"/>
               </a:rPr>
-              <a:t> </a:t>
-            </a:r>
-            <a:r xmlns:a="http://schemas.openxmlformats.org/drawingml/2006/main">
+              <a:t>at </a:t>
+            </a:r>
+            <a:r>
               <a:rPr kumimoji="0" lang="en" altLang="en-US" sz="1800" b="0" i="0" u="none" strike="noStrike" cap="none" normalizeH="0" baseline="0" dirty="0" err="1" smtClean="0">
                 <a:ln>
                   <a:noFill/>
@@ -4054,9 +4080,9 @@
                 <a:effectLst/>
                 <a:latin typeface="Arial" panose="020B0604020202020204" pitchFamily="34" charset="0"/>
               </a:rPr>
-              <a:t>will have to</a:t>
-            </a:r>
-            <a:r xmlns:a="http://schemas.openxmlformats.org/drawingml/2006/main">
+              <a:t>least</a:t>
+            </a:r>
+            <a:r>
               <a:rPr kumimoji="0" lang="en" altLang="en-US" sz="1800" b="0" i="0" u="none" strike="noStrike" cap="none" normalizeH="0" baseline="0" dirty="0" smtClean="0">
                 <a:ln>
                   <a:noFill/>
@@ -4069,61 +4095,9 @@
               </a:rPr>
               <a:t> </a:t>
             </a:r>
-            <a:r xmlns:a="http://schemas.openxmlformats.org/drawingml/2006/main">
-              <a:rPr kumimoji="0" lang="en" altLang="en-US" sz="1800" b="0" i="0" u="none" strike="noStrike" cap="none" normalizeH="0" baseline="0" dirty="0" err="1" smtClean="0">
-                <a:ln>
-                  <a:noFill/>
-                </a:ln>
-                <a:solidFill>
-                  <a:schemeClr val="tx1"/>
-                </a:solidFill>
-                <a:effectLst/>
-                <a:latin typeface="Arial" panose="020B0604020202020204" pitchFamily="34" charset="0"/>
-              </a:rPr>
-              <a:t>have </a:t>
-            </a:r>
-            <a:r xmlns:a="http://schemas.openxmlformats.org/drawingml/2006/main">
-              <a:rPr kumimoji="0" lang="en" altLang="en-US" sz="1800" b="0" i="0" u="none" strike="noStrike" cap="none" normalizeH="0" baseline="0" dirty="0" smtClean="0">
-                <a:ln>
-                  <a:noFill/>
-                </a:ln>
-                <a:solidFill>
-                  <a:schemeClr val="tx1"/>
-                </a:solidFill>
-                <a:effectLst/>
-                <a:latin typeface="Arial" panose="020B0604020202020204" pitchFamily="34" charset="0"/>
-              </a:rPr>
-              <a:t>at </a:t>
-            </a:r>
-            <a:r xmlns:a="http://schemas.openxmlformats.org/drawingml/2006/main">
-              <a:rPr kumimoji="0" lang="en" altLang="en-US" sz="1800" b="0" i="0" u="none" strike="noStrike" cap="none" normalizeH="0" baseline="0" dirty="0" err="1" smtClean="0">
-                <a:ln>
-                  <a:noFill/>
-                </a:ln>
-                <a:solidFill>
-                  <a:schemeClr val="tx1"/>
-                </a:solidFill>
-                <a:effectLst/>
-                <a:latin typeface="Arial" panose="020B0604020202020204" pitchFamily="34" charset="0"/>
-              </a:rPr>
-              <a:t>least</a:t>
-            </a:r>
-            <a:r xmlns:a="http://schemas.openxmlformats.org/drawingml/2006/main">
-              <a:rPr kumimoji="0" lang="en" altLang="en-US" sz="1800" b="0" i="0" u="none" strike="noStrike" cap="none" normalizeH="0" baseline="0" dirty="0" smtClean="0">
-                <a:ln>
-                  <a:noFill/>
-                </a:ln>
-                <a:solidFill>
-                  <a:schemeClr val="tx1"/>
-                </a:solidFill>
-                <a:effectLst/>
-                <a:latin typeface="Arial" panose="020B0604020202020204" pitchFamily="34" charset="0"/>
-              </a:rPr>
-              <a:t> </a:t>
-            </a:r>
-          </a:p>
-          <a:p>
-            <a:pPr xmlns:a="http://schemas.openxmlformats.org/drawingml/2006/main" marL="0" marR="0" lvl="0" indent="0" algn="l" defTabSz="914400" rtl="0" eaLnBrk="0" fontAlgn="base" latinLnBrk="0" hangingPunct="0">
+          </a:p>
+          <a:p>
+            <a:pPr marL="0" marR="0" lvl="0" indent="0" algn="l" defTabSz="914400" rtl="0" eaLnBrk="0" fontAlgn="base" latinLnBrk="0" hangingPunct="0">
               <a:lnSpc>
                 <a:spcPct val="100000"/>
               </a:lnSpc>
@@ -4139,7 +4113,7 @@
               <a:buNone/>
               <a:tabLst/>
             </a:pPr>
-            <a:r xmlns:a="http://schemas.openxmlformats.org/drawingml/2006/main">
+            <a:r>
               <a:rPr kumimoji="0" lang="en" altLang="en-US" sz="1800" b="0" i="0" u="none" strike="noStrike" cap="none" normalizeH="0" baseline="0" dirty="0" smtClean="0">
                 <a:ln>
                   <a:noFill/>
@@ -4152,7 +4126,7 @@
               </a:rPr>
               <a:t>a </a:t>
             </a:r>
-            <a:r xmlns:a="http://schemas.openxmlformats.org/drawingml/2006/main">
+            <a:r>
               <a:rPr kumimoji="0" lang="en" altLang="en-US" sz="1800" b="0" i="0" u="none" strike="noStrike" cap="none" normalizeH="0" baseline="0" dirty="0" err="1" smtClean="0">
                 <a:ln>
                   <a:noFill/>
@@ -4165,7 +4139,7 @@
               </a:rPr>
               <a:t>group</a:t>
             </a:r>
-            <a:r xmlns:a="http://schemas.openxmlformats.org/drawingml/2006/main">
+            <a:r>
               <a:rPr kumimoji="0" lang="en" altLang="en-US" sz="1800" b="0" i="0" u="none" strike="noStrike" cap="none" normalizeH="0" baseline="0" dirty="0" smtClean="0">
                 <a:ln>
                   <a:noFill/>
@@ -4178,7 +4152,7 @@
               </a:rPr>
               <a:t> </a:t>
             </a:r>
-            <a:r xmlns:a="http://schemas.openxmlformats.org/drawingml/2006/main">
+            <a:r>
               <a:rPr kumimoji="0" lang="en" altLang="en-US" sz="1800" b="0" i="0" u="none" strike="noStrike" cap="none" normalizeH="0" baseline="0" dirty="0" err="1" smtClean="0">
                 <a:ln>
                   <a:noFill/>
@@ -4191,7 +4165,7 @@
               </a:rPr>
               <a:t>in </a:t>
             </a:r>
-            <a:r xmlns:a="http://schemas.openxmlformats.org/drawingml/2006/main">
+            <a:r>
               <a:rPr kumimoji="0" lang="en" altLang="en-US" sz="1800" b="0" i="0" u="none" strike="noStrike" cap="none" normalizeH="0" baseline="0" dirty="0" smtClean="0">
                 <a:ln>
                   <a:noFill/>
@@ -4202,9 +4176,22 @@
                 <a:effectLst/>
                 <a:latin typeface="Arial" panose="020B0604020202020204" pitchFamily="34" charset="0"/>
               </a:rPr>
-              <a:t>the </a:t>
-            </a:r>
-            <a:r xmlns:a="http://schemas.openxmlformats.org/drawingml/2006/main">
+              <a:t>the Groups </a:t>
+            </a:r>
+            <a:r>
+              <a:rPr kumimoji="0" lang="en" altLang="en-US" sz="1800" b="0" i="0" u="none" strike="noStrike" cap="none" normalizeH="0" baseline="0" dirty="0" err="1" smtClean="0">
+                <a:ln>
+                  <a:noFill/>
+                </a:ln>
+                <a:solidFill>
+                  <a:schemeClr val="tx1"/>
+                </a:solidFill>
+                <a:effectLst/>
+                <a:latin typeface="Arial" panose="020B0604020202020204" pitchFamily="34" charset="0"/>
+              </a:rPr>
+              <a:t>panel </a:t>
+            </a:r>
+            <a:r>
               <a:rPr kumimoji="0" lang="en" altLang="en-US" sz="1800" b="0" i="0" u="none" strike="noStrike" cap="none" normalizeH="0" baseline="0" dirty="0" smtClean="0">
                 <a:ln>
                   <a:noFill/>
@@ -4215,35 +4202,9 @@
                 <a:effectLst/>
                 <a:latin typeface="Arial" panose="020B0604020202020204" pitchFamily="34" charset="0"/>
               </a:rPr>
-              <a:t>Groups </a:t>
-            </a:r>
-            <a:r xmlns:a="http://schemas.openxmlformats.org/drawingml/2006/main">
-              <a:rPr kumimoji="0" lang="en" altLang="en-US" sz="1800" b="0" i="0" u="none" strike="noStrike" cap="none" normalizeH="0" baseline="0" dirty="0" err="1" smtClean="0">
-                <a:ln>
-                  <a:noFill/>
-                </a:ln>
-                <a:solidFill>
-                  <a:schemeClr val="tx1"/>
-                </a:solidFill>
-                <a:effectLst/>
-                <a:latin typeface="Arial" panose="020B0604020202020204" pitchFamily="34" charset="0"/>
-              </a:rPr>
-              <a:t>panel </a:t>
-            </a:r>
-            <a:r xmlns:a="http://schemas.openxmlformats.org/drawingml/2006/main">
-              <a:rPr kumimoji="0" lang="en" altLang="en-US" sz="1800" b="0" i="0" u="none" strike="noStrike" cap="none" normalizeH="0" baseline="0" dirty="0" smtClean="0">
-                <a:ln>
-                  <a:noFill/>
-                </a:ln>
-                <a:solidFill>
-                  <a:schemeClr val="tx1"/>
-                </a:solidFill>
-                <a:effectLst/>
-                <a:latin typeface="Arial" panose="020B0604020202020204" pitchFamily="34" charset="0"/>
-              </a:rPr>
               <a:t>.</a:t>
             </a:r>
-            <a:r xmlns:a="http://schemas.openxmlformats.org/drawingml/2006/main">
+            <a:r>
               <a:rPr kumimoji="0" lang="en" altLang="en-US" sz="1800" b="0" i="0" u="none" strike="noStrike" cap="none" normalizeH="0" baseline="0" dirty="0" err="1" smtClean="0">
                 <a:ln>
                   <a:noFill/>
@@ -4344,8 +4305,8 @@
         </p:nvSpPr>
         <p:spPr>
           <a:xfrm>
-            <a:off x="4206049" y="2281704"/>
-            <a:ext cx="3456395" cy="1569660"/>
+            <a:off x="2920388" y="2439834"/>
+            <a:ext cx="6230360" cy="1569660"/>
           </a:xfrm>
           <a:prstGeom prst="rect">
             <a:avLst/>
@@ -4358,8 +4319,8 @@
           </a:bodyPr>
           <a:lstStyle/>
           <a:p>
-            <a:r xmlns:a="http://schemas.openxmlformats.org/drawingml/2006/main">
-              <a:rPr lang="en" sz="9600" b="1" dirty="0" smtClean="0">
+            <a:r>
+              <a:rPr lang="en-US" sz="9600" b="1" dirty="0" smtClean="0">
                 <a:solidFill>
                   <a:srgbClr val="7030A0"/>
                 </a:solidFill>
@@ -4367,9 +4328,9 @@
                 <a:ea typeface="Verdana" panose="020B0604030504040204" pitchFamily="34" charset="0"/>
                 <a:cs typeface="Segoe UI" panose="020B0502040204020203" pitchFamily="34" charset="0"/>
               </a:rPr>
-              <a:t>THANKS</a:t>
-            </a:r>
-            <a:endParaRPr xmlns:a="http://schemas.openxmlformats.org/drawingml/2006/main" lang="en-US" sz="9600" b="1" dirty="0">
+              <a:t>Thank you</a:t>
+            </a:r>
+            <a:endParaRPr lang="en-US" sz="9600" b="1" dirty="0">
               <a:solidFill>
                 <a:srgbClr val="7030A0"/>
               </a:solidFill>
@@ -4388,8 +4349,8 @@
         </p:nvSpPr>
         <p:spPr>
           <a:xfrm>
-            <a:off x="4128335" y="2197935"/>
-            <a:ext cx="3456395" cy="1569660"/>
+            <a:off x="2842674" y="2356065"/>
+            <a:ext cx="6230360" cy="1569660"/>
           </a:xfrm>
           <a:prstGeom prst="rect">
             <a:avLst/>
@@ -4402,8 +4363,8 @@
           </a:bodyPr>
           <a:lstStyle/>
           <a:p>
-            <a:r xmlns:a="http://schemas.openxmlformats.org/drawingml/2006/main">
-              <a:rPr lang="en" sz="9600" b="1" dirty="0" smtClean="0">
+            <a:r>
+              <a:rPr lang="en-US" sz="9600" b="1" dirty="0" smtClean="0">
                 <a:solidFill>
                   <a:schemeClr val="bg1"/>
                 </a:solidFill>
@@ -4411,9 +4372,9 @@
                 <a:ea typeface="Verdana" panose="020B0604030504040204" pitchFamily="34" charset="0"/>
                 <a:cs typeface="Segoe UI" panose="020B0502040204020203" pitchFamily="34" charset="0"/>
               </a:rPr>
-              <a:t>THANKS</a:t>
-            </a:r>
-            <a:endParaRPr xmlns:a="http://schemas.openxmlformats.org/drawingml/2006/main" lang="en-US" sz="9600" b="1" dirty="0">
+              <a:t>Thank you</a:t>
+            </a:r>
+            <a:endParaRPr lang="en-US" sz="9600" b="1" dirty="0">
               <a:solidFill>
                 <a:schemeClr val="bg1"/>
               </a:solidFill>
@@ -4476,14 +4437,14 @@
           </a:bodyPr>
           <a:lstStyle/>
           <a:p>
-            <a:r xmlns:a="http://schemas.openxmlformats.org/drawingml/2006/main">
+            <a:r>
               <a:rPr lang="en" sz="2800" b="1" dirty="0" err="1" smtClean="0">
                 <a:latin typeface="Segoe UI" panose="020B0502040204020203" pitchFamily="34" charset="0"/>
                 <a:cs typeface="Segoe UI" panose="020B0502040204020203" pitchFamily="34" charset="0"/>
               </a:rPr>
               <a:t>Groups</a:t>
             </a:r>
-            <a:endParaRPr xmlns:a="http://schemas.openxmlformats.org/drawingml/2006/main" lang="en-US" sz="2800" b="1" dirty="0">
+            <a:endParaRPr lang="en-US" sz="2800" b="1" dirty="0">
               <a:latin typeface="Segoe UI" panose="020B0502040204020203" pitchFamily="34" charset="0"/>
               <a:cs typeface="Segoe UI" panose="020B0502040204020203" pitchFamily="34" charset="0"/>
             </a:endParaRPr>
@@ -4548,55 +4509,51 @@
           </a:bodyPr>
           <a:lstStyle/>
           <a:p>
-            <a:r xmlns:a="http://schemas.openxmlformats.org/drawingml/2006/main">
+            <a:r>
               <a:rPr lang="en" sz="2000" b="1" dirty="0"/>
               <a:t>Note: </a:t>
             </a:r>
-            <a:r xmlns:a="http://schemas.openxmlformats.org/drawingml/2006/main">
+            <a:r>
               <a:rPr lang="en" sz="2000" dirty="0" smtClean="0"/>
               <a:t>This workshop uses the </a:t>
             </a:r>
-            <a:r xmlns:a="http://schemas.openxmlformats.org/drawingml/2006/main">
+            <a:r>
               <a:rPr lang="en" sz="2000" b="1" dirty="0"/>
               <a:t>gdp.xlsx </a:t>
             </a:r>
-            <a:r xmlns:a="http://schemas.openxmlformats.org/drawingml/2006/main">
+            <a:r>
               <a:rPr lang="en" sz="2000" dirty="0"/>
-              <a:t>file </a:t>
-            </a:r>
-            <a:r xmlns:a="http://schemas.openxmlformats.org/drawingml/2006/main">
-              <a:rPr lang="en" sz="2000" dirty="0"/>
-              <a:t>located in the folder</a:t>
-            </a:r>
-            <a:r xmlns:a="http://schemas.openxmlformats.org/drawingml/2006/main">
+              <a:t>file located in the folder</a:t>
+            </a:r>
+            <a:r>
               <a:rPr lang="en" sz="2000" b="1" dirty="0"/>
               <a:t> </a:t>
             </a:r>
-            <a:r xmlns:a="http://schemas.openxmlformats.org/drawingml/2006/main">
+            <a:r>
               <a:rPr lang="en" sz="2000" b="1" dirty="0" err="1"/>
               <a:t>resources </a:t>
             </a:r>
-            <a:r xmlns:a="http://schemas.openxmlformats.org/drawingml/2006/main">
+            <a:r>
               <a:rPr lang="en" sz="2000" b="1" dirty="0"/>
               <a:t>\ </a:t>
             </a:r>
-            <a:r xmlns:a="http://schemas.openxmlformats.org/drawingml/2006/main">
+            <a:r>
               <a:rPr lang="en" sz="2000" b="1" dirty="0" err="1"/>
               <a:t>Drillthrough</a:t>
             </a:r>
-            <a:r xmlns:a="http://schemas.openxmlformats.org/drawingml/2006/main">
+            <a:r>
               <a:rPr lang="en" sz="2000" b="1" dirty="0"/>
               <a:t> </a:t>
             </a:r>
-            <a:r xmlns:a="http://schemas.openxmlformats.org/drawingml/2006/main">
+            <a:r>
               <a:rPr lang="en" sz="2000" b="1" dirty="0" smtClean="0"/>
               <a:t>and Filter </a:t>
             </a:r>
-            <a:r xmlns:a="http://schemas.openxmlformats.org/drawingml/2006/main">
+            <a:r>
               <a:rPr lang="en" sz="2000" dirty="0" smtClean="0"/>
               <a:t>.</a:t>
             </a:r>
-            <a:endParaRPr xmlns:a="http://schemas.openxmlformats.org/drawingml/2006/main" lang="en-US" sz="2000" dirty="0"/>
+            <a:endParaRPr lang="en-US" sz="2000" dirty="0"/>
           </a:p>
         </p:txBody>
       </p:sp>
@@ -4621,39 +4578,39 @@
           </a:bodyPr>
           <a:lstStyle/>
           <a:p>
-            <a:r xmlns:a="http://schemas.openxmlformats.org/drawingml/2006/main">
+            <a:r>
               <a:rPr lang="en" sz="2000" dirty="0"/>
               <a:t>Navigate to the location of the </a:t>
             </a:r>
-            <a:r xmlns:a="http://schemas.openxmlformats.org/drawingml/2006/main">
+            <a:r>
               <a:rPr lang="en" sz="2000" b="1" dirty="0"/>
               <a:t>gdp.xlsx file </a:t>
             </a:r>
-            <a:r xmlns:a="http://schemas.openxmlformats.org/drawingml/2006/main">
+            <a:r>
               <a:rPr lang="en" sz="2000" dirty="0"/>
               <a:t>and load both the </a:t>
             </a:r>
-            <a:r xmlns:a="http://schemas.openxmlformats.org/drawingml/2006/main">
+            <a:r>
               <a:rPr lang="en" sz="2000" b="1" dirty="0"/>
               <a:t>continent </a:t>
             </a:r>
-            <a:r xmlns:a="http://schemas.openxmlformats.org/drawingml/2006/main">
+            <a:r>
               <a:rPr lang="en" sz="2000" dirty="0"/>
               <a:t>and </a:t>
             </a:r>
-            <a:r xmlns:a="http://schemas.openxmlformats.org/drawingml/2006/main">
+            <a:r>
               <a:rPr lang="en" sz="2000" b="1" dirty="0" err="1"/>
               <a:t>gdp </a:t>
             </a:r>
-            <a:r xmlns:a="http://schemas.openxmlformats.org/drawingml/2006/main">
+            <a:r>
               <a:rPr lang="en" sz="2000" b="1" dirty="0"/>
               <a:t>2018 tables </a:t>
             </a:r>
-            <a:r xmlns:a="http://schemas.openxmlformats.org/drawingml/2006/main">
+            <a:r>
               <a:rPr lang="en" sz="2000" dirty="0"/>
               <a:t>into the query editor.</a:t>
             </a:r>
-            <a:endParaRPr xmlns:a="http://schemas.openxmlformats.org/drawingml/2006/main" lang="en-US" sz="2000" dirty="0"/>
+            <a:endParaRPr lang="en-US" sz="2000" dirty="0"/>
           </a:p>
         </p:txBody>
       </p:sp>
@@ -4678,31 +4635,31 @@
           </a:bodyPr>
           <a:lstStyle/>
           <a:p>
-            <a:r xmlns:a="http://schemas.openxmlformats.org/drawingml/2006/main">
+            <a:r>
               <a:rPr lang="en" sz="2000" dirty="0"/>
               <a:t>Check that the relationship between </a:t>
             </a:r>
-            <a:r xmlns:a="http://schemas.openxmlformats.org/drawingml/2006/main">
+            <a:r>
               <a:rPr lang="en" sz="2000" b="1" dirty="0"/>
               <a:t>continent </a:t>
             </a:r>
-            <a:r xmlns:a="http://schemas.openxmlformats.org/drawingml/2006/main">
+            <a:r>
               <a:rPr lang="en" sz="2000" dirty="0"/>
               <a:t>and </a:t>
             </a:r>
-            <a:r xmlns:a="http://schemas.openxmlformats.org/drawingml/2006/main">
+            <a:r>
               <a:rPr lang="en" sz="2000" b="1" dirty="0" err="1"/>
               <a:t>gdp </a:t>
             </a:r>
-            <a:r xmlns:a="http://schemas.openxmlformats.org/drawingml/2006/main">
+            <a:r>
               <a:rPr lang="en" sz="2000" b="1" dirty="0"/>
               <a:t>2018 </a:t>
             </a:r>
-            <a:r xmlns:a="http://schemas.openxmlformats.org/drawingml/2006/main">
+            <a:r>
               <a:rPr lang="en" sz="2000" dirty="0"/>
               <a:t>is established.</a:t>
             </a:r>
-            <a:endParaRPr xmlns:a="http://schemas.openxmlformats.org/drawingml/2006/main" lang="en-US" sz="2000" dirty="0"/>
+            <a:endParaRPr lang="en-US" sz="2000" dirty="0"/>
           </a:p>
         </p:txBody>
       </p:sp>
@@ -4758,14 +4715,14 @@
           </a:bodyPr>
           <a:lstStyle/>
           <a:p>
-            <a:r xmlns:a="http://schemas.openxmlformats.org/drawingml/2006/main">
+            <a:r>
               <a:rPr lang="en" sz="2800" b="1" dirty="0" err="1" smtClean="0">
                 <a:latin typeface="Segoe UI" panose="020B0502040204020203" pitchFamily="34" charset="0"/>
                 <a:cs typeface="Segoe UI" panose="020B0502040204020203" pitchFamily="34" charset="0"/>
               </a:rPr>
               <a:t>Groups</a:t>
             </a:r>
-            <a:endParaRPr xmlns:a="http://schemas.openxmlformats.org/drawingml/2006/main" lang="en-US" sz="2800" b="1" dirty="0">
+            <a:endParaRPr lang="en-US" sz="2800" b="1" dirty="0">
               <a:latin typeface="Segoe UI" panose="020B0502040204020203" pitchFamily="34" charset="0"/>
               <a:cs typeface="Segoe UI" panose="020B0502040204020203" pitchFamily="34" charset="0"/>
             </a:endParaRPr>
@@ -4793,7 +4750,7 @@
           </a:bodyPr>
           <a:lstStyle/>
           <a:p>
-            <a:pPr xmlns:a="http://schemas.openxmlformats.org/drawingml/2006/main" lvl="0">
+            <a:pPr lvl="0">
               <a:lnSpc>
                 <a:spcPct val="107000"/>
               </a:lnSpc>
@@ -4801,51 +4758,51 @@
                 <a:spcPts val="800"/>
               </a:spcAft>
             </a:pPr>
-            <a:r xmlns:a="http://schemas.openxmlformats.org/drawingml/2006/main">
+            <a:r>
               <a:rPr lang="en" sz="2000" dirty="0"/>
               <a:t>Add a </a:t>
             </a:r>
-            <a:r xmlns:a="http://schemas.openxmlformats.org/drawingml/2006/main">
+            <a:r>
               <a:rPr lang="en" sz="2000" b="1" dirty="0"/>
               <a:t>Clustered Columns Histogram visual </a:t>
             </a:r>
-            <a:r xmlns:a="http://schemas.openxmlformats.org/drawingml/2006/main">
+            <a:r>
               <a:rPr lang="en" sz="2000" dirty="0"/>
               <a:t>to the scene and drag </a:t>
             </a:r>
-            <a:r xmlns:a="http://schemas.openxmlformats.org/drawingml/2006/main">
+            <a:r>
               <a:rPr lang="en" sz="2000" b="1" dirty="0" err="1"/>
               <a:t>ContinentName </a:t>
             </a:r>
-            <a:r xmlns:a="http://schemas.openxmlformats.org/drawingml/2006/main">
+            <a:r>
               <a:rPr lang="en" sz="2000" dirty="0"/>
               <a:t>and </a:t>
             </a:r>
-            <a:r xmlns:a="http://schemas.openxmlformats.org/drawingml/2006/main">
+            <a:r>
               <a:rPr lang="en" sz="2000" b="1" dirty="0" err="1"/>
               <a:t>gdp </a:t>
             </a:r>
-            <a:r xmlns:a="http://schemas.openxmlformats.org/drawingml/2006/main">
+            <a:r>
               <a:rPr lang="en" sz="2000" dirty="0"/>
               <a:t>to the </a:t>
             </a:r>
-            <a:r xmlns:a="http://schemas.openxmlformats.org/drawingml/2006/main">
+            <a:r>
               <a:rPr lang="en" sz="2000" b="1" dirty="0"/>
               <a:t>Axis </a:t>
             </a:r>
-            <a:r xmlns:a="http://schemas.openxmlformats.org/drawingml/2006/main">
+            <a:r>
               <a:rPr lang="en" sz="2000" dirty="0"/>
               <a:t>and </a:t>
             </a:r>
-            <a:r xmlns:a="http://schemas.openxmlformats.org/drawingml/2006/main">
+            <a:r>
               <a:rPr lang="en" sz="2000" b="1" dirty="0"/>
               <a:t>Values properties </a:t>
             </a:r>
-            <a:r xmlns:a="http://schemas.openxmlformats.org/drawingml/2006/main">
+            <a:r>
               <a:rPr lang="en" sz="2000" dirty="0"/>
               <a:t>respectively.</a:t>
             </a:r>
-            <a:endParaRPr xmlns:a="http://schemas.openxmlformats.org/drawingml/2006/main" lang="en-US" sz="1600" dirty="0">
+            <a:endParaRPr lang="en-US" sz="1600" dirty="0">
               <a:effectLst/>
               <a:latin typeface="Calibri" panose="020F0502020204030204" pitchFamily="34" charset="0"/>
               <a:ea typeface="Calibri" panose="020F0502020204030204" pitchFamily="34" charset="0"/>
@@ -4945,14 +4902,14 @@
           </a:bodyPr>
           <a:lstStyle/>
           <a:p>
-            <a:r xmlns:a="http://schemas.openxmlformats.org/drawingml/2006/main">
+            <a:r>
               <a:rPr lang="en" sz="2800" b="1" dirty="0" err="1" smtClean="0">
                 <a:latin typeface="Segoe UI" panose="020B0502040204020203" pitchFamily="34" charset="0"/>
                 <a:cs typeface="Segoe UI" panose="020B0502040204020203" pitchFamily="34" charset="0"/>
               </a:rPr>
               <a:t>Groups</a:t>
             </a:r>
-            <a:endParaRPr xmlns:a="http://schemas.openxmlformats.org/drawingml/2006/main" lang="en-US" sz="2800" b="1" dirty="0">
+            <a:endParaRPr lang="en-US" sz="2800" b="1" dirty="0">
               <a:latin typeface="Segoe UI" panose="020B0502040204020203" pitchFamily="34" charset="0"/>
               <a:cs typeface="Segoe UI" panose="020B0502040204020203" pitchFamily="34" charset="0"/>
             </a:endParaRPr>
@@ -5057,7 +5014,7 @@
           </a:bodyPr>
           <a:lstStyle/>
           <a:p>
-            <a:pPr xmlns:a="http://schemas.openxmlformats.org/drawingml/2006/main" marL="0" marR="0" lvl="0" indent="0" algn="l" defTabSz="914400" rtl="0" eaLnBrk="0" fontAlgn="base" latinLnBrk="0" hangingPunct="0">
+            <a:pPr marL="0" marR="0" lvl="0" indent="0" algn="l" defTabSz="914400" rtl="0" eaLnBrk="0" fontAlgn="base" latinLnBrk="0" hangingPunct="0">
               <a:lnSpc>
                 <a:spcPct val="100000"/>
               </a:lnSpc>
@@ -5073,7 +5030,7 @@
               <a:buNone/>
               <a:tabLst/>
             </a:pPr>
-            <a:r xmlns:a="http://schemas.openxmlformats.org/drawingml/2006/main">
+            <a:r>
               <a:rPr kumimoji="0" lang="en" altLang="en-US" sz="1800" b="0" i="0" u="none" strike="noStrike" cap="none" normalizeH="0" baseline="0" dirty="0" err="1" smtClean="0">
                 <a:ln>
                   <a:noFill/>
@@ -5086,7 +5043,7 @@
               </a:rPr>
               <a:t>Select </a:t>
             </a:r>
-            <a:r xmlns:a="http://schemas.openxmlformats.org/drawingml/2006/main">
+            <a:r>
               <a:rPr kumimoji="0" lang="en" altLang="en-US" sz="1800" b="0" i="0" u="none" strike="noStrike" cap="none" normalizeH="0" baseline="0" dirty="0" smtClean="0">
                 <a:ln>
                   <a:noFill/>
@@ -5099,7 +5056,7 @@
               </a:rPr>
               <a:t>the </a:t>
             </a:r>
-            <a:r xmlns:a="http://schemas.openxmlformats.org/drawingml/2006/main">
+            <a:r>
               <a:rPr kumimoji="0" lang="en" altLang="en-US" sz="1800" b="0" i="0" u="none" strike="noStrike" cap="none" normalizeH="0" baseline="0" dirty="0" err="1" smtClean="0">
                 <a:ln>
                   <a:noFill/>
@@ -5112,7 +5069,7 @@
               </a:rPr>
               <a:t>columns</a:t>
             </a:r>
-            <a:r xmlns:a="http://schemas.openxmlformats.org/drawingml/2006/main">
+            <a:r>
               <a:rPr kumimoji="0" lang="en" altLang="en-US" sz="1800" b="0" i="0" u="none" strike="noStrike" cap="none" normalizeH="0" baseline="0" dirty="0" smtClean="0">
                 <a:ln>
                   <a:noFill/>
@@ -5125,7 +5082,7 @@
               </a:rPr>
               <a:t> </a:t>
             </a:r>
-            <a:r xmlns:a="http://schemas.openxmlformats.org/drawingml/2006/main">
+            <a:r>
               <a:rPr kumimoji="0" lang="en" altLang="en-US" sz="1800" b="1" i="0" u="none" strike="noStrike" cap="none" normalizeH="0" baseline="0" dirty="0" smtClean="0">
                 <a:ln>
                   <a:noFill/>
@@ -5138,7 +5095,7 @@
               </a:rPr>
               <a:t>North America </a:t>
             </a:r>
-            <a:r xmlns:a="http://schemas.openxmlformats.org/drawingml/2006/main">
+            <a:r>
               <a:rPr kumimoji="0" lang="en" altLang="en-US" sz="1800" b="0" i="0" u="none" strike="noStrike" cap="none" normalizeH="0" baseline="0" dirty="0" smtClean="0">
                 <a:ln>
                   <a:noFill/>
@@ -5151,7 +5108,7 @@
               </a:rPr>
               <a:t>and </a:t>
             </a:r>
-            <a:r xmlns:a="http://schemas.openxmlformats.org/drawingml/2006/main">
+            <a:r>
               <a:rPr kumimoji="0" lang="en" altLang="en-US" sz="1800" b="1" i="0" u="none" strike="noStrike" cap="none" normalizeH="0" baseline="0" dirty="0" smtClean="0">
                 <a:ln>
                   <a:noFill/>
@@ -5164,7 +5121,7 @@
               </a:rPr>
               <a:t>South America </a:t>
             </a:r>
-            <a:r xmlns:a="http://schemas.openxmlformats.org/drawingml/2006/main">
+            <a:r>
               <a:rPr kumimoji="0" lang="en" altLang="en-US" sz="1800" b="0" i="0" u="none" strike="noStrike" cap="none" normalizeH="0" baseline="0" dirty="0" smtClean="0">
                 <a:ln>
                   <a:noFill/>
@@ -5177,7 +5134,7 @@
               </a:rPr>
               <a:t>, </a:t>
             </a:r>
-            <a:r xmlns:a="http://schemas.openxmlformats.org/drawingml/2006/main">
+            <a:r>
               <a:rPr kumimoji="0" lang="en" altLang="en-US" sz="1800" b="0" i="0" u="none" strike="noStrike" cap="none" normalizeH="0" baseline="0" dirty="0" err="1" smtClean="0">
                 <a:ln>
                   <a:noFill/>
@@ -5190,7 +5147,7 @@
               </a:rPr>
               <a:t>then</a:t>
             </a:r>
-            <a:r xmlns:a="http://schemas.openxmlformats.org/drawingml/2006/main">
+            <a:r>
               <a:rPr kumimoji="0" lang="en" altLang="en-US" sz="1800" b="0" i="0" u="none" strike="noStrike" cap="none" normalizeH="0" baseline="0" dirty="0" smtClean="0">
                 <a:ln>
                   <a:noFill/>
@@ -5203,7 +5160,7 @@
               </a:rPr>
               <a:t> </a:t>
             </a:r>
-            <a:r xmlns:a="http://schemas.openxmlformats.org/drawingml/2006/main">
+            <a:r>
               <a:rPr kumimoji="0" lang="en" altLang="en-US" sz="1800" b="0" i="0" u="none" strike="noStrike" cap="none" normalizeH="0" baseline="0" dirty="0" err="1" smtClean="0">
                 <a:ln>
                   <a:noFill/>
@@ -5214,9 +5171,22 @@
                 <a:effectLst/>
                 <a:latin typeface="Arial" panose="020B0604020202020204" pitchFamily="34" charset="0"/>
               </a:rPr>
-              <a:t>right </a:t>
-            </a:r>
-            <a:r xmlns:a="http://schemas.openxmlformats.org/drawingml/2006/main">
+              <a:t>right click </a:t>
+            </a:r>
+            <a:r>
+              <a:rPr kumimoji="0" lang="en" altLang="en-US" sz="1800" b="0" i="0" u="none" strike="noStrike" cap="none" normalizeH="0" baseline="0" dirty="0" smtClean="0">
+                <a:ln>
+                  <a:noFill/>
+                </a:ln>
+                <a:solidFill>
+                  <a:schemeClr val="tx1"/>
+                </a:solidFill>
+                <a:effectLst/>
+                <a:latin typeface="Arial" panose="020B0604020202020204" pitchFamily="34" charset="0"/>
+              </a:rPr>
+              <a:t>and </a:t>
+            </a:r>
+            <a:r>
               <a:rPr kumimoji="0" lang="en" altLang="en-US" sz="1800" b="0" i="0" u="none" strike="noStrike" cap="none" normalizeH="0" baseline="0" dirty="0" err="1" smtClean="0">
                 <a:ln>
                   <a:noFill/>
@@ -5227,35 +5197,9 @@
                 <a:effectLst/>
                 <a:latin typeface="Arial" panose="020B0604020202020204" pitchFamily="34" charset="0"/>
               </a:rPr>
-              <a:t>click </a:t>
-            </a:r>
-            <a:r xmlns:a="http://schemas.openxmlformats.org/drawingml/2006/main">
-              <a:rPr kumimoji="0" lang="en" altLang="en-US" sz="1800" b="0" i="0" u="none" strike="noStrike" cap="none" normalizeH="0" baseline="0" dirty="0" smtClean="0">
-                <a:ln>
-                  <a:noFill/>
-                </a:ln>
-                <a:solidFill>
-                  <a:schemeClr val="tx1"/>
-                </a:solidFill>
-                <a:effectLst/>
-                <a:latin typeface="Arial" panose="020B0604020202020204" pitchFamily="34" charset="0"/>
-              </a:rPr>
-              <a:t>and </a:t>
-            </a:r>
-            <a:r xmlns:a="http://schemas.openxmlformats.org/drawingml/2006/main">
-              <a:rPr kumimoji="0" lang="en" altLang="en-US" sz="1800" b="0" i="0" u="none" strike="noStrike" cap="none" normalizeH="0" baseline="0" dirty="0" err="1" smtClean="0">
-                <a:ln>
-                  <a:noFill/>
-                </a:ln>
-                <a:solidFill>
-                  <a:schemeClr val="tx1"/>
-                </a:solidFill>
-                <a:effectLst/>
-                <a:latin typeface="Arial" panose="020B0604020202020204" pitchFamily="34" charset="0"/>
-              </a:rPr>
               <a:t>select</a:t>
             </a:r>
-            <a:endParaRPr xmlns:a="http://schemas.openxmlformats.org/drawingml/2006/main" kumimoji="0" lang="en-US" altLang="en-US" sz="1800" b="0" i="0" u="none" strike="noStrike" cap="none" normalizeH="0" baseline="0" dirty="0" smtClean="0">
+            <a:endParaRPr kumimoji="0" lang="en-US" altLang="en-US" sz="1800" b="0" i="0" u="none" strike="noStrike" cap="none" normalizeH="0" baseline="0" dirty="0" smtClean="0">
               <a:ln>
                 <a:noFill/>
               </a:ln>
@@ -5265,22 +5209,9 @@
               <a:effectLst/>
               <a:latin typeface="Arial" panose="020B0604020202020204" pitchFamily="34" charset="0"/>
             </a:endParaRPr>
-            <a:r xmlns:a="http://schemas.openxmlformats.org/drawingml/2006/main">
-              <a:rPr kumimoji="0" lang="en" altLang="en-US" sz="1800" b="0" i="0" u="none" strike="noStrike" cap="none" normalizeH="0" baseline="0" dirty="0" smtClean="0">
-                <a:ln>
-                  <a:noFill/>
-                </a:ln>
-                <a:solidFill>
-                  <a:schemeClr val="tx1"/>
-                </a:solidFill>
-                <a:effectLst/>
-                <a:latin typeface="Arial" panose="020B0604020202020204" pitchFamily="34" charset="0"/>
-              </a:rPr>
-              <a:t>​</a:t>
-            </a:r>
-          </a:p>
-          <a:p>
-            <a:pPr xmlns:a="http://schemas.openxmlformats.org/drawingml/2006/main" marL="0" marR="0" lvl="0" indent="0" algn="l" defTabSz="914400" rtl="0" eaLnBrk="0" fontAlgn="base" latinLnBrk="0" hangingPunct="0">
+          </a:p>
+          <a:p>
+            <a:pPr marL="0" marR="0" lvl="0" indent="0" algn="l" defTabSz="914400" rtl="0" eaLnBrk="0" fontAlgn="base" latinLnBrk="0" hangingPunct="0">
               <a:lnSpc>
                 <a:spcPct val="100000"/>
               </a:lnSpc>
@@ -5296,7 +5227,7 @@
               <a:buNone/>
               <a:tabLst/>
             </a:pPr>
-            <a:r xmlns:a="http://schemas.openxmlformats.org/drawingml/2006/main">
+            <a:r>
               <a:rPr kumimoji="0" lang="en" altLang="en-US" sz="1800" b="0" i="0" u="none" strike="noStrike" cap="none" normalizeH="0" baseline="0" dirty="0" smtClean="0">
                 <a:ln>
                   <a:noFill/>
@@ -5309,7 +5240,7 @@
               </a:rPr>
               <a:t> </a:t>
             </a:r>
-            <a:r xmlns:a="http://schemas.openxmlformats.org/drawingml/2006/main">
+            <a:r>
               <a:rPr kumimoji="0" lang="en" altLang="en-US" sz="1800" b="1" i="0" u="none" strike="noStrike" cap="none" normalizeH="0" baseline="0" dirty="0" smtClean="0">
                 <a:ln>
                   <a:noFill/>
@@ -5322,7 +5253,7 @@
               </a:rPr>
               <a:t>Group the </a:t>
             </a:r>
-            <a:r xmlns:a="http://schemas.openxmlformats.org/drawingml/2006/main">
+            <a:r>
               <a:rPr kumimoji="0" lang="en" altLang="en-US" sz="1800" b="1" i="0" u="none" strike="noStrike" cap="none" normalizeH="0" baseline="0" dirty="0" err="1" smtClean="0">
                 <a:ln>
                   <a:noFill/>
@@ -5335,7 +5266,7 @@
               </a:rPr>
               <a:t>data </a:t>
             </a:r>
-            <a:r xmlns:a="http://schemas.openxmlformats.org/drawingml/2006/main">
+            <a:r>
               <a:rPr kumimoji="0" lang="en" altLang="en-US" sz="1800" b="0" i="0" u="none" strike="noStrike" cap="none" normalizeH="0" baseline="0" dirty="0" smtClean="0">
                 <a:ln>
                   <a:noFill/>
@@ -5427,14 +5358,14 @@
           </a:bodyPr>
           <a:lstStyle/>
           <a:p>
-            <a:r xmlns:a="http://schemas.openxmlformats.org/drawingml/2006/main">
+            <a:r>
               <a:rPr lang="en" sz="2800" b="1" dirty="0" err="1" smtClean="0">
                 <a:latin typeface="Segoe UI" panose="020B0502040204020203" pitchFamily="34" charset="0"/>
                 <a:cs typeface="Segoe UI" panose="020B0502040204020203" pitchFamily="34" charset="0"/>
               </a:rPr>
               <a:t>Groups</a:t>
             </a:r>
-            <a:endParaRPr xmlns:a="http://schemas.openxmlformats.org/drawingml/2006/main" lang="en-US" sz="2800" b="1" dirty="0">
+            <a:endParaRPr lang="en-US" sz="2800" b="1" dirty="0">
               <a:latin typeface="Segoe UI" panose="020B0502040204020203" pitchFamily="34" charset="0"/>
               <a:cs typeface="Segoe UI" panose="020B0502040204020203" pitchFamily="34" charset="0"/>
             </a:endParaRPr>
@@ -5570,27 +5501,23 @@
           </a:bodyPr>
           <a:lstStyle/>
           <a:p>
-            <a:r xmlns:a="http://schemas.openxmlformats.org/drawingml/2006/main">
+            <a:r>
               <a:rPr lang="en" sz="2000" b="1" dirty="0"/>
               <a:t>Continent </a:t>
             </a:r>
-            <a:r xmlns:a="http://schemas.openxmlformats.org/drawingml/2006/main">
+            <a:r>
               <a:rPr lang="en" sz="2000" dirty="0"/>
-              <a:t>table level </a:t>
-            </a:r>
-            <a:r xmlns:a="http://schemas.openxmlformats.org/drawingml/2006/main">
-              <a:rPr lang="en" sz="2000" dirty="0"/>
-              <a:t>, rename it to </a:t>
-            </a:r>
-            <a:r xmlns:a="http://schemas.openxmlformats.org/drawingml/2006/main">
+              <a:t>table level , rename it to </a:t>
+            </a:r>
+            <a:r>
               <a:rPr lang="en" sz="2000" b="1" dirty="0" err="1"/>
               <a:t>America </a:t>
             </a:r>
-            <a:r xmlns:a="http://schemas.openxmlformats.org/drawingml/2006/main">
+            <a:r>
               <a:rPr lang="en" sz="2000" dirty="0"/>
               <a:t>.</a:t>
             </a:r>
-            <a:endParaRPr xmlns:a="http://schemas.openxmlformats.org/drawingml/2006/main" lang="en-US" sz="2000" dirty="0"/>
+            <a:endParaRPr lang="en-US" sz="2000" dirty="0"/>
           </a:p>
         </p:txBody>
       </p:sp>
@@ -5646,14 +5573,14 @@
           </a:bodyPr>
           <a:lstStyle/>
           <a:p>
-            <a:r xmlns:a="http://schemas.openxmlformats.org/drawingml/2006/main">
+            <a:r>
               <a:rPr lang="en" sz="2800" b="1" dirty="0" err="1" smtClean="0">
                 <a:latin typeface="Segoe UI" panose="020B0502040204020203" pitchFamily="34" charset="0"/>
                 <a:cs typeface="Segoe UI" panose="020B0502040204020203" pitchFamily="34" charset="0"/>
               </a:rPr>
               <a:t>Groups</a:t>
             </a:r>
-            <a:endParaRPr xmlns:a="http://schemas.openxmlformats.org/drawingml/2006/main" lang="en-US" sz="2800" b="1" dirty="0">
+            <a:endParaRPr lang="en-US" sz="2800" b="1" dirty="0">
               <a:latin typeface="Segoe UI" panose="020B0502040204020203" pitchFamily="34" charset="0"/>
               <a:cs typeface="Segoe UI" panose="020B0502040204020203" pitchFamily="34" charset="0"/>
             </a:endParaRPr>
@@ -5757,19 +5684,19 @@
           </a:bodyPr>
           <a:lstStyle/>
           <a:p>
-            <a:r xmlns:a="http://schemas.openxmlformats.org/drawingml/2006/main">
+            <a:r>
               <a:rPr lang="en" sz="2000" dirty="0"/>
               <a:t>Right-click on the newly added field and apply </a:t>
             </a:r>
-            <a:r xmlns:a="http://schemas.openxmlformats.org/drawingml/2006/main">
+            <a:r>
               <a:rPr lang="en" sz="2000" b="1" dirty="0"/>
               <a:t>Edit Groups </a:t>
             </a:r>
-            <a:r xmlns:a="http://schemas.openxmlformats.org/drawingml/2006/main">
+            <a:r>
               <a:rPr lang="en" sz="2000" dirty="0"/>
               <a:t>.</a:t>
             </a:r>
-            <a:endParaRPr xmlns:a="http://schemas.openxmlformats.org/drawingml/2006/main" lang="en-US" sz="2000" dirty="0"/>
+            <a:endParaRPr lang="en-US" sz="2000" dirty="0"/>
           </a:p>
         </p:txBody>
       </p:sp>
@@ -5825,14 +5752,14 @@
           </a:bodyPr>
           <a:lstStyle/>
           <a:p>
-            <a:r xmlns:a="http://schemas.openxmlformats.org/drawingml/2006/main">
+            <a:r>
               <a:rPr lang="en" sz="2800" b="1" dirty="0" err="1" smtClean="0">
                 <a:latin typeface="Segoe UI" panose="020B0502040204020203" pitchFamily="34" charset="0"/>
                 <a:cs typeface="Segoe UI" panose="020B0502040204020203" pitchFamily="34" charset="0"/>
               </a:rPr>
               <a:t>Groups</a:t>
             </a:r>
-            <a:endParaRPr xmlns:a="http://schemas.openxmlformats.org/drawingml/2006/main" lang="en-US" sz="2800" b="1" dirty="0">
+            <a:endParaRPr lang="en-US" sz="2800" b="1" dirty="0">
               <a:latin typeface="Segoe UI" panose="020B0502040204020203" pitchFamily="34" charset="0"/>
               <a:cs typeface="Segoe UI" panose="020B0502040204020203" pitchFamily="34" charset="0"/>
             </a:endParaRPr>
@@ -5884,39 +5811,35 @@
           </a:bodyPr>
           <a:lstStyle/>
           <a:p>
-            <a:r xmlns:a="http://schemas.openxmlformats.org/drawingml/2006/main">
+            <a:r>
               <a:rPr lang="en" sz="2000" b="1" dirty="0" err="1"/>
               <a:t>ContainsName </a:t>
             </a:r>
-            <a:r xmlns:a="http://schemas.openxmlformats.org/drawingml/2006/main">
+            <a:r>
               <a:rPr lang="en" sz="2000" dirty="0"/>
-              <a:t>field </a:t>
-            </a:r>
-            <a:r xmlns:a="http://schemas.openxmlformats.org/drawingml/2006/main">
-              <a:rPr lang="en" sz="2000" dirty="0"/>
-              <a:t>with the new </a:t>
-            </a:r>
-            <a:r xmlns:a="http://schemas.openxmlformats.org/drawingml/2006/main">
+              <a:t>field with the new </a:t>
+            </a:r>
+            <a:r>
               <a:rPr lang="en" sz="2000" b="1" dirty="0" err="1"/>
               <a:t>ContainsName </a:t>
             </a:r>
-            <a:r xmlns:a="http://schemas.openxmlformats.org/drawingml/2006/main">
+            <a:r>
               <a:rPr lang="en" sz="2000" b="1" dirty="0"/>
               <a:t>(Groups) field </a:t>
             </a:r>
-            <a:r xmlns:a="http://schemas.openxmlformats.org/drawingml/2006/main">
+            <a:r>
               <a:rPr lang="en" sz="2000" dirty="0"/>
               <a:t>which is now called </a:t>
             </a:r>
-            <a:r xmlns:a="http://schemas.openxmlformats.org/drawingml/2006/main">
+            <a:r>
               <a:rPr lang="en" sz="2000" b="1" dirty="0" err="1"/>
               <a:t>America </a:t>
             </a:r>
-            <a:r xmlns:a="http://schemas.openxmlformats.org/drawingml/2006/main">
+            <a:r>
               <a:rPr lang="en" sz="2000" dirty="0"/>
               <a:t>in the histogram and observe the change in the data presentation.</a:t>
             </a:r>
-            <a:endParaRPr xmlns:a="http://schemas.openxmlformats.org/drawingml/2006/main" lang="en-US" sz="2000" dirty="0"/>
+            <a:endParaRPr lang="en-US" sz="2000" dirty="0"/>
           </a:p>
         </p:txBody>
       </p:sp>
@@ -5972,14 +5895,14 @@
           </a:bodyPr>
           <a:lstStyle/>
           <a:p>
-            <a:r xmlns:a="http://schemas.openxmlformats.org/drawingml/2006/main">
+            <a:r>
               <a:rPr lang="en" sz="2800" b="1" dirty="0" err="1" smtClean="0">
                 <a:latin typeface="Segoe UI" panose="020B0502040204020203" pitchFamily="34" charset="0"/>
                 <a:cs typeface="Segoe UI" panose="020B0502040204020203" pitchFamily="34" charset="0"/>
               </a:rPr>
               <a:t>Groups</a:t>
             </a:r>
-            <a:endParaRPr xmlns:a="http://schemas.openxmlformats.org/drawingml/2006/main" lang="en-US" sz="2800" b="1" dirty="0">
+            <a:endParaRPr lang="en-US" sz="2800" b="1" dirty="0">
               <a:latin typeface="Segoe UI" panose="020B0502040204020203" pitchFamily="34" charset="0"/>
               <a:cs typeface="Segoe UI" panose="020B0502040204020203" pitchFamily="34" charset="0"/>
             </a:endParaRPr>
@@ -6046,31 +5969,31 @@
           </a:bodyPr>
           <a:lstStyle/>
           <a:p>
-            <a:r xmlns:a="http://schemas.openxmlformats.org/drawingml/2006/main">
+            <a:r>
               <a:rPr lang="en" sz="2000" b="1" dirty="0" err="1"/>
               <a:t>ContainsName </a:t>
             </a:r>
-            <a:r xmlns:a="http://schemas.openxmlformats.org/drawingml/2006/main">
+            <a:r>
               <a:rPr lang="en" sz="2000" dirty="0"/>
               <a:t>groups </a:t>
             </a:r>
-            <a:r xmlns:a="http://schemas.openxmlformats.org/drawingml/2006/main">
+            <a:r>
               <a:rPr lang="en" sz="2000" b="1" dirty="0"/>
               <a:t>(Groups) </a:t>
             </a:r>
-            <a:r xmlns:a="http://schemas.openxmlformats.org/drawingml/2006/main">
+            <a:r>
               <a:rPr lang="en" sz="2000" dirty="0"/>
               <a:t>by right-clicking on them and clicking </a:t>
             </a:r>
-            <a:r xmlns:a="http://schemas.openxmlformats.org/drawingml/2006/main">
+            <a:r>
               <a:rPr lang="en" sz="2000" b="1" dirty="0"/>
               <a:t>Edit Groups </a:t>
             </a:r>
-            <a:r xmlns:a="http://schemas.openxmlformats.org/drawingml/2006/main">
+            <a:r>
               <a:rPr lang="en" sz="2000" dirty="0"/>
               <a:t>.</a:t>
             </a:r>
-            <a:endParaRPr xmlns:a="http://schemas.openxmlformats.org/drawingml/2006/main" lang="en-US" sz="2000" dirty="0"/>
+            <a:endParaRPr lang="en-US" sz="2000" dirty="0"/>
           </a:p>
         </p:txBody>
       </p:sp>
@@ -6126,14 +6049,14 @@
           </a:bodyPr>
           <a:lstStyle/>
           <a:p>
-            <a:r xmlns:a="http://schemas.openxmlformats.org/drawingml/2006/main">
+            <a:r>
               <a:rPr lang="en" sz="2800" b="1" dirty="0" err="1" smtClean="0">
                 <a:latin typeface="Segoe UI" panose="020B0502040204020203" pitchFamily="34" charset="0"/>
                 <a:cs typeface="Segoe UI" panose="020B0502040204020203" pitchFamily="34" charset="0"/>
               </a:rPr>
               <a:t>Groups</a:t>
             </a:r>
-            <a:endParaRPr xmlns:a="http://schemas.openxmlformats.org/drawingml/2006/main" lang="en-US" sz="2800" b="1" dirty="0">
+            <a:endParaRPr lang="en-US" sz="2800" b="1" dirty="0">
               <a:latin typeface="Segoe UI" panose="020B0502040204020203" pitchFamily="34" charset="0"/>
               <a:cs typeface="Segoe UI" panose="020B0502040204020203" pitchFamily="34" charset="0"/>
             </a:endParaRPr>
@@ -6235,19 +6158,19 @@
           </a:bodyPr>
           <a:lstStyle/>
           <a:p>
-            <a:r xmlns:a="http://schemas.openxmlformats.org/drawingml/2006/main">
+            <a:r>
               <a:rPr lang="en" sz="2000" dirty="0"/>
               <a:t>Note that the group type only displays one option, namely </a:t>
             </a:r>
-            <a:r xmlns:a="http://schemas.openxmlformats.org/drawingml/2006/main">
+            <a:r>
               <a:rPr lang="en" sz="2000" b="1" dirty="0"/>
               <a:t>List Only </a:t>
             </a:r>
-            <a:r xmlns:a="http://schemas.openxmlformats.org/drawingml/2006/main">
+            <a:r>
               <a:rPr lang="en" sz="2000" dirty="0"/>
               <a:t>, although it is a drop-down list, and this is because the grouping field is non-numeric. Also note that the option is disabled.</a:t>
             </a:r>
-            <a:endParaRPr xmlns:a="http://schemas.openxmlformats.org/drawingml/2006/main" lang="en-US" sz="2000" dirty="0"/>
+            <a:endParaRPr lang="en-US" sz="2000" dirty="0"/>
           </a:p>
         </p:txBody>
       </p:sp>
@@ -6272,35 +6195,35 @@
           </a:bodyPr>
           <a:lstStyle/>
           <a:p>
-            <a:r xmlns:a="http://schemas.openxmlformats.org/drawingml/2006/main">
+            <a:r>
               <a:rPr lang="en" sz="2000" dirty="0"/>
               <a:t>Select </a:t>
             </a:r>
-            <a:r xmlns:a="http://schemas.openxmlformats.org/drawingml/2006/main">
+            <a:r>
               <a:rPr lang="en" sz="2000" b="1" dirty="0"/>
               <a:t>Africa </a:t>
             </a:r>
-            <a:r xmlns:a="http://schemas.openxmlformats.org/drawingml/2006/main">
+            <a:r>
               <a:rPr lang="en" sz="2000" dirty="0"/>
               <a:t>in the left panel and click the </a:t>
             </a:r>
-            <a:r xmlns:a="http://schemas.openxmlformats.org/drawingml/2006/main">
+            <a:r>
               <a:rPr lang="en" sz="2000" b="1" dirty="0"/>
               <a:t>Group button </a:t>
             </a:r>
-            <a:r xmlns:a="http://schemas.openxmlformats.org/drawingml/2006/main">
+            <a:r>
               <a:rPr lang="en" sz="2000" dirty="0"/>
               <a:t>, keep the name </a:t>
             </a:r>
-            <a:r xmlns:a="http://schemas.openxmlformats.org/drawingml/2006/main">
+            <a:r>
               <a:rPr lang="en" sz="2000" b="1" dirty="0"/>
               <a:t>Africa </a:t>
             </a:r>
-            <a:r xmlns:a="http://schemas.openxmlformats.org/drawingml/2006/main">
+            <a:r>
               <a:rPr lang="en" sz="2000" dirty="0"/>
               <a:t>in the new group.</a:t>
             </a:r>
-            <a:endParaRPr xmlns:a="http://schemas.openxmlformats.org/drawingml/2006/main" lang="en-US" sz="2000" dirty="0"/>
+            <a:endParaRPr lang="en-US" sz="2000" dirty="0"/>
           </a:p>
         </p:txBody>
       </p:sp>
@@ -6325,11 +6248,11 @@
           </a:bodyPr>
           <a:lstStyle/>
           <a:p>
-            <a:r xmlns:a="http://schemas.openxmlformats.org/drawingml/2006/main">
+            <a:r>
               <a:rPr lang="en" sz="2000" dirty="0"/>
               <a:t>Now create a group that corresponds to each continent to represent the rest of the continents at the same level of the histogram.</a:t>
             </a:r>
-            <a:endParaRPr xmlns:a="http://schemas.openxmlformats.org/drawingml/2006/main" lang="en-US" sz="2000" dirty="0"/>
+            <a:endParaRPr lang="en-US" sz="2000" dirty="0"/>
           </a:p>
         </p:txBody>
       </p:sp>
